--- a/6 - Naive Bayes/Conditional Probability.pptx
+++ b/6 - Naive Bayes/Conditional Probability.pptx
@@ -7634,8 +7634,8 @@
           </p:spPr>
         </p:pic>
       </p:grpSp>
-      <mc:AlternateContent xmlns:mc="http://schemas.openxmlformats.org/markup-compatibility/2006">
-        <mc:Choice xmlns:a14="http://schemas.microsoft.com/office/drawing/2010/main" Requires="a14">
+      <mc:AlternateContent xmlns:mc="http://schemas.openxmlformats.org/markup-compatibility/2006" xmlns:a14="http://schemas.microsoft.com/office/drawing/2010/main">
+        <mc:Choice Requires="a14">
           <p:sp>
             <p:nvSpPr>
               <p:cNvPr id="26" name="TextBox 25">
@@ -7715,7 +7715,7 @@
             </p:txBody>
           </p:sp>
         </mc:Choice>
-        <mc:Fallback>
+        <mc:Fallback xmlns="">
           <p:sp>
             <p:nvSpPr>
               <p:cNvPr id="26" name="TextBox 25">
@@ -7760,8 +7760,8 @@
           </p:sp>
         </mc:Fallback>
       </mc:AlternateContent>
-      <mc:AlternateContent xmlns:mc="http://schemas.openxmlformats.org/markup-compatibility/2006">
-        <mc:Choice xmlns:a14="http://schemas.microsoft.com/office/drawing/2010/main" Requires="a14">
+      <mc:AlternateContent xmlns:mc="http://schemas.openxmlformats.org/markup-compatibility/2006" xmlns:a14="http://schemas.microsoft.com/office/drawing/2010/main">
+        <mc:Choice Requires="a14">
           <p:sp>
             <p:nvSpPr>
               <p:cNvPr id="28" name="TextBox 27">
@@ -7845,7 +7845,7 @@
             </p:txBody>
           </p:sp>
         </mc:Choice>
-        <mc:Fallback>
+        <mc:Fallback xmlns="">
           <p:sp>
             <p:nvSpPr>
               <p:cNvPr id="28" name="TextBox 27">
@@ -7890,8 +7890,8 @@
           </p:sp>
         </mc:Fallback>
       </mc:AlternateContent>
-      <mc:AlternateContent xmlns:mc="http://schemas.openxmlformats.org/markup-compatibility/2006">
-        <mc:Choice xmlns:a14="http://schemas.microsoft.com/office/drawing/2010/main" Requires="a14">
+      <mc:AlternateContent xmlns:mc="http://schemas.openxmlformats.org/markup-compatibility/2006" xmlns:a14="http://schemas.microsoft.com/office/drawing/2010/main">
+        <mc:Choice Requires="a14">
           <p:sp>
             <p:nvSpPr>
               <p:cNvPr id="37" name="TextBox 36">
@@ -7991,7 +7991,7 @@
             </p:txBody>
           </p:sp>
         </mc:Choice>
-        <mc:Fallback>
+        <mc:Fallback xmlns="">
           <p:sp>
             <p:nvSpPr>
               <p:cNvPr id="37" name="TextBox 36">
@@ -8036,8 +8036,8 @@
           </p:sp>
         </mc:Fallback>
       </mc:AlternateContent>
-      <mc:AlternateContent xmlns:mc="http://schemas.openxmlformats.org/markup-compatibility/2006">
-        <mc:Choice xmlns:a14="http://schemas.microsoft.com/office/drawing/2010/main" Requires="a14">
+      <mc:AlternateContent xmlns:mc="http://schemas.openxmlformats.org/markup-compatibility/2006" xmlns:a14="http://schemas.microsoft.com/office/drawing/2010/main">
+        <mc:Choice Requires="a14">
           <p:sp>
             <p:nvSpPr>
               <p:cNvPr id="38" name="TextBox 37">
@@ -8158,7 +8158,7 @@
             </p:txBody>
           </p:sp>
         </mc:Choice>
-        <mc:Fallback>
+        <mc:Fallback xmlns="">
           <p:sp>
             <p:nvSpPr>
               <p:cNvPr id="38" name="TextBox 37">
@@ -9109,8 +9109,8 @@
           </a:p>
         </p:txBody>
       </p:sp>
-      <mc:AlternateContent xmlns:mc="http://schemas.openxmlformats.org/markup-compatibility/2006">
-        <mc:Choice xmlns:a14="http://schemas.microsoft.com/office/drawing/2010/main" Requires="a14">
+      <mc:AlternateContent xmlns:mc="http://schemas.openxmlformats.org/markup-compatibility/2006" xmlns:a14="http://schemas.microsoft.com/office/drawing/2010/main">
+        <mc:Choice Requires="a14">
           <p:sp>
             <p:nvSpPr>
               <p:cNvPr id="39" name="TextBox 38">
@@ -9199,7 +9199,7 @@
             </p:txBody>
           </p:sp>
         </mc:Choice>
-        <mc:Fallback>
+        <mc:Fallback xmlns="">
           <p:sp>
             <p:nvSpPr>
               <p:cNvPr id="39" name="TextBox 38">
@@ -10112,42 +10112,6 @@
             </a:solidFill>
           </p:spPr>
         </p:pic>
-        <p:pic>
-          <p:nvPicPr>
-            <p:cNvPr id="12" name="Picture 11" descr="A black and white dice&#10;&#10;Description automatically generated">
-              <a:extLst>
-                <a:ext uri="{FF2B5EF4-FFF2-40B4-BE49-F238E27FC236}">
-                  <a16:creationId xmlns:a16="http://schemas.microsoft.com/office/drawing/2014/main" id="{8F9D63E7-2E79-5DD3-8C51-F1993396E9A5}"/>
-                </a:ext>
-              </a:extLst>
-            </p:cNvPr>
-            <p:cNvPicPr>
-              <a:picLocks noChangeAspect="1"/>
-            </p:cNvPicPr>
-            <p:nvPr/>
-          </p:nvPicPr>
-          <p:blipFill>
-            <a:blip r:embed="rId8">
-              <a:extLst>
-                <a:ext uri="{28A0092B-C50C-407E-A947-70E740481C1C}">
-                  <a14:useLocalDpi xmlns:a14="http://schemas.microsoft.com/office/drawing/2010/main" val="0"/>
-                </a:ext>
-              </a:extLst>
-            </a:blip>
-            <a:stretch>
-              <a:fillRect/>
-            </a:stretch>
-          </p:blipFill>
-          <p:spPr>
-            <a:xfrm>
-              <a:off x="7075494" y="3766936"/>
-              <a:ext cx="720000" cy="720000"/>
-            </a:xfrm>
-            <a:prstGeom prst="rect">
-              <a:avLst/>
-            </a:prstGeom>
-          </p:spPr>
-        </p:pic>
         <p:sp>
           <p:nvSpPr>
             <p:cNvPr id="13" name="Oval 12">
@@ -10200,8 +10164,8 @@
             </a:p>
           </p:txBody>
         </p:sp>
-        <mc:AlternateContent xmlns:mc="http://schemas.openxmlformats.org/markup-compatibility/2006">
-          <mc:Choice xmlns:a14="http://schemas.microsoft.com/office/drawing/2010/main" Requires="a14">
+        <mc:AlternateContent xmlns:mc="http://schemas.openxmlformats.org/markup-compatibility/2006" xmlns:a14="http://schemas.microsoft.com/office/drawing/2010/main">
+          <mc:Choice Requires="a14">
             <p:sp>
               <p:nvSpPr>
                 <p:cNvPr id="16" name="TextBox 15">
@@ -10281,7 +10245,7 @@
               </p:txBody>
             </p:sp>
           </mc:Choice>
-          <mc:Fallback>
+          <mc:Fallback xmlns="">
             <p:sp>
               <p:nvSpPr>
                 <p:cNvPr id="16" name="TextBox 15">
@@ -10326,8 +10290,8 @@
             </p:sp>
           </mc:Fallback>
         </mc:AlternateContent>
-        <mc:AlternateContent xmlns:mc="http://schemas.openxmlformats.org/markup-compatibility/2006">
-          <mc:Choice xmlns:a14="http://schemas.microsoft.com/office/drawing/2010/main" Requires="a14">
+        <mc:AlternateContent xmlns:mc="http://schemas.openxmlformats.org/markup-compatibility/2006" xmlns:a14="http://schemas.microsoft.com/office/drawing/2010/main">
+          <mc:Choice Requires="a14">
             <p:sp>
               <p:nvSpPr>
                 <p:cNvPr id="17" name="TextBox 16">
@@ -10411,7 +10375,7 @@
               </p:txBody>
             </p:sp>
           </mc:Choice>
-          <mc:Fallback>
+          <mc:Fallback xmlns="">
             <p:sp>
               <p:nvSpPr>
                 <p:cNvPr id="17" name="TextBox 16">
@@ -10457,8 +10421,8 @@
           </mc:Fallback>
         </mc:AlternateContent>
       </p:grpSp>
-      <mc:AlternateContent xmlns:mc="http://schemas.openxmlformats.org/markup-compatibility/2006">
-        <mc:Choice xmlns:a14="http://schemas.microsoft.com/office/drawing/2010/main" Requires="a14">
+      <mc:AlternateContent xmlns:mc="http://schemas.openxmlformats.org/markup-compatibility/2006" xmlns:a14="http://schemas.microsoft.com/office/drawing/2010/main">
+        <mc:Choice Requires="a14">
           <p:sp>
             <p:nvSpPr>
               <p:cNvPr id="19" name="TextBox 18">
@@ -10613,7 +10577,7 @@
             </p:txBody>
           </p:sp>
         </mc:Choice>
-        <mc:Fallback>
+        <mc:Fallback xmlns="">
           <p:sp>
             <p:nvSpPr>
               <p:cNvPr id="19" name="TextBox 18">
@@ -10658,8 +10622,8 @@
           </p:sp>
         </mc:Fallback>
       </mc:AlternateContent>
-      <mc:AlternateContent xmlns:mc="http://schemas.openxmlformats.org/markup-compatibility/2006">
-        <mc:Choice xmlns:a14="http://schemas.microsoft.com/office/drawing/2010/main" Requires="a14">
+      <mc:AlternateContent xmlns:mc="http://schemas.openxmlformats.org/markup-compatibility/2006" xmlns:a14="http://schemas.microsoft.com/office/drawing/2010/main">
+        <mc:Choice Requires="a14">
           <p:sp>
             <p:nvSpPr>
               <p:cNvPr id="3" name="TextBox 2">
@@ -10793,7 +10757,7 @@
             </p:txBody>
           </p:sp>
         </mc:Choice>
-        <mc:Fallback>
+        <mc:Fallback xmlns="">
           <p:sp>
             <p:nvSpPr>
               <p:cNvPr id="3" name="TextBox 2">
@@ -11049,8 +11013,8 @@
           </a:p>
         </p:txBody>
       </p:sp>
-      <mc:AlternateContent xmlns:mc="http://schemas.openxmlformats.org/markup-compatibility/2006">
-        <mc:Choice xmlns:a14="http://schemas.microsoft.com/office/drawing/2010/main" Requires="a14">
+      <mc:AlternateContent xmlns:mc="http://schemas.openxmlformats.org/markup-compatibility/2006" xmlns:a14="http://schemas.microsoft.com/office/drawing/2010/main">
+        <mc:Choice Requires="a14">
           <p:sp>
             <p:nvSpPr>
               <p:cNvPr id="11" name="TextBox 10">
@@ -11171,7 +11135,7 @@
             </p:txBody>
           </p:sp>
         </mc:Choice>
-        <mc:Fallback>
+        <mc:Fallback xmlns="">
           <p:sp>
             <p:nvSpPr>
               <p:cNvPr id="11" name="TextBox 10">
@@ -11216,6 +11180,42 @@
           </p:sp>
         </mc:Fallback>
       </mc:AlternateContent>
+      <p:pic>
+        <p:nvPicPr>
+          <p:cNvPr id="9" name="Picture 8" descr="A black and white dice with black dots&#10;&#10;Description automatically generated">
+            <a:extLst>
+              <a:ext uri="{FF2B5EF4-FFF2-40B4-BE49-F238E27FC236}">
+                <a16:creationId xmlns:a16="http://schemas.microsoft.com/office/drawing/2014/main" id="{202A7CE3-A21A-A2B7-77D4-D1A4A208F28F}"/>
+              </a:ext>
+            </a:extLst>
+          </p:cNvPr>
+          <p:cNvPicPr>
+            <a:picLocks noChangeAspect="1"/>
+          </p:cNvPicPr>
+          <p:nvPr/>
+        </p:nvPicPr>
+        <p:blipFill>
+          <a:blip r:embed="rId14">
+            <a:extLst>
+              <a:ext uri="{28A0092B-C50C-407E-A947-70E740481C1C}">
+                <a14:useLocalDpi xmlns:a14="http://schemas.microsoft.com/office/drawing/2010/main" val="0"/>
+              </a:ext>
+            </a:extLst>
+          </a:blip>
+          <a:stretch>
+            <a:fillRect/>
+          </a:stretch>
+        </p:blipFill>
+        <p:spPr>
+          <a:xfrm>
+            <a:off x="6937782" y="3469663"/>
+            <a:ext cx="723600" cy="723600"/>
+          </a:xfrm>
+          <a:prstGeom prst="rect">
+            <a:avLst/>
+          </a:prstGeom>
+        </p:spPr>
+      </p:pic>
     </p:spTree>
     <p:extLst>
       <p:ext uri="{BB962C8B-B14F-4D97-AF65-F5344CB8AC3E}">
@@ -11711,6 +11711,59 @@
                       </p:childTnLst>
                     </p:cTn>
                   </p:par>
+                  <p:par>
+                    <p:cTn id="48" fill="hold">
+                      <p:stCondLst>
+                        <p:cond delay="indefinite"/>
+                      </p:stCondLst>
+                      <p:childTnLst>
+                        <p:par>
+                          <p:cTn id="49" fill="hold">
+                            <p:stCondLst>
+                              <p:cond delay="0"/>
+                            </p:stCondLst>
+                            <p:childTnLst>
+                              <p:par>
+                                <p:cTn id="50" presetID="9" presetClass="entr" presetSubtype="0" fill="hold" nodeType="clickEffect">
+                                  <p:stCondLst>
+                                    <p:cond delay="0"/>
+                                  </p:stCondLst>
+                                  <p:childTnLst>
+                                    <p:set>
+                                      <p:cBhvr>
+                                        <p:cTn id="51" dur="1" fill="hold">
+                                          <p:stCondLst>
+                                            <p:cond delay="0"/>
+                                          </p:stCondLst>
+                                        </p:cTn>
+                                        <p:tgtEl>
+                                          <p:spTgt spid="9"/>
+                                        </p:tgtEl>
+                                        <p:attrNameLst>
+                                          <p:attrName>style.visibility</p:attrName>
+                                        </p:attrNameLst>
+                                      </p:cBhvr>
+                                      <p:to>
+                                        <p:strVal val="visible"/>
+                                      </p:to>
+                                    </p:set>
+                                    <p:animEffect transition="in" filter="dissolve">
+                                      <p:cBhvr>
+                                        <p:cTn id="52" dur="500"/>
+                                        <p:tgtEl>
+                                          <p:spTgt spid="9"/>
+                                        </p:tgtEl>
+                                      </p:cBhvr>
+                                    </p:animEffect>
+                                  </p:childTnLst>
+                                </p:cTn>
+                              </p:par>
+                            </p:childTnLst>
+                          </p:cTn>
+                        </p:par>
+                      </p:childTnLst>
+                    </p:cTn>
+                  </p:par>
                 </p:childTnLst>
               </p:cTn>
               <p:prevCondLst>
@@ -11860,8 +11913,8 @@
           </a:p>
         </p:txBody>
       </p:sp>
-      <mc:AlternateContent xmlns:mc="http://schemas.openxmlformats.org/markup-compatibility/2006">
-        <mc:Choice xmlns:a14="http://schemas.microsoft.com/office/drawing/2010/main" Requires="a14">
+      <mc:AlternateContent xmlns:mc="http://schemas.openxmlformats.org/markup-compatibility/2006" xmlns:a14="http://schemas.microsoft.com/office/drawing/2010/main">
+        <mc:Choice Requires="a14">
           <p:sp>
             <p:nvSpPr>
               <p:cNvPr id="39" name="TextBox 38">
@@ -11950,7 +12003,7 @@
             </p:txBody>
           </p:sp>
         </mc:Choice>
-        <mc:Fallback>
+        <mc:Fallback xmlns="">
           <p:sp>
             <p:nvSpPr>
               <p:cNvPr id="39" name="TextBox 38">
@@ -12807,44 +12860,8 @@
           </a:solidFill>
         </p:spPr>
       </p:pic>
-      <p:pic>
-        <p:nvPicPr>
-          <p:cNvPr id="12" name="Picture 11" descr="A black and white dice&#10;&#10;Description automatically generated">
-            <a:extLst>
-              <a:ext uri="{FF2B5EF4-FFF2-40B4-BE49-F238E27FC236}">
-                <a16:creationId xmlns:a16="http://schemas.microsoft.com/office/drawing/2014/main" id="{8F9D63E7-2E79-5DD3-8C51-F1993396E9A5}"/>
-              </a:ext>
-            </a:extLst>
-          </p:cNvPr>
-          <p:cNvPicPr>
-            <a:picLocks noChangeAspect="1"/>
-          </p:cNvPicPr>
-          <p:nvPr/>
-        </p:nvPicPr>
-        <p:blipFill>
-          <a:blip r:embed="rId7">
-            <a:extLst>
-              <a:ext uri="{28A0092B-C50C-407E-A947-70E740481C1C}">
-                <a14:useLocalDpi xmlns:a14="http://schemas.microsoft.com/office/drawing/2010/main" val="0"/>
-              </a:ext>
-            </a:extLst>
-          </a:blip>
-          <a:stretch>
-            <a:fillRect/>
-          </a:stretch>
-        </p:blipFill>
-        <p:spPr>
-          <a:xfrm>
-            <a:off x="7075494" y="3766936"/>
-            <a:ext cx="720000" cy="720000"/>
-          </a:xfrm>
-          <a:prstGeom prst="rect">
-            <a:avLst/>
-          </a:prstGeom>
-        </p:spPr>
-      </p:pic>
-      <mc:AlternateContent xmlns:mc="http://schemas.openxmlformats.org/markup-compatibility/2006">
-        <mc:Choice xmlns:a14="http://schemas.microsoft.com/office/drawing/2010/main" Requires="a14">
+      <mc:AlternateContent xmlns:mc="http://schemas.openxmlformats.org/markup-compatibility/2006" xmlns:a14="http://schemas.microsoft.com/office/drawing/2010/main">
+        <mc:Choice Requires="a14">
           <p:sp>
             <p:nvSpPr>
               <p:cNvPr id="16" name="TextBox 15">
@@ -12924,7 +12941,7 @@
             </p:txBody>
           </p:sp>
         </mc:Choice>
-        <mc:Fallback>
+        <mc:Fallback xmlns="">
           <p:sp>
             <p:nvSpPr>
               <p:cNvPr id="16" name="TextBox 15">
@@ -12969,8 +12986,8 @@
           </p:sp>
         </mc:Fallback>
       </mc:AlternateContent>
-      <mc:AlternateContent xmlns:mc="http://schemas.openxmlformats.org/markup-compatibility/2006">
-        <mc:Choice xmlns:a14="http://schemas.microsoft.com/office/drawing/2010/main" Requires="a14">
+      <mc:AlternateContent xmlns:mc="http://schemas.openxmlformats.org/markup-compatibility/2006" xmlns:a14="http://schemas.microsoft.com/office/drawing/2010/main">
+        <mc:Choice Requires="a14">
           <p:sp>
             <p:nvSpPr>
               <p:cNvPr id="19" name="TextBox 18">
@@ -13125,7 +13142,7 @@
             </p:txBody>
           </p:sp>
         </mc:Choice>
-        <mc:Fallback>
+        <mc:Fallback xmlns="">
           <p:sp>
             <p:nvSpPr>
               <p:cNvPr id="19" name="TextBox 18">
@@ -13170,8 +13187,8 @@
           </p:sp>
         </mc:Fallback>
       </mc:AlternateContent>
-      <mc:AlternateContent xmlns:mc="http://schemas.openxmlformats.org/markup-compatibility/2006">
-        <mc:Choice xmlns:a14="http://schemas.microsoft.com/office/drawing/2010/main" Requires="a14">
+      <mc:AlternateContent xmlns:mc="http://schemas.openxmlformats.org/markup-compatibility/2006" xmlns:a14="http://schemas.microsoft.com/office/drawing/2010/main">
+        <mc:Choice Requires="a14">
           <p:sp>
             <p:nvSpPr>
               <p:cNvPr id="3" name="TextBox 2">
@@ -13304,7 +13321,7 @@
             </p:txBody>
           </p:sp>
         </mc:Choice>
-        <mc:Fallback>
+        <mc:Fallback xmlns="">
           <p:sp>
             <p:nvSpPr>
               <p:cNvPr id="3" name="TextBox 2">
@@ -13349,8 +13366,8 @@
           </p:sp>
         </mc:Fallback>
       </mc:AlternateContent>
-      <mc:AlternateContent xmlns:mc="http://schemas.openxmlformats.org/markup-compatibility/2006">
-        <mc:Choice xmlns:a14="http://schemas.microsoft.com/office/drawing/2010/main" Requires="a14">
+      <mc:AlternateContent xmlns:mc="http://schemas.openxmlformats.org/markup-compatibility/2006" xmlns:a14="http://schemas.microsoft.com/office/drawing/2010/main">
+        <mc:Choice Requires="a14">
           <p:sp>
             <p:nvSpPr>
               <p:cNvPr id="7" name="TextBox 6">
@@ -13475,7 +13492,7 @@
             </p:txBody>
           </p:sp>
         </mc:Choice>
-        <mc:Fallback>
+        <mc:Fallback xmlns="">
           <p:sp>
             <p:nvSpPr>
               <p:cNvPr id="7" name="TextBox 6">
@@ -13520,6 +13537,42 @@
           </p:sp>
         </mc:Fallback>
       </mc:AlternateContent>
+      <p:pic>
+        <p:nvPicPr>
+          <p:cNvPr id="5" name="Picture 4" descr="A black and white dice with black dots&#10;&#10;Description automatically generated">
+            <a:extLst>
+              <a:ext uri="{FF2B5EF4-FFF2-40B4-BE49-F238E27FC236}">
+                <a16:creationId xmlns:a16="http://schemas.microsoft.com/office/drawing/2014/main" id="{0AD34DC7-1F96-E5EE-AAC7-1975051E72D3}"/>
+              </a:ext>
+            </a:extLst>
+          </p:cNvPr>
+          <p:cNvPicPr>
+            <a:picLocks noChangeAspect="1"/>
+          </p:cNvPicPr>
+          <p:nvPr/>
+        </p:nvPicPr>
+        <p:blipFill>
+          <a:blip r:embed="rId12">
+            <a:extLst>
+              <a:ext uri="{28A0092B-C50C-407E-A947-70E740481C1C}">
+                <a14:useLocalDpi xmlns:a14="http://schemas.microsoft.com/office/drawing/2010/main" val="0"/>
+              </a:ext>
+            </a:extLst>
+          </a:blip>
+          <a:stretch>
+            <a:fillRect/>
+          </a:stretch>
+        </p:blipFill>
+        <p:spPr>
+          <a:xfrm>
+            <a:off x="7010596" y="3704533"/>
+            <a:ext cx="723600" cy="723600"/>
+          </a:xfrm>
+          <a:prstGeom prst="rect">
+            <a:avLst/>
+          </a:prstGeom>
+        </p:spPr>
+      </p:pic>
     </p:spTree>
     <p:extLst>
       <p:ext uri="{BB962C8B-B14F-4D97-AF65-F5344CB8AC3E}">
@@ -13656,7 +13709,7 @@
                                 </p:cTn>
                               </p:par>
                               <p:par>
-                                <p:cTn id="14" presetID="9" presetClass="entr" presetSubtype="0" fill="hold" nodeType="withEffect">
+                                <p:cTn id="14" presetID="9" presetClass="entr" presetSubtype="0" fill="hold" grpId="0" nodeType="withEffect">
                                   <p:stCondLst>
                                     <p:cond delay="0"/>
                                   </p:stCondLst>
@@ -13664,41 +13717,6 @@
                                     <p:set>
                                       <p:cBhvr>
                                         <p:cTn id="15" dur="1" fill="hold">
-                                          <p:stCondLst>
-                                            <p:cond delay="0"/>
-                                          </p:stCondLst>
-                                        </p:cTn>
-                                        <p:tgtEl>
-                                          <p:spTgt spid="12"/>
-                                        </p:tgtEl>
-                                        <p:attrNameLst>
-                                          <p:attrName>style.visibility</p:attrName>
-                                        </p:attrNameLst>
-                                      </p:cBhvr>
-                                      <p:to>
-                                        <p:strVal val="visible"/>
-                                      </p:to>
-                                    </p:set>
-                                    <p:animEffect transition="in" filter="dissolve">
-                                      <p:cBhvr>
-                                        <p:cTn id="16" dur="500"/>
-                                        <p:tgtEl>
-                                          <p:spTgt spid="12"/>
-                                        </p:tgtEl>
-                                      </p:cBhvr>
-                                    </p:animEffect>
-                                  </p:childTnLst>
-                                </p:cTn>
-                              </p:par>
-                              <p:par>
-                                <p:cTn id="17" presetID="9" presetClass="entr" presetSubtype="0" fill="hold" grpId="0" nodeType="withEffect">
-                                  <p:stCondLst>
-                                    <p:cond delay="0"/>
-                                  </p:stCondLst>
-                                  <p:childTnLst>
-                                    <p:set>
-                                      <p:cBhvr>
-                                        <p:cTn id="18" dur="1" fill="hold">
                                           <p:stCondLst>
                                             <p:cond delay="0"/>
                                           </p:stCondLst>
@@ -13716,7 +13734,7 @@
                                     </p:set>
                                     <p:animEffect transition="in" filter="dissolve">
                                       <p:cBhvr>
-                                        <p:cTn id="19" dur="500"/>
+                                        <p:cTn id="16" dur="500"/>
                                         <p:tgtEl>
                                           <p:spTgt spid="16"/>
                                         </p:tgtEl>
@@ -13732,26 +13750,26 @@
                     </p:cTn>
                   </p:par>
                   <p:par>
-                    <p:cTn id="20" fill="hold">
+                    <p:cTn id="17" fill="hold">
                       <p:stCondLst>
                         <p:cond delay="indefinite"/>
                       </p:stCondLst>
                       <p:childTnLst>
                         <p:par>
-                          <p:cTn id="21" fill="hold">
+                          <p:cTn id="18" fill="hold">
                             <p:stCondLst>
                               <p:cond delay="0"/>
                             </p:stCondLst>
                             <p:childTnLst>
                               <p:par>
-                                <p:cTn id="22" presetID="9" presetClass="entr" presetSubtype="0" fill="hold" grpId="0" nodeType="clickEffect">
+                                <p:cTn id="19" presetID="9" presetClass="entr" presetSubtype="0" fill="hold" grpId="0" nodeType="clickEffect">
                                   <p:stCondLst>
                                     <p:cond delay="0"/>
                                   </p:stCondLst>
                                   <p:childTnLst>
                                     <p:set>
                                       <p:cBhvr>
-                                        <p:cTn id="23" dur="1" fill="hold">
+                                        <p:cTn id="20" dur="1" fill="hold">
                                           <p:stCondLst>
                                             <p:cond delay="0"/>
                                           </p:stCondLst>
@@ -13769,7 +13787,7 @@
                                     </p:set>
                                     <p:animEffect transition="in" filter="dissolve">
                                       <p:cBhvr>
-                                        <p:cTn id="24" dur="500"/>
+                                        <p:cTn id="21" dur="500"/>
                                         <p:tgtEl>
                                           <p:spTgt spid="7"/>
                                         </p:tgtEl>
@@ -13785,26 +13803,26 @@
                     </p:cTn>
                   </p:par>
                   <p:par>
-                    <p:cTn id="25" fill="hold">
+                    <p:cTn id="22" fill="hold">
                       <p:stCondLst>
                         <p:cond delay="indefinite"/>
                       </p:stCondLst>
                       <p:childTnLst>
                         <p:par>
-                          <p:cTn id="26" fill="hold">
+                          <p:cTn id="23" fill="hold">
                             <p:stCondLst>
                               <p:cond delay="0"/>
                             </p:stCondLst>
                             <p:childTnLst>
                               <p:par>
-                                <p:cTn id="27" presetID="9" presetClass="entr" presetSubtype="0" fill="hold" grpId="0" nodeType="clickEffect">
+                                <p:cTn id="24" presetID="9" presetClass="entr" presetSubtype="0" fill="hold" grpId="0" nodeType="clickEffect">
                                   <p:stCondLst>
                                     <p:cond delay="0"/>
                                   </p:stCondLst>
                                   <p:childTnLst>
                                     <p:set>
                                       <p:cBhvr>
-                                        <p:cTn id="28" dur="1" fill="hold">
+                                        <p:cTn id="25" dur="1" fill="hold">
                                           <p:stCondLst>
                                             <p:cond delay="0"/>
                                           </p:stCondLst>
@@ -13822,9 +13840,62 @@
                                     </p:set>
                                     <p:animEffect transition="in" filter="dissolve">
                                       <p:cBhvr>
-                                        <p:cTn id="29" dur="500"/>
+                                        <p:cTn id="26" dur="500"/>
                                         <p:tgtEl>
                                           <p:spTgt spid="3"/>
+                                        </p:tgtEl>
+                                      </p:cBhvr>
+                                    </p:animEffect>
+                                  </p:childTnLst>
+                                </p:cTn>
+                              </p:par>
+                            </p:childTnLst>
+                          </p:cTn>
+                        </p:par>
+                      </p:childTnLst>
+                    </p:cTn>
+                  </p:par>
+                  <p:par>
+                    <p:cTn id="27" fill="hold">
+                      <p:stCondLst>
+                        <p:cond delay="indefinite"/>
+                      </p:stCondLst>
+                      <p:childTnLst>
+                        <p:par>
+                          <p:cTn id="28" fill="hold">
+                            <p:stCondLst>
+                              <p:cond delay="0"/>
+                            </p:stCondLst>
+                            <p:childTnLst>
+                              <p:par>
+                                <p:cTn id="29" presetID="9" presetClass="entr" presetSubtype="0" fill="hold" nodeType="clickEffect">
+                                  <p:stCondLst>
+                                    <p:cond delay="0"/>
+                                  </p:stCondLst>
+                                  <p:childTnLst>
+                                    <p:set>
+                                      <p:cBhvr>
+                                        <p:cTn id="30" dur="1" fill="hold">
+                                          <p:stCondLst>
+                                            <p:cond delay="0"/>
+                                          </p:stCondLst>
+                                        </p:cTn>
+                                        <p:tgtEl>
+                                          <p:spTgt spid="5"/>
+                                        </p:tgtEl>
+                                        <p:attrNameLst>
+                                          <p:attrName>style.visibility</p:attrName>
+                                        </p:attrNameLst>
+                                      </p:cBhvr>
+                                      <p:to>
+                                        <p:strVal val="visible"/>
+                                      </p:to>
+                                    </p:set>
+                                    <p:animEffect transition="in" filter="dissolve">
+                                      <p:cBhvr>
+                                        <p:cTn id="31" dur="500"/>
+                                        <p:tgtEl>
+                                          <p:spTgt spid="5"/>
                                         </p:tgtEl>
                                       </p:cBhvr>
                                     </p:animEffect>
@@ -13982,8 +14053,8 @@
           </a:p>
         </p:txBody>
       </p:sp>
-      <mc:AlternateContent xmlns:mc="http://schemas.openxmlformats.org/markup-compatibility/2006">
-        <mc:Choice xmlns:a14="http://schemas.microsoft.com/office/drawing/2010/main" Requires="a14">
+      <mc:AlternateContent xmlns:mc="http://schemas.openxmlformats.org/markup-compatibility/2006" xmlns:a14="http://schemas.microsoft.com/office/drawing/2010/main">
+        <mc:Choice Requires="a14">
           <p:sp>
             <p:nvSpPr>
               <p:cNvPr id="39" name="TextBox 38">
@@ -14072,7 +14143,7 @@
             </p:txBody>
           </p:sp>
         </mc:Choice>
-        <mc:Fallback>
+        <mc:Fallback xmlns="">
           <p:sp>
             <p:nvSpPr>
               <p:cNvPr id="39" name="TextBox 38">
@@ -14793,8 +14864,8 @@
           </a:p>
         </p:txBody>
       </p:sp>
-      <mc:AlternateContent xmlns:mc="http://schemas.openxmlformats.org/markup-compatibility/2006">
-        <mc:Choice xmlns:a14="http://schemas.microsoft.com/office/drawing/2010/main" Requires="a14">
+      <mc:AlternateContent xmlns:mc="http://schemas.openxmlformats.org/markup-compatibility/2006" xmlns:a14="http://schemas.microsoft.com/office/drawing/2010/main">
+        <mc:Choice Requires="a14">
           <p:sp>
             <p:nvSpPr>
               <p:cNvPr id="19" name="TextBox 18">
@@ -14949,7 +15020,7 @@
             </p:txBody>
           </p:sp>
         </mc:Choice>
-        <mc:Fallback>
+        <mc:Fallback xmlns="">
           <p:sp>
             <p:nvSpPr>
               <p:cNvPr id="19" name="TextBox 18">
@@ -14994,8 +15065,8 @@
           </p:sp>
         </mc:Fallback>
       </mc:AlternateContent>
-      <mc:AlternateContent xmlns:mc="http://schemas.openxmlformats.org/markup-compatibility/2006">
-        <mc:Choice xmlns:a14="http://schemas.microsoft.com/office/drawing/2010/main" Requires="a14">
+      <mc:AlternateContent xmlns:mc="http://schemas.openxmlformats.org/markup-compatibility/2006" xmlns:a14="http://schemas.microsoft.com/office/drawing/2010/main">
+        <mc:Choice Requires="a14">
           <p:sp>
             <p:nvSpPr>
               <p:cNvPr id="3" name="TextBox 2">
@@ -15177,7 +15248,7 @@
             </p:txBody>
           </p:sp>
         </mc:Choice>
-        <mc:Fallback>
+        <mc:Fallback xmlns="">
           <p:sp>
             <p:nvSpPr>
               <p:cNvPr id="3" name="TextBox 2">
@@ -15579,7 +15650,7 @@
       </p:par>
     </p:tnLst>
     <p:bldLst>
-      <p:bldP spid="3" grpId="0"/>
+      <p:bldP spid="3" grpId="0" animBg="1"/>
     </p:bldLst>
   </p:timing>
 </p:sld>
@@ -15663,8 +15734,8 @@
           </a:p>
         </p:txBody>
       </p:sp>
-      <mc:AlternateContent xmlns:mc="http://schemas.openxmlformats.org/markup-compatibility/2006">
-        <mc:Choice xmlns:a14="http://schemas.microsoft.com/office/drawing/2010/main" Requires="a14">
+      <mc:AlternateContent xmlns:mc="http://schemas.openxmlformats.org/markup-compatibility/2006" xmlns:a14="http://schemas.microsoft.com/office/drawing/2010/main">
+        <mc:Choice Requires="a14">
           <p:sp>
             <p:nvSpPr>
               <p:cNvPr id="2" name="TextBox 1">
@@ -15780,7 +15851,7 @@
             </p:txBody>
           </p:sp>
         </mc:Choice>
-        <mc:Fallback>
+        <mc:Fallback xmlns="">
           <p:sp>
             <p:nvSpPr>
               <p:cNvPr id="2" name="TextBox 1">
@@ -16197,8 +16268,8 @@
           </p:spPr>
         </p:pic>
       </p:grpSp>
-      <mc:AlternateContent xmlns:mc="http://schemas.openxmlformats.org/markup-compatibility/2006">
-        <mc:Choice xmlns:a14="http://schemas.microsoft.com/office/drawing/2010/main" Requires="a14">
+      <mc:AlternateContent xmlns:mc="http://schemas.openxmlformats.org/markup-compatibility/2006" xmlns:a14="http://schemas.microsoft.com/office/drawing/2010/main">
+        <mc:Choice Requires="a14">
           <p:sp>
             <p:nvSpPr>
               <p:cNvPr id="34" name="TextBox 33">
@@ -16290,7 +16361,7 @@
             </p:txBody>
           </p:sp>
         </mc:Choice>
-        <mc:Fallback>
+        <mc:Fallback xmlns="">
           <p:sp>
             <p:nvSpPr>
               <p:cNvPr id="34" name="TextBox 33">
@@ -16335,8 +16406,8 @@
           </p:sp>
         </mc:Fallback>
       </mc:AlternateContent>
-      <mc:AlternateContent xmlns:mc="http://schemas.openxmlformats.org/markup-compatibility/2006">
-        <mc:Choice xmlns:a14="http://schemas.microsoft.com/office/drawing/2010/main" Requires="a14">
+      <mc:AlternateContent xmlns:mc="http://schemas.openxmlformats.org/markup-compatibility/2006" xmlns:a14="http://schemas.microsoft.com/office/drawing/2010/main">
+        <mc:Choice Requires="a14">
           <p:sp>
             <p:nvSpPr>
               <p:cNvPr id="35" name="TextBox 34">
@@ -16428,7 +16499,7 @@
             </p:txBody>
           </p:sp>
         </mc:Choice>
-        <mc:Fallback>
+        <mc:Fallback xmlns="">
           <p:sp>
             <p:nvSpPr>
               <p:cNvPr id="35" name="TextBox 34">
@@ -16473,8 +16544,8 @@
           </p:sp>
         </mc:Fallback>
       </mc:AlternateContent>
-      <mc:AlternateContent xmlns:mc="http://schemas.openxmlformats.org/markup-compatibility/2006">
-        <mc:Choice xmlns:a14="http://schemas.microsoft.com/office/drawing/2010/main" Requires="a14">
+      <mc:AlternateContent xmlns:mc="http://schemas.openxmlformats.org/markup-compatibility/2006" xmlns:a14="http://schemas.microsoft.com/office/drawing/2010/main">
+        <mc:Choice Requires="a14">
           <p:sp>
             <p:nvSpPr>
               <p:cNvPr id="36" name="TextBox 35">
@@ -16566,7 +16637,7 @@
             </p:txBody>
           </p:sp>
         </mc:Choice>
-        <mc:Fallback>
+        <mc:Fallback xmlns="">
           <p:sp>
             <p:nvSpPr>
               <p:cNvPr id="36" name="TextBox 35">
@@ -16611,8 +16682,8 @@
           </p:sp>
         </mc:Fallback>
       </mc:AlternateContent>
-      <mc:AlternateContent xmlns:mc="http://schemas.openxmlformats.org/markup-compatibility/2006">
-        <mc:Choice xmlns:a14="http://schemas.microsoft.com/office/drawing/2010/main" Requires="a14">
+      <mc:AlternateContent xmlns:mc="http://schemas.openxmlformats.org/markup-compatibility/2006" xmlns:a14="http://schemas.microsoft.com/office/drawing/2010/main">
+        <mc:Choice Requires="a14">
           <p:sp>
             <p:nvSpPr>
               <p:cNvPr id="37" name="TextBox 36">
@@ -16704,7 +16775,7 @@
             </p:txBody>
           </p:sp>
         </mc:Choice>
-        <mc:Fallback>
+        <mc:Fallback xmlns="">
           <p:sp>
             <p:nvSpPr>
               <p:cNvPr id="37" name="TextBox 36">
@@ -16880,8 +16951,8 @@
           <a:chExt cx="0" cy="0"/>
         </a:xfrm>
       </p:grpSpPr>
-      <mc:AlternateContent xmlns:mc="http://schemas.openxmlformats.org/markup-compatibility/2006">
-        <mc:Choice xmlns:a14="http://schemas.microsoft.com/office/drawing/2010/main" Requires="a14">
+      <mc:AlternateContent xmlns:mc="http://schemas.openxmlformats.org/markup-compatibility/2006" xmlns:a14="http://schemas.microsoft.com/office/drawing/2010/main">
+        <mc:Choice Requires="a14">
           <p:sp>
             <p:nvSpPr>
               <p:cNvPr id="2" name="TextBox 1">
@@ -17015,7 +17086,7 @@
             </p:txBody>
           </p:sp>
         </mc:Choice>
-        <mc:Fallback>
+        <mc:Fallback xmlns="">
           <p:sp>
             <p:nvSpPr>
               <p:cNvPr id="2" name="TextBox 1">
@@ -17430,8 +17501,8 @@
             </p:spPr>
           </p:pic>
         </p:grpSp>
-        <mc:AlternateContent xmlns:mc="http://schemas.openxmlformats.org/markup-compatibility/2006">
-          <mc:Choice xmlns:a14="http://schemas.microsoft.com/office/drawing/2010/main" Requires="a14">
+        <mc:AlternateContent xmlns:mc="http://schemas.openxmlformats.org/markup-compatibility/2006" xmlns:a14="http://schemas.microsoft.com/office/drawing/2010/main">
+          <mc:Choice Requires="a14">
             <p:sp>
               <p:nvSpPr>
                 <p:cNvPr id="17" name="TextBox 16">
@@ -17523,7 +17594,7 @@
               </p:txBody>
             </p:sp>
           </mc:Choice>
-          <mc:Fallback>
+          <mc:Fallback xmlns="">
             <p:sp>
               <p:nvSpPr>
                 <p:cNvPr id="17" name="TextBox 16">
@@ -17568,8 +17639,8 @@
             </p:sp>
           </mc:Fallback>
         </mc:AlternateContent>
-        <mc:AlternateContent xmlns:mc="http://schemas.openxmlformats.org/markup-compatibility/2006">
-          <mc:Choice xmlns:a14="http://schemas.microsoft.com/office/drawing/2010/main" Requires="a14">
+        <mc:AlternateContent xmlns:mc="http://schemas.openxmlformats.org/markup-compatibility/2006" xmlns:a14="http://schemas.microsoft.com/office/drawing/2010/main">
+          <mc:Choice Requires="a14">
             <p:sp>
               <p:nvSpPr>
                 <p:cNvPr id="18" name="TextBox 17">
@@ -17661,7 +17732,7 @@
               </p:txBody>
             </p:sp>
           </mc:Choice>
-          <mc:Fallback>
+          <mc:Fallback xmlns="">
             <p:sp>
               <p:nvSpPr>
                 <p:cNvPr id="18" name="TextBox 17">
@@ -17706,8 +17777,8 @@
             </p:sp>
           </mc:Fallback>
         </mc:AlternateContent>
-        <mc:AlternateContent xmlns:mc="http://schemas.openxmlformats.org/markup-compatibility/2006">
-          <mc:Choice xmlns:a14="http://schemas.microsoft.com/office/drawing/2010/main" Requires="a14">
+        <mc:AlternateContent xmlns:mc="http://schemas.openxmlformats.org/markup-compatibility/2006" xmlns:a14="http://schemas.microsoft.com/office/drawing/2010/main">
+          <mc:Choice Requires="a14">
             <p:sp>
               <p:nvSpPr>
                 <p:cNvPr id="19" name="TextBox 18">
@@ -17799,7 +17870,7 @@
               </p:txBody>
             </p:sp>
           </mc:Choice>
-          <mc:Fallback>
+          <mc:Fallback xmlns="">
             <p:sp>
               <p:nvSpPr>
                 <p:cNvPr id="19" name="TextBox 18">
@@ -17844,8 +17915,8 @@
             </p:sp>
           </mc:Fallback>
         </mc:AlternateContent>
-        <mc:AlternateContent xmlns:mc="http://schemas.openxmlformats.org/markup-compatibility/2006">
-          <mc:Choice xmlns:a14="http://schemas.microsoft.com/office/drawing/2010/main" Requires="a14">
+        <mc:AlternateContent xmlns:mc="http://schemas.openxmlformats.org/markup-compatibility/2006" xmlns:a14="http://schemas.microsoft.com/office/drawing/2010/main">
+          <mc:Choice Requires="a14">
             <p:sp>
               <p:nvSpPr>
                 <p:cNvPr id="20" name="TextBox 19">
@@ -17937,7 +18008,7 @@
               </p:txBody>
             </p:sp>
           </mc:Choice>
-          <mc:Fallback>
+          <mc:Fallback xmlns="">
             <p:sp>
               <p:nvSpPr>
                 <p:cNvPr id="20" name="TextBox 19">
@@ -18067,8 +18138,8 @@
           <a:chExt cx="0" cy="0"/>
         </a:xfrm>
       </p:grpSpPr>
-      <mc:AlternateContent xmlns:mc="http://schemas.openxmlformats.org/markup-compatibility/2006">
-        <mc:Choice xmlns:a14="http://schemas.microsoft.com/office/drawing/2010/main" Requires="a14">
+      <mc:AlternateContent xmlns:mc="http://schemas.openxmlformats.org/markup-compatibility/2006" xmlns:a14="http://schemas.microsoft.com/office/drawing/2010/main">
+        <mc:Choice Requires="a14">
           <p:sp>
             <p:nvSpPr>
               <p:cNvPr id="2" name="TextBox 1">
@@ -18178,7 +18249,7 @@
             </p:txBody>
           </p:sp>
         </mc:Choice>
-        <mc:Fallback>
+        <mc:Fallback xmlns="">
           <p:sp>
             <p:nvSpPr>
               <p:cNvPr id="2" name="TextBox 1">
@@ -18565,8 +18636,8 @@
           </p:spPr>
         </p:pic>
       </p:grpSp>
-      <mc:AlternateContent xmlns:mc="http://schemas.openxmlformats.org/markup-compatibility/2006">
-        <mc:Choice xmlns:a14="http://schemas.microsoft.com/office/drawing/2010/main" Requires="a14">
+      <mc:AlternateContent xmlns:mc="http://schemas.openxmlformats.org/markup-compatibility/2006" xmlns:a14="http://schemas.microsoft.com/office/drawing/2010/main">
+        <mc:Choice Requires="a14">
           <p:sp>
             <p:nvSpPr>
               <p:cNvPr id="17" name="TextBox 16">
@@ -18658,7 +18729,7 @@
             </p:txBody>
           </p:sp>
         </mc:Choice>
-        <mc:Fallback>
+        <mc:Fallback xmlns="">
           <p:sp>
             <p:nvSpPr>
               <p:cNvPr id="17" name="TextBox 16">
@@ -18703,8 +18774,8 @@
           </p:sp>
         </mc:Fallback>
       </mc:AlternateContent>
-      <mc:AlternateContent xmlns:mc="http://schemas.openxmlformats.org/markup-compatibility/2006">
-        <mc:Choice xmlns:a14="http://schemas.microsoft.com/office/drawing/2010/main" Requires="a14">
+      <mc:AlternateContent xmlns:mc="http://schemas.openxmlformats.org/markup-compatibility/2006" xmlns:a14="http://schemas.microsoft.com/office/drawing/2010/main">
+        <mc:Choice Requires="a14">
           <p:sp>
             <p:nvSpPr>
               <p:cNvPr id="18" name="TextBox 17">
@@ -18796,7 +18867,7 @@
             </p:txBody>
           </p:sp>
         </mc:Choice>
-        <mc:Fallback>
+        <mc:Fallback xmlns="">
           <p:sp>
             <p:nvSpPr>
               <p:cNvPr id="18" name="TextBox 17">
@@ -18841,8 +18912,8 @@
           </p:sp>
         </mc:Fallback>
       </mc:AlternateContent>
-      <mc:AlternateContent xmlns:mc="http://schemas.openxmlformats.org/markup-compatibility/2006">
-        <mc:Choice xmlns:a14="http://schemas.microsoft.com/office/drawing/2010/main" Requires="a14">
+      <mc:AlternateContent xmlns:mc="http://schemas.openxmlformats.org/markup-compatibility/2006" xmlns:a14="http://schemas.microsoft.com/office/drawing/2010/main">
+        <mc:Choice Requires="a14">
           <p:sp>
             <p:nvSpPr>
               <p:cNvPr id="19" name="TextBox 18">
@@ -18934,7 +19005,7 @@
             </p:txBody>
           </p:sp>
         </mc:Choice>
-        <mc:Fallback>
+        <mc:Fallback xmlns="">
           <p:sp>
             <p:nvSpPr>
               <p:cNvPr id="19" name="TextBox 18">
@@ -18979,8 +19050,8 @@
           </p:sp>
         </mc:Fallback>
       </mc:AlternateContent>
-      <mc:AlternateContent xmlns:mc="http://schemas.openxmlformats.org/markup-compatibility/2006">
-        <mc:Choice xmlns:a14="http://schemas.microsoft.com/office/drawing/2010/main" Requires="a14">
+      <mc:AlternateContent xmlns:mc="http://schemas.openxmlformats.org/markup-compatibility/2006" xmlns:a14="http://schemas.microsoft.com/office/drawing/2010/main">
+        <mc:Choice Requires="a14">
           <p:sp>
             <p:nvSpPr>
               <p:cNvPr id="20" name="TextBox 19">
@@ -19072,7 +19143,7 @@
             </p:txBody>
           </p:sp>
         </mc:Choice>
-        <mc:Fallback>
+        <mc:Fallback xmlns="">
           <p:sp>
             <p:nvSpPr>
               <p:cNvPr id="20" name="TextBox 19">
@@ -19247,8 +19318,8 @@
           </a:p>
         </p:txBody>
       </p:sp>
-      <mc:AlternateContent xmlns:mc="http://schemas.openxmlformats.org/markup-compatibility/2006">
-        <mc:Choice xmlns:a14="http://schemas.microsoft.com/office/drawing/2010/main" Requires="a14">
+      <mc:AlternateContent xmlns:mc="http://schemas.openxmlformats.org/markup-compatibility/2006" xmlns:a14="http://schemas.microsoft.com/office/drawing/2010/main">
+        <mc:Choice Requires="a14">
           <p:sp>
             <p:nvSpPr>
               <p:cNvPr id="2" name="TextBox 1">
@@ -19431,7 +19502,7 @@
             </p:txBody>
           </p:sp>
         </mc:Choice>
-        <mc:Fallback>
+        <mc:Fallback xmlns="">
           <p:sp>
             <p:nvSpPr>
               <p:cNvPr id="2" name="TextBox 1">
@@ -19517,8 +19588,8 @@
           </a:p>
         </p:txBody>
       </p:sp>
-      <mc:AlternateContent xmlns:mc="http://schemas.openxmlformats.org/markup-compatibility/2006">
-        <mc:Choice xmlns:a14="http://schemas.microsoft.com/office/drawing/2010/main" Requires="a14">
+      <mc:AlternateContent xmlns:mc="http://schemas.openxmlformats.org/markup-compatibility/2006" xmlns:a14="http://schemas.microsoft.com/office/drawing/2010/main">
+        <mc:Choice Requires="a14">
           <p:sp>
             <p:nvSpPr>
               <p:cNvPr id="7" name="TextBox 6">
@@ -20103,7 +20174,7 @@
             </p:txBody>
           </p:sp>
         </mc:Choice>
-        <mc:Fallback>
+        <mc:Fallback xmlns="">
           <p:sp>
             <p:nvSpPr>
               <p:cNvPr id="7" name="TextBox 6">
@@ -20605,8 +20676,8 @@
           </a:p>
         </p:txBody>
       </p:sp>
-      <mc:AlternateContent xmlns:mc="http://schemas.openxmlformats.org/markup-compatibility/2006">
-        <mc:Choice xmlns:a14="http://schemas.microsoft.com/office/drawing/2010/main" Requires="a14">
+      <mc:AlternateContent xmlns:mc="http://schemas.openxmlformats.org/markup-compatibility/2006" xmlns:a14="http://schemas.microsoft.com/office/drawing/2010/main">
+        <mc:Choice Requires="a14">
           <p:sp>
             <p:nvSpPr>
               <p:cNvPr id="2" name="TextBox 1">
@@ -21028,7 +21099,7 @@
             </p:txBody>
           </p:sp>
         </mc:Choice>
-        <mc:Fallback>
+        <mc:Fallback xmlns="">
           <p:sp>
             <p:nvSpPr>
               <p:cNvPr id="2" name="TextBox 1">
@@ -21114,8 +21185,8 @@
           </a:p>
         </p:txBody>
       </p:sp>
-      <mc:AlternateContent xmlns:mc="http://schemas.openxmlformats.org/markup-compatibility/2006">
-        <mc:Choice xmlns:a14="http://schemas.microsoft.com/office/drawing/2010/main" Requires="a14">
+      <mc:AlternateContent xmlns:mc="http://schemas.openxmlformats.org/markup-compatibility/2006" xmlns:a14="http://schemas.microsoft.com/office/drawing/2010/main">
+        <mc:Choice Requires="a14">
           <p:sp>
             <p:nvSpPr>
               <p:cNvPr id="6" name="TextBox 5">
@@ -21312,7 +21383,7 @@
             </p:txBody>
           </p:sp>
         </mc:Choice>
-        <mc:Fallback>
+        <mc:Fallback xmlns="">
           <p:sp>
             <p:nvSpPr>
               <p:cNvPr id="6" name="TextBox 5">
@@ -21574,8 +21645,8 @@
           </a:p>
         </p:txBody>
       </p:sp>
-      <mc:AlternateContent xmlns:mc="http://schemas.openxmlformats.org/markup-compatibility/2006">
-        <mc:Choice xmlns:a14="http://schemas.microsoft.com/office/drawing/2010/main" Requires="a14">
+      <mc:AlternateContent xmlns:mc="http://schemas.openxmlformats.org/markup-compatibility/2006" xmlns:a14="http://schemas.microsoft.com/office/drawing/2010/main">
+        <mc:Choice Requires="a14">
           <p:sp>
             <p:nvSpPr>
               <p:cNvPr id="39" name="TextBox 38">
@@ -21664,7 +21735,7 @@
             </p:txBody>
           </p:sp>
         </mc:Choice>
-        <mc:Fallback>
+        <mc:Fallback xmlns="">
           <p:sp>
             <p:nvSpPr>
               <p:cNvPr id="39" name="TextBox 38">
@@ -23316,8 +23387,8 @@
           </a:p>
         </p:txBody>
       </p:sp>
-      <mc:AlternateContent xmlns:mc="http://schemas.openxmlformats.org/markup-compatibility/2006">
-        <mc:Choice xmlns:a14="http://schemas.microsoft.com/office/drawing/2010/main" Requires="a14">
+      <mc:AlternateContent xmlns:mc="http://schemas.openxmlformats.org/markup-compatibility/2006" xmlns:a14="http://schemas.microsoft.com/office/drawing/2010/main">
+        <mc:Choice Requires="a14">
           <p:sp>
             <p:nvSpPr>
               <p:cNvPr id="2" name="TextBox 1">
@@ -23739,7 +23810,7 @@
             </p:txBody>
           </p:sp>
         </mc:Choice>
-        <mc:Fallback>
+        <mc:Fallback xmlns="">
           <p:sp>
             <p:nvSpPr>
               <p:cNvPr id="2" name="TextBox 1">
@@ -23924,8 +23995,8 @@
           </a:p>
         </p:txBody>
       </p:sp>
-      <mc:AlternateContent xmlns:mc="http://schemas.openxmlformats.org/markup-compatibility/2006">
-        <mc:Choice xmlns:a14="http://schemas.microsoft.com/office/drawing/2010/main" Requires="a14">
+      <mc:AlternateContent xmlns:mc="http://schemas.openxmlformats.org/markup-compatibility/2006" xmlns:a14="http://schemas.microsoft.com/office/drawing/2010/main">
+        <mc:Choice Requires="a14">
           <p:sp>
             <p:nvSpPr>
               <p:cNvPr id="2" name="TextBox 1">
@@ -24347,7 +24418,7 @@
             </p:txBody>
           </p:sp>
         </mc:Choice>
-        <mc:Fallback>
+        <mc:Fallback xmlns="">
           <p:sp>
             <p:nvSpPr>
               <p:cNvPr id="2" name="TextBox 1">
@@ -24433,8 +24504,8 @@
           </a:p>
         </p:txBody>
       </p:sp>
-      <mc:AlternateContent xmlns:mc="http://schemas.openxmlformats.org/markup-compatibility/2006">
-        <mc:Choice xmlns:a14="http://schemas.microsoft.com/office/drawing/2010/main" Requires="a14">
+      <mc:AlternateContent xmlns:mc="http://schemas.openxmlformats.org/markup-compatibility/2006" xmlns:a14="http://schemas.microsoft.com/office/drawing/2010/main">
+        <mc:Choice Requires="a14">
           <p:sp>
             <p:nvSpPr>
               <p:cNvPr id="5" name="TextBox 4">
@@ -24513,6 +24584,7 @@
                 </a:endParaRPr>
               </a:p>
               <a:p>
+                <a:pPr/>
                 <a14:m>
                   <m:oMathPara xmlns:m="http://schemas.openxmlformats.org/officeDocument/2006/math">
                     <m:oMathParaPr>
@@ -24585,7 +24657,7 @@
             </p:txBody>
           </p:sp>
         </mc:Choice>
-        <mc:Fallback>
+        <mc:Fallback xmlns="">
           <p:sp>
             <p:nvSpPr>
               <p:cNvPr id="5" name="TextBox 4">
@@ -24633,8 +24705,8 @@
           </p:sp>
         </mc:Fallback>
       </mc:AlternateContent>
-      <mc:AlternateContent xmlns:mc="http://schemas.openxmlformats.org/markup-compatibility/2006">
-        <mc:Choice xmlns:a14="http://schemas.microsoft.com/office/drawing/2010/main" Requires="a14">
+      <mc:AlternateContent xmlns:mc="http://schemas.openxmlformats.org/markup-compatibility/2006" xmlns:a14="http://schemas.microsoft.com/office/drawing/2010/main">
+        <mc:Choice Requires="a14">
           <p:sp>
             <p:nvSpPr>
               <p:cNvPr id="7" name="TextBox 6">
@@ -24858,7 +24930,7 @@
             </p:txBody>
           </p:sp>
         </mc:Choice>
-        <mc:Fallback>
+        <mc:Fallback xmlns="">
           <p:sp>
             <p:nvSpPr>
               <p:cNvPr id="7" name="TextBox 6">
@@ -25035,8 +25107,8 @@
           </a:p>
         </p:txBody>
       </p:sp>
-      <mc:AlternateContent xmlns:mc="http://schemas.openxmlformats.org/markup-compatibility/2006">
-        <mc:Choice xmlns:a14="http://schemas.microsoft.com/office/drawing/2010/main" Requires="a14">
+      <mc:AlternateContent xmlns:mc="http://schemas.openxmlformats.org/markup-compatibility/2006" xmlns:a14="http://schemas.microsoft.com/office/drawing/2010/main">
+        <mc:Choice Requires="a14">
           <p:sp>
             <p:nvSpPr>
               <p:cNvPr id="5" name="TextBox 4">
@@ -25311,7 +25383,7 @@
             </p:txBody>
           </p:sp>
         </mc:Choice>
-        <mc:Fallback>
+        <mc:Fallback xmlns="">
           <p:sp>
             <p:nvSpPr>
               <p:cNvPr id="5" name="TextBox 4">
@@ -25450,8 +25522,8 @@
           </a:p>
         </p:txBody>
       </p:sp>
-      <mc:AlternateContent xmlns:mc="http://schemas.openxmlformats.org/markup-compatibility/2006">
-        <mc:Choice xmlns:a14="http://schemas.microsoft.com/office/drawing/2010/main" Requires="a14">
+      <mc:AlternateContent xmlns:mc="http://schemas.openxmlformats.org/markup-compatibility/2006" xmlns:a14="http://schemas.microsoft.com/office/drawing/2010/main">
+        <mc:Choice Requires="a14">
           <p:sp>
             <p:nvSpPr>
               <p:cNvPr id="2" name="TextBox 1">
@@ -25873,7 +25945,7 @@
             </p:txBody>
           </p:sp>
         </mc:Choice>
-        <mc:Fallback>
+        <mc:Fallback xmlns="">
           <p:sp>
             <p:nvSpPr>
               <p:cNvPr id="2" name="TextBox 1">
@@ -25959,8 +26031,8 @@
           </a:p>
         </p:txBody>
       </p:sp>
-      <mc:AlternateContent xmlns:mc="http://schemas.openxmlformats.org/markup-compatibility/2006">
-        <mc:Choice xmlns:a14="http://schemas.microsoft.com/office/drawing/2010/main" Requires="a14">
+      <mc:AlternateContent xmlns:mc="http://schemas.openxmlformats.org/markup-compatibility/2006" xmlns:a14="http://schemas.microsoft.com/office/drawing/2010/main">
+        <mc:Choice Requires="a14">
           <p:sp>
             <p:nvSpPr>
               <p:cNvPr id="5" name="TextBox 4">
@@ -26235,7 +26307,7 @@
             </p:txBody>
           </p:sp>
         </mc:Choice>
-        <mc:Fallback>
+        <mc:Fallback xmlns="">
           <p:sp>
             <p:nvSpPr>
               <p:cNvPr id="5" name="TextBox 4">
@@ -26283,8 +26355,8 @@
           </p:sp>
         </mc:Fallback>
       </mc:AlternateContent>
-      <mc:AlternateContent xmlns:mc="http://schemas.openxmlformats.org/markup-compatibility/2006">
-        <mc:Choice xmlns:a14="http://schemas.microsoft.com/office/drawing/2010/main" Requires="a14">
+      <mc:AlternateContent xmlns:mc="http://schemas.openxmlformats.org/markup-compatibility/2006" xmlns:a14="http://schemas.microsoft.com/office/drawing/2010/main">
+        <mc:Choice Requires="a14">
           <p:sp>
             <p:nvSpPr>
               <p:cNvPr id="7" name="TextBox 6">
@@ -26559,7 +26631,7 @@
             </p:txBody>
           </p:sp>
         </mc:Choice>
-        <mc:Fallback>
+        <mc:Fallback xmlns="">
           <p:sp>
             <p:nvSpPr>
               <p:cNvPr id="7" name="TextBox 6">
@@ -26734,8 +26806,8 @@
           </a:p>
         </p:txBody>
       </p:sp>
-      <mc:AlternateContent xmlns:mc="http://schemas.openxmlformats.org/markup-compatibility/2006">
-        <mc:Choice xmlns:a14="http://schemas.microsoft.com/office/drawing/2010/main" Requires="a14">
+      <mc:AlternateContent xmlns:mc="http://schemas.openxmlformats.org/markup-compatibility/2006" xmlns:a14="http://schemas.microsoft.com/office/drawing/2010/main">
+        <mc:Choice Requires="a14">
           <p:sp>
             <p:nvSpPr>
               <p:cNvPr id="39" name="TextBox 38">
@@ -26824,7 +26896,7 @@
             </p:txBody>
           </p:sp>
         </mc:Choice>
-        <mc:Fallback>
+        <mc:Fallback xmlns="">
           <p:sp>
             <p:nvSpPr>
               <p:cNvPr id="39" name="TextBox 38">
@@ -28107,8 +28179,8 @@
           </a:p>
         </p:txBody>
       </p:sp>
-      <mc:AlternateContent xmlns:mc="http://schemas.openxmlformats.org/markup-compatibility/2006">
-        <mc:Choice xmlns:a14="http://schemas.microsoft.com/office/drawing/2010/main" Requires="a14">
+      <mc:AlternateContent xmlns:mc="http://schemas.openxmlformats.org/markup-compatibility/2006" xmlns:a14="http://schemas.microsoft.com/office/drawing/2010/main">
+        <mc:Choice Requires="a14">
           <p:sp>
             <p:nvSpPr>
               <p:cNvPr id="39" name="TextBox 38">
@@ -28187,13 +28259,7 @@
                         <a:rPr lang="en-GB" sz="4000" b="0" i="1" smtClean="0">
                           <a:latin typeface="Cambria Math" panose="02040503050406030204" pitchFamily="18" charset="0"/>
                         </a:rPr>
-                        <m:t>)</m:t>
-                      </m:r>
-                      <m:r>
-                        <a:rPr lang="en-GB" sz="4000" b="0" i="1" smtClean="0">
-                          <a:latin typeface="Cambria Math" panose="02040503050406030204" pitchFamily="18" charset="0"/>
-                        </a:rPr>
-                        <m:t>= </m:t>
+                        <m:t>)= </m:t>
                       </m:r>
                     </m:oMath>
                   </m:oMathPara>
@@ -28203,7 +28269,7 @@
             </p:txBody>
           </p:sp>
         </mc:Choice>
-        <mc:Fallback>
+        <mc:Fallback xmlns="">
           <p:sp>
             <p:nvSpPr>
               <p:cNvPr id="39" name="TextBox 38">
@@ -28864,8 +28930,8 @@
           </a:p>
         </p:txBody>
       </p:sp>
-      <mc:AlternateContent xmlns:mc="http://schemas.openxmlformats.org/markup-compatibility/2006">
-        <mc:Choice xmlns:a14="http://schemas.microsoft.com/office/drawing/2010/main" Requires="a14">
+      <mc:AlternateContent xmlns:mc="http://schemas.openxmlformats.org/markup-compatibility/2006" xmlns:a14="http://schemas.microsoft.com/office/drawing/2010/main">
+        <mc:Choice Requires="a14">
           <p:sp>
             <p:nvSpPr>
               <p:cNvPr id="2" name="TextBox 1">
@@ -28894,6 +28960,7 @@
               </a:bodyPr>
               <a:lstStyle/>
               <a:p>
+                <a:pPr/>
                 <a14:m>
                   <m:oMathPara xmlns:m="http://schemas.openxmlformats.org/officeDocument/2006/math">
                     <m:oMathParaPr>
@@ -28914,7 +28981,7 @@
             </p:txBody>
           </p:sp>
         </mc:Choice>
-        <mc:Fallback>
+        <mc:Fallback xmlns="">
           <p:sp>
             <p:nvSpPr>
               <p:cNvPr id="2" name="TextBox 1">
@@ -28959,8 +29026,8 @@
           </p:sp>
         </mc:Fallback>
       </mc:AlternateContent>
-      <mc:AlternateContent xmlns:mc="http://schemas.openxmlformats.org/markup-compatibility/2006">
-        <mc:Choice xmlns:a14="http://schemas.microsoft.com/office/drawing/2010/main" Requires="a14">
+      <mc:AlternateContent xmlns:mc="http://schemas.openxmlformats.org/markup-compatibility/2006" xmlns:a14="http://schemas.microsoft.com/office/drawing/2010/main">
+        <mc:Choice Requires="a14">
           <p:sp>
             <p:nvSpPr>
               <p:cNvPr id="3" name="TextBox 2">
@@ -28989,6 +29056,7 @@
               </a:bodyPr>
               <a:lstStyle/>
               <a:p>
+                <a:pPr/>
                 <a14:m>
                   <m:oMathPara xmlns:m="http://schemas.openxmlformats.org/officeDocument/2006/math">
                     <m:oMathParaPr>
@@ -29009,7 +29077,7 @@
             </p:txBody>
           </p:sp>
         </mc:Choice>
-        <mc:Fallback>
+        <mc:Fallback xmlns="">
           <p:sp>
             <p:nvSpPr>
               <p:cNvPr id="3" name="TextBox 2">
@@ -29054,8 +29122,8 @@
           </p:sp>
         </mc:Fallback>
       </mc:AlternateContent>
-      <mc:AlternateContent xmlns:mc="http://schemas.openxmlformats.org/markup-compatibility/2006">
-        <mc:Choice xmlns:a14="http://schemas.microsoft.com/office/drawing/2010/main" Requires="a14">
+      <mc:AlternateContent xmlns:mc="http://schemas.openxmlformats.org/markup-compatibility/2006" xmlns:a14="http://schemas.microsoft.com/office/drawing/2010/main">
+        <mc:Choice Requires="a14">
           <p:sp>
             <p:nvSpPr>
               <p:cNvPr id="5" name="TextBox 4">
@@ -29084,6 +29152,7 @@
               </a:bodyPr>
               <a:lstStyle/>
               <a:p>
+                <a:pPr/>
                 <a14:m>
                   <m:oMathPara xmlns:m="http://schemas.openxmlformats.org/officeDocument/2006/math">
                     <m:oMathParaPr>
@@ -29104,7 +29173,7 @@
             </p:txBody>
           </p:sp>
         </mc:Choice>
-        <mc:Fallback>
+        <mc:Fallback xmlns="">
           <p:sp>
             <p:nvSpPr>
               <p:cNvPr id="5" name="TextBox 4">
@@ -29593,8 +29662,8 @@
           </a:p>
         </p:txBody>
       </p:sp>
-      <mc:AlternateContent xmlns:mc="http://schemas.openxmlformats.org/markup-compatibility/2006">
-        <mc:Choice xmlns:a14="http://schemas.microsoft.com/office/drawing/2010/main" Requires="a14">
+      <mc:AlternateContent xmlns:mc="http://schemas.openxmlformats.org/markup-compatibility/2006" xmlns:a14="http://schemas.microsoft.com/office/drawing/2010/main">
+        <mc:Choice Requires="a14">
           <p:sp>
             <p:nvSpPr>
               <p:cNvPr id="39" name="TextBox 38">
@@ -29683,7 +29752,7 @@
             </p:txBody>
           </p:sp>
         </mc:Choice>
-        <mc:Fallback>
+        <mc:Fallback xmlns="">
           <p:sp>
             <p:nvSpPr>
               <p:cNvPr id="39" name="TextBox 38">
@@ -30576,42 +30645,6 @@
           </a:solidFill>
         </p:spPr>
       </p:pic>
-      <p:pic>
-        <p:nvPicPr>
-          <p:cNvPr id="12" name="Picture 11" descr="A black and white dice&#10;&#10;Description automatically generated">
-            <a:extLst>
-              <a:ext uri="{FF2B5EF4-FFF2-40B4-BE49-F238E27FC236}">
-                <a16:creationId xmlns:a16="http://schemas.microsoft.com/office/drawing/2014/main" id="{8F9D63E7-2E79-5DD3-8C51-F1993396E9A5}"/>
-              </a:ext>
-            </a:extLst>
-          </p:cNvPr>
-          <p:cNvPicPr>
-            <a:picLocks noChangeAspect="1"/>
-          </p:cNvPicPr>
-          <p:nvPr/>
-        </p:nvPicPr>
-        <p:blipFill>
-          <a:blip r:embed="rId8">
-            <a:extLst>
-              <a:ext uri="{28A0092B-C50C-407E-A947-70E740481C1C}">
-                <a14:useLocalDpi xmlns:a14="http://schemas.microsoft.com/office/drawing/2010/main" val="0"/>
-              </a:ext>
-            </a:extLst>
-          </a:blip>
-          <a:stretch>
-            <a:fillRect/>
-          </a:stretch>
-        </p:blipFill>
-        <p:spPr>
-          <a:xfrm>
-            <a:off x="7075494" y="3766936"/>
-            <a:ext cx="720000" cy="720000"/>
-          </a:xfrm>
-          <a:prstGeom prst="rect">
-            <a:avLst/>
-          </a:prstGeom>
-        </p:spPr>
-      </p:pic>
       <p:sp>
         <p:nvSpPr>
           <p:cNvPr id="13" name="Oval 12">
@@ -30664,8 +30697,8 @@
           </a:p>
         </p:txBody>
       </p:sp>
-      <mc:AlternateContent xmlns:mc="http://schemas.openxmlformats.org/markup-compatibility/2006">
-        <mc:Choice xmlns:a14="http://schemas.microsoft.com/office/drawing/2010/main" Requires="a14">
+      <mc:AlternateContent xmlns:mc="http://schemas.openxmlformats.org/markup-compatibility/2006" xmlns:a14="http://schemas.microsoft.com/office/drawing/2010/main">
+        <mc:Choice Requires="a14">
           <p:sp>
             <p:nvSpPr>
               <p:cNvPr id="16" name="TextBox 15">
@@ -30745,7 +30778,7 @@
             </p:txBody>
           </p:sp>
         </mc:Choice>
-        <mc:Fallback>
+        <mc:Fallback xmlns="">
           <p:sp>
             <p:nvSpPr>
               <p:cNvPr id="16" name="TextBox 15">
@@ -30790,8 +30823,8 @@
           </p:sp>
         </mc:Fallback>
       </mc:AlternateContent>
-      <mc:AlternateContent xmlns:mc="http://schemas.openxmlformats.org/markup-compatibility/2006">
-        <mc:Choice xmlns:a14="http://schemas.microsoft.com/office/drawing/2010/main" Requires="a14">
+      <mc:AlternateContent xmlns:mc="http://schemas.openxmlformats.org/markup-compatibility/2006" xmlns:a14="http://schemas.microsoft.com/office/drawing/2010/main">
+        <mc:Choice Requires="a14">
           <p:sp>
             <p:nvSpPr>
               <p:cNvPr id="17" name="TextBox 16">
@@ -30875,7 +30908,7 @@
             </p:txBody>
           </p:sp>
         </mc:Choice>
-        <mc:Fallback>
+        <mc:Fallback xmlns="">
           <p:sp>
             <p:nvSpPr>
               <p:cNvPr id="17" name="TextBox 16">
@@ -30920,8 +30953,8 @@
           </p:sp>
         </mc:Fallback>
       </mc:AlternateContent>
-      <mc:AlternateContent xmlns:mc="http://schemas.openxmlformats.org/markup-compatibility/2006">
-        <mc:Choice xmlns:a14="http://schemas.microsoft.com/office/drawing/2010/main" Requires="a14">
+      <mc:AlternateContent xmlns:mc="http://schemas.openxmlformats.org/markup-compatibility/2006" xmlns:a14="http://schemas.microsoft.com/office/drawing/2010/main">
+        <mc:Choice Requires="a14">
           <p:sp>
             <p:nvSpPr>
               <p:cNvPr id="19" name="TextBox 18">
@@ -31076,7 +31109,7 @@
             </p:txBody>
           </p:sp>
         </mc:Choice>
-        <mc:Fallback>
+        <mc:Fallback xmlns="">
           <p:sp>
             <p:nvSpPr>
               <p:cNvPr id="19" name="TextBox 18">
@@ -31121,6 +31154,42 @@
           </p:sp>
         </mc:Fallback>
       </mc:AlternateContent>
+      <p:pic>
+        <p:nvPicPr>
+          <p:cNvPr id="3" name="Picture 2" descr="A black and white dice with black dots&#10;&#10;Description automatically generated">
+            <a:extLst>
+              <a:ext uri="{FF2B5EF4-FFF2-40B4-BE49-F238E27FC236}">
+                <a16:creationId xmlns:a16="http://schemas.microsoft.com/office/drawing/2014/main" id="{FAED2E31-5378-D64B-AE27-57FA2534B659}"/>
+              </a:ext>
+            </a:extLst>
+          </p:cNvPr>
+          <p:cNvPicPr>
+            <a:picLocks noChangeAspect="1"/>
+          </p:cNvPicPr>
+          <p:nvPr/>
+        </p:nvPicPr>
+        <p:blipFill>
+          <a:blip r:embed="rId12">
+            <a:extLst>
+              <a:ext uri="{28A0092B-C50C-407E-A947-70E740481C1C}">
+                <a14:useLocalDpi xmlns:a14="http://schemas.microsoft.com/office/drawing/2010/main" val="0"/>
+              </a:ext>
+            </a:extLst>
+          </a:blip>
+          <a:stretch>
+            <a:fillRect/>
+          </a:stretch>
+        </p:blipFill>
+        <p:spPr>
+          <a:xfrm>
+            <a:off x="6937782" y="3766854"/>
+            <a:ext cx="723600" cy="723600"/>
+          </a:xfrm>
+          <a:prstGeom prst="rect">
+            <a:avLst/>
+          </a:prstGeom>
+        </p:spPr>
+      </p:pic>
     </p:spTree>
     <p:extLst>
       <p:ext uri="{BB962C8B-B14F-4D97-AF65-F5344CB8AC3E}">
@@ -31292,7 +31361,7 @@
                                 </p:cTn>
                               </p:par>
                               <p:par>
-                                <p:cTn id="17" presetID="9" presetClass="entr" presetSubtype="0" fill="hold" nodeType="withEffect">
+                                <p:cTn id="17" presetID="9" presetClass="entr" presetSubtype="0" fill="hold" grpId="0" nodeType="withEffect">
                                   <p:stCondLst>
                                     <p:cond delay="0"/>
                                   </p:stCondLst>
@@ -31305,7 +31374,7 @@
                                           </p:stCondLst>
                                         </p:cTn>
                                         <p:tgtEl>
-                                          <p:spTgt spid="12"/>
+                                          <p:spTgt spid="13"/>
                                         </p:tgtEl>
                                         <p:attrNameLst>
                                           <p:attrName>style.visibility</p:attrName>
@@ -31319,7 +31388,7 @@
                                       <p:cBhvr>
                                         <p:cTn id="19" dur="500"/>
                                         <p:tgtEl>
-                                          <p:spTgt spid="12"/>
+                                          <p:spTgt spid="13"/>
                                         </p:tgtEl>
                                       </p:cBhvr>
                                     </p:animEffect>
@@ -31340,7 +31409,7 @@
                                           </p:stCondLst>
                                         </p:cTn>
                                         <p:tgtEl>
-                                          <p:spTgt spid="13"/>
+                                          <p:spTgt spid="16"/>
                                         </p:tgtEl>
                                         <p:attrNameLst>
                                           <p:attrName>style.visibility</p:attrName>
@@ -31354,7 +31423,7 @@
                                       <p:cBhvr>
                                         <p:cTn id="22" dur="500"/>
                                         <p:tgtEl>
-                                          <p:spTgt spid="13"/>
+                                          <p:spTgt spid="16"/>
                                         </p:tgtEl>
                                       </p:cBhvr>
                                     </p:animEffect>
@@ -31375,7 +31444,7 @@
                                           </p:stCondLst>
                                         </p:cTn>
                                         <p:tgtEl>
-                                          <p:spTgt spid="16"/>
+                                          <p:spTgt spid="17"/>
                                         </p:tgtEl>
                                         <p:attrNameLst>
                                           <p:attrName>style.visibility</p:attrName>
@@ -31389,28 +31458,46 @@
                                       <p:cBhvr>
                                         <p:cTn id="25" dur="500"/>
                                         <p:tgtEl>
-                                          <p:spTgt spid="16"/>
+                                          <p:spTgt spid="17"/>
                                         </p:tgtEl>
                                       </p:cBhvr>
                                     </p:animEffect>
                                   </p:childTnLst>
                                 </p:cTn>
                               </p:par>
+                            </p:childTnLst>
+                          </p:cTn>
+                        </p:par>
+                      </p:childTnLst>
+                    </p:cTn>
+                  </p:par>
+                  <p:par>
+                    <p:cTn id="26" fill="hold">
+                      <p:stCondLst>
+                        <p:cond delay="indefinite"/>
+                      </p:stCondLst>
+                      <p:childTnLst>
+                        <p:par>
+                          <p:cTn id="27" fill="hold">
+                            <p:stCondLst>
+                              <p:cond delay="0"/>
+                            </p:stCondLst>
+                            <p:childTnLst>
                               <p:par>
-                                <p:cTn id="26" presetID="9" presetClass="entr" presetSubtype="0" fill="hold" grpId="0" nodeType="withEffect">
+                                <p:cTn id="28" presetID="9" presetClass="entr" presetSubtype="0" fill="hold" nodeType="clickEffect">
                                   <p:stCondLst>
                                     <p:cond delay="0"/>
                                   </p:stCondLst>
                                   <p:childTnLst>
                                     <p:set>
                                       <p:cBhvr>
-                                        <p:cTn id="27" dur="1" fill="hold">
+                                        <p:cTn id="29" dur="1" fill="hold">
                                           <p:stCondLst>
                                             <p:cond delay="0"/>
                                           </p:stCondLst>
                                         </p:cTn>
                                         <p:tgtEl>
-                                          <p:spTgt spid="17"/>
+                                          <p:spTgt spid="3"/>
                                         </p:tgtEl>
                                         <p:attrNameLst>
                                           <p:attrName>style.visibility</p:attrName>
@@ -31422,9 +31509,9 @@
                                     </p:set>
                                     <p:animEffect transition="in" filter="dissolve">
                                       <p:cBhvr>
-                                        <p:cTn id="28" dur="500"/>
+                                        <p:cTn id="30" dur="500"/>
                                         <p:tgtEl>
-                                          <p:spTgt spid="17"/>
+                                          <p:spTgt spid="3"/>
                                         </p:tgtEl>
                                       </p:cBhvr>
                                     </p:animEffect>
@@ -31762,8 +31849,8 @@
           </a:prstGeom>
         </p:spPr>
       </p:pic>
-      <mc:AlternateContent xmlns:mc="http://schemas.openxmlformats.org/markup-compatibility/2006">
-        <mc:Choice xmlns:a14="http://schemas.microsoft.com/office/drawing/2010/main" Requires="a14">
+      <mc:AlternateContent xmlns:mc="http://schemas.openxmlformats.org/markup-compatibility/2006" xmlns:a14="http://schemas.microsoft.com/office/drawing/2010/main">
+        <mc:Choice Requires="a14">
           <p:sp>
             <p:nvSpPr>
               <p:cNvPr id="36" name="TextBox 35">
@@ -31845,7 +31932,7 @@
             </p:txBody>
           </p:sp>
         </mc:Choice>
-        <mc:Fallback>
+        <mc:Fallback xmlns="">
           <p:sp>
             <p:nvSpPr>
               <p:cNvPr id="36" name="TextBox 35">
@@ -31890,8 +31977,8 @@
           </p:sp>
         </mc:Fallback>
       </mc:AlternateContent>
-      <mc:AlternateContent xmlns:mc="http://schemas.openxmlformats.org/markup-compatibility/2006">
-        <mc:Choice xmlns:a14="http://schemas.microsoft.com/office/drawing/2010/main" Requires="a14">
+      <mc:AlternateContent xmlns:mc="http://schemas.openxmlformats.org/markup-compatibility/2006" xmlns:a14="http://schemas.microsoft.com/office/drawing/2010/main">
+        <mc:Choice Requires="a14">
           <p:sp>
             <p:nvSpPr>
               <p:cNvPr id="37" name="TextBox 36">
@@ -31973,7 +32060,7 @@
             </p:txBody>
           </p:sp>
         </mc:Choice>
-        <mc:Fallback>
+        <mc:Fallback xmlns="">
           <p:sp>
             <p:nvSpPr>
               <p:cNvPr id="37" name="TextBox 36">
@@ -32018,8 +32105,8 @@
           </p:sp>
         </mc:Fallback>
       </mc:AlternateContent>
-      <mc:AlternateContent xmlns:mc="http://schemas.openxmlformats.org/markup-compatibility/2006">
-        <mc:Choice xmlns:a14="http://schemas.microsoft.com/office/drawing/2010/main" Requires="a14">
+      <mc:AlternateContent xmlns:mc="http://schemas.openxmlformats.org/markup-compatibility/2006" xmlns:a14="http://schemas.microsoft.com/office/drawing/2010/main">
+        <mc:Choice Requires="a14">
           <p:sp>
             <p:nvSpPr>
               <p:cNvPr id="43" name="TextBox 42">
@@ -32101,7 +32188,7 @@
             </p:txBody>
           </p:sp>
         </mc:Choice>
-        <mc:Fallback>
+        <mc:Fallback xmlns="">
           <p:sp>
             <p:nvSpPr>
               <p:cNvPr id="43" name="TextBox 42">
@@ -32146,8 +32233,8 @@
           </p:sp>
         </mc:Fallback>
       </mc:AlternateContent>
-      <mc:AlternateContent xmlns:mc="http://schemas.openxmlformats.org/markup-compatibility/2006">
-        <mc:Choice xmlns:a14="http://schemas.microsoft.com/office/drawing/2010/main" Requires="a14">
+      <mc:AlternateContent xmlns:mc="http://schemas.openxmlformats.org/markup-compatibility/2006" xmlns:a14="http://schemas.microsoft.com/office/drawing/2010/main">
+        <mc:Choice Requires="a14">
           <p:sp>
             <p:nvSpPr>
               <p:cNvPr id="44" name="TextBox 43">
@@ -32229,7 +32316,7 @@
             </p:txBody>
           </p:sp>
         </mc:Choice>
-        <mc:Fallback>
+        <mc:Fallback xmlns="">
           <p:sp>
             <p:nvSpPr>
               <p:cNvPr id="44" name="TextBox 43">
@@ -32274,8 +32361,8 @@
           </p:sp>
         </mc:Fallback>
       </mc:AlternateContent>
-      <mc:AlternateContent xmlns:mc="http://schemas.openxmlformats.org/markup-compatibility/2006">
-        <mc:Choice xmlns:a14="http://schemas.microsoft.com/office/drawing/2010/main" Requires="a14">
+      <mc:AlternateContent xmlns:mc="http://schemas.openxmlformats.org/markup-compatibility/2006" xmlns:a14="http://schemas.microsoft.com/office/drawing/2010/main">
+        <mc:Choice Requires="a14">
           <p:sp>
             <p:nvSpPr>
               <p:cNvPr id="45" name="TextBox 44">
@@ -32357,7 +32444,7 @@
             </p:txBody>
           </p:sp>
         </mc:Choice>
-        <mc:Fallback>
+        <mc:Fallback xmlns="">
           <p:sp>
             <p:nvSpPr>
               <p:cNvPr id="45" name="TextBox 44">
@@ -32402,8 +32489,8 @@
           </p:sp>
         </mc:Fallback>
       </mc:AlternateContent>
-      <mc:AlternateContent xmlns:mc="http://schemas.openxmlformats.org/markup-compatibility/2006">
-        <mc:Choice xmlns:a14="http://schemas.microsoft.com/office/drawing/2010/main" Requires="a14">
+      <mc:AlternateContent xmlns:mc="http://schemas.openxmlformats.org/markup-compatibility/2006" xmlns:a14="http://schemas.microsoft.com/office/drawing/2010/main">
+        <mc:Choice Requires="a14">
           <p:sp>
             <p:nvSpPr>
               <p:cNvPr id="46" name="TextBox 45">
@@ -32485,7 +32572,7 @@
             </p:txBody>
           </p:sp>
         </mc:Choice>
-        <mc:Fallback>
+        <mc:Fallback xmlns="">
           <p:sp>
             <p:nvSpPr>
               <p:cNvPr id="46" name="TextBox 45">
@@ -33820,8 +33907,8 @@
           </a:p>
         </p:txBody>
       </p:sp>
-      <mc:AlternateContent xmlns:mc="http://schemas.openxmlformats.org/markup-compatibility/2006">
-        <mc:Choice xmlns:a14="http://schemas.microsoft.com/office/drawing/2010/main" Requires="a14">
+      <mc:AlternateContent xmlns:mc="http://schemas.openxmlformats.org/markup-compatibility/2006" xmlns:a14="http://schemas.microsoft.com/office/drawing/2010/main">
+        <mc:Choice Requires="a14">
           <p:sp>
             <p:nvSpPr>
               <p:cNvPr id="3" name="TextBox 2">
@@ -33903,7 +33990,7 @@
             </p:txBody>
           </p:sp>
         </mc:Choice>
-        <mc:Fallback>
+        <mc:Fallback xmlns="">
           <p:sp>
             <p:nvSpPr>
               <p:cNvPr id="3" name="TextBox 2">
@@ -33948,8 +34035,8 @@
           </p:sp>
         </mc:Fallback>
       </mc:AlternateContent>
-      <mc:AlternateContent xmlns:mc="http://schemas.openxmlformats.org/markup-compatibility/2006">
-        <mc:Choice xmlns:a14="http://schemas.microsoft.com/office/drawing/2010/main" Requires="a14">
+      <mc:AlternateContent xmlns:mc="http://schemas.openxmlformats.org/markup-compatibility/2006" xmlns:a14="http://schemas.microsoft.com/office/drawing/2010/main">
+        <mc:Choice Requires="a14">
           <p:sp>
             <p:nvSpPr>
               <p:cNvPr id="5" name="TextBox 4">
@@ -34031,7 +34118,7 @@
             </p:txBody>
           </p:sp>
         </mc:Choice>
-        <mc:Fallback>
+        <mc:Fallback xmlns="">
           <p:sp>
             <p:nvSpPr>
               <p:cNvPr id="5" name="TextBox 4">
@@ -34076,8 +34163,8 @@
           </p:sp>
         </mc:Fallback>
       </mc:AlternateContent>
-      <mc:AlternateContent xmlns:mc="http://schemas.openxmlformats.org/markup-compatibility/2006">
-        <mc:Choice xmlns:a14="http://schemas.microsoft.com/office/drawing/2010/main" Requires="a14">
+      <mc:AlternateContent xmlns:mc="http://schemas.openxmlformats.org/markup-compatibility/2006" xmlns:a14="http://schemas.microsoft.com/office/drawing/2010/main">
+        <mc:Choice Requires="a14">
           <p:sp>
             <p:nvSpPr>
               <p:cNvPr id="6" name="TextBox 5">
@@ -34159,7 +34246,7 @@
             </p:txBody>
           </p:sp>
         </mc:Choice>
-        <mc:Fallback>
+        <mc:Fallback xmlns="">
           <p:sp>
             <p:nvSpPr>
               <p:cNvPr id="6" name="TextBox 5">
@@ -34204,8 +34291,8 @@
           </p:sp>
         </mc:Fallback>
       </mc:AlternateContent>
-      <mc:AlternateContent xmlns:mc="http://schemas.openxmlformats.org/markup-compatibility/2006">
-        <mc:Choice xmlns:a14="http://schemas.microsoft.com/office/drawing/2010/main" Requires="a14">
+      <mc:AlternateContent xmlns:mc="http://schemas.openxmlformats.org/markup-compatibility/2006" xmlns:a14="http://schemas.microsoft.com/office/drawing/2010/main">
+        <mc:Choice Requires="a14">
           <p:sp>
             <p:nvSpPr>
               <p:cNvPr id="7" name="TextBox 6">
@@ -34330,7 +34417,7 @@
             </p:txBody>
           </p:sp>
         </mc:Choice>
-        <mc:Fallback>
+        <mc:Fallback xmlns="">
           <p:sp>
             <p:nvSpPr>
               <p:cNvPr id="7" name="TextBox 6">
@@ -34375,8 +34462,8 @@
           </p:sp>
         </mc:Fallback>
       </mc:AlternateContent>
-      <mc:AlternateContent xmlns:mc="http://schemas.openxmlformats.org/markup-compatibility/2006">
-        <mc:Choice xmlns:a14="http://schemas.microsoft.com/office/drawing/2010/main" Requires="a14">
+      <mc:AlternateContent xmlns:mc="http://schemas.openxmlformats.org/markup-compatibility/2006" xmlns:a14="http://schemas.microsoft.com/office/drawing/2010/main">
+        <mc:Choice Requires="a14">
           <p:sp>
             <p:nvSpPr>
               <p:cNvPr id="8" name="TextBox 7">
@@ -34433,7 +34520,7 @@
             </p:txBody>
           </p:sp>
         </mc:Choice>
-        <mc:Fallback>
+        <mc:Fallback xmlns="">
           <p:sp>
             <p:nvSpPr>
               <p:cNvPr id="8" name="TextBox 7">
@@ -34478,8 +34565,8 @@
           </p:sp>
         </mc:Fallback>
       </mc:AlternateContent>
-      <mc:AlternateContent xmlns:mc="http://schemas.openxmlformats.org/markup-compatibility/2006">
-        <mc:Choice xmlns:a14="http://schemas.microsoft.com/office/drawing/2010/main" Requires="a14">
+      <mc:AlternateContent xmlns:mc="http://schemas.openxmlformats.org/markup-compatibility/2006" xmlns:a14="http://schemas.microsoft.com/office/drawing/2010/main">
+        <mc:Choice Requires="a14">
           <p:sp>
             <p:nvSpPr>
               <p:cNvPr id="9" name="TextBox 8">
@@ -34536,7 +34623,7 @@
             </p:txBody>
           </p:sp>
         </mc:Choice>
-        <mc:Fallback>
+        <mc:Fallback xmlns="">
           <p:sp>
             <p:nvSpPr>
               <p:cNvPr id="9" name="TextBox 8">
@@ -35795,8 +35882,8 @@
           </a:p>
         </p:txBody>
       </p:sp>
-      <mc:AlternateContent xmlns:mc="http://schemas.openxmlformats.org/markup-compatibility/2006">
-        <mc:Choice xmlns:a14="http://schemas.microsoft.com/office/drawing/2010/main" Requires="a14">
+      <mc:AlternateContent xmlns:mc="http://schemas.openxmlformats.org/markup-compatibility/2006" xmlns:a14="http://schemas.microsoft.com/office/drawing/2010/main">
+        <mc:Choice Requires="a14">
           <p:sp>
             <p:nvSpPr>
               <p:cNvPr id="3" name="TextBox 2">
@@ -35878,7 +35965,7 @@
             </p:txBody>
           </p:sp>
         </mc:Choice>
-        <mc:Fallback>
+        <mc:Fallback xmlns="">
           <p:sp>
             <p:nvSpPr>
               <p:cNvPr id="3" name="TextBox 2">
@@ -35923,8 +36010,8 @@
           </p:sp>
         </mc:Fallback>
       </mc:AlternateContent>
-      <mc:AlternateContent xmlns:mc="http://schemas.openxmlformats.org/markup-compatibility/2006">
-        <mc:Choice xmlns:a14="http://schemas.microsoft.com/office/drawing/2010/main" Requires="a14">
+      <mc:AlternateContent xmlns:mc="http://schemas.openxmlformats.org/markup-compatibility/2006" xmlns:a14="http://schemas.microsoft.com/office/drawing/2010/main">
+        <mc:Choice Requires="a14">
           <p:sp>
             <p:nvSpPr>
               <p:cNvPr id="5" name="TextBox 4">
@@ -36006,7 +36093,7 @@
             </p:txBody>
           </p:sp>
         </mc:Choice>
-        <mc:Fallback>
+        <mc:Fallback xmlns="">
           <p:sp>
             <p:nvSpPr>
               <p:cNvPr id="5" name="TextBox 4">
@@ -36051,8 +36138,8 @@
           </p:sp>
         </mc:Fallback>
       </mc:AlternateContent>
-      <mc:AlternateContent xmlns:mc="http://schemas.openxmlformats.org/markup-compatibility/2006">
-        <mc:Choice xmlns:a14="http://schemas.microsoft.com/office/drawing/2010/main" Requires="a14">
+      <mc:AlternateContent xmlns:mc="http://schemas.openxmlformats.org/markup-compatibility/2006" xmlns:a14="http://schemas.microsoft.com/office/drawing/2010/main">
+        <mc:Choice Requires="a14">
           <p:sp>
             <p:nvSpPr>
               <p:cNvPr id="6" name="TextBox 5">
@@ -36134,7 +36221,7 @@
             </p:txBody>
           </p:sp>
         </mc:Choice>
-        <mc:Fallback>
+        <mc:Fallback xmlns="">
           <p:sp>
             <p:nvSpPr>
               <p:cNvPr id="6" name="TextBox 5">
@@ -36179,8 +36266,8 @@
           </p:sp>
         </mc:Fallback>
       </mc:AlternateContent>
-      <mc:AlternateContent xmlns:mc="http://schemas.openxmlformats.org/markup-compatibility/2006">
-        <mc:Choice xmlns:a14="http://schemas.microsoft.com/office/drawing/2010/main" Requires="a14">
+      <mc:AlternateContent xmlns:mc="http://schemas.openxmlformats.org/markup-compatibility/2006" xmlns:a14="http://schemas.microsoft.com/office/drawing/2010/main">
+        <mc:Choice Requires="a14">
           <p:sp>
             <p:nvSpPr>
               <p:cNvPr id="7" name="TextBox 6">
@@ -36305,7 +36392,7 @@
             </p:txBody>
           </p:sp>
         </mc:Choice>
-        <mc:Fallback>
+        <mc:Fallback xmlns="">
           <p:sp>
             <p:nvSpPr>
               <p:cNvPr id="7" name="TextBox 6">
@@ -36350,8 +36437,8 @@
           </p:sp>
         </mc:Fallback>
       </mc:AlternateContent>
-      <mc:AlternateContent xmlns:mc="http://schemas.openxmlformats.org/markup-compatibility/2006">
-        <mc:Choice xmlns:a14="http://schemas.microsoft.com/office/drawing/2010/main" Requires="a14">
+      <mc:AlternateContent xmlns:mc="http://schemas.openxmlformats.org/markup-compatibility/2006" xmlns:a14="http://schemas.microsoft.com/office/drawing/2010/main">
+        <mc:Choice Requires="a14">
           <p:sp>
             <p:nvSpPr>
               <p:cNvPr id="8" name="TextBox 7">
@@ -36408,7 +36495,7 @@
             </p:txBody>
           </p:sp>
         </mc:Choice>
-        <mc:Fallback>
+        <mc:Fallback xmlns="">
           <p:sp>
             <p:nvSpPr>
               <p:cNvPr id="8" name="TextBox 7">
@@ -36453,8 +36540,8 @@
           </p:sp>
         </mc:Fallback>
       </mc:AlternateContent>
-      <mc:AlternateContent xmlns:mc="http://schemas.openxmlformats.org/markup-compatibility/2006">
-        <mc:Choice xmlns:a14="http://schemas.microsoft.com/office/drawing/2010/main" Requires="a14">
+      <mc:AlternateContent xmlns:mc="http://schemas.openxmlformats.org/markup-compatibility/2006" xmlns:a14="http://schemas.microsoft.com/office/drawing/2010/main">
+        <mc:Choice Requires="a14">
           <p:sp>
             <p:nvSpPr>
               <p:cNvPr id="9" name="TextBox 8">
@@ -36511,7 +36598,7 @@
             </p:txBody>
           </p:sp>
         </mc:Choice>
-        <mc:Fallback>
+        <mc:Fallback xmlns="">
           <p:sp>
             <p:nvSpPr>
               <p:cNvPr id="9" name="TextBox 8">
@@ -38686,18 +38773,18 @@
 </file>
 
 <file path=customXml/item1.xml><?xml version="1.0" encoding="utf-8"?>
+<p:properties xmlns:p="http://schemas.microsoft.com/office/2006/metadata/properties" xmlns:xsi="http://www.w3.org/2001/XMLSchema-instance" xmlns:pc="http://schemas.microsoft.com/office/infopath/2007/PartnerControls">
+  <documentManagement/>
+</p:properties>
+</file>
+
+<file path=customXml/item2.xml><?xml version="1.0" encoding="utf-8"?>
 <?mso-contentType ?>
 <FormTemplates xmlns="http://schemas.microsoft.com/sharepoint/v3/contenttype/forms">
   <Display>DocumentLibraryForm</Display>
   <Edit>DocumentLibraryForm</Edit>
   <New>DocumentLibraryForm</New>
 </FormTemplates>
-</file>
-
-<file path=customXml/item2.xml><?xml version="1.0" encoding="utf-8"?>
-<p:properties xmlns:p="http://schemas.microsoft.com/office/2006/metadata/properties" xmlns:xsi="http://www.w3.org/2001/XMLSchema-instance" xmlns:pc="http://schemas.microsoft.com/office/infopath/2007/PartnerControls">
-  <documentManagement/>
-</p:properties>
 </file>
 
 <file path=customXml/item3.xml><?xml version="1.0" encoding="utf-8"?>
@@ -38833,18 +38920,18 @@
 </file>
 
 <file path=customXml/itemProps1.xml><?xml version="1.0" encoding="utf-8"?>
-<ds:datastoreItem xmlns:ds="http://schemas.openxmlformats.org/officeDocument/2006/customXml" ds:itemID="{6C1A3F1B-CE3A-47AB-9F84-47E786467973}">
+<ds:datastoreItem xmlns:ds="http://schemas.openxmlformats.org/officeDocument/2006/customXml" ds:itemID="{7ACF14CA-9E7F-410C-99DF-E0FAFDE78C11}">
   <ds:schemaRefs>
-    <ds:schemaRef ds:uri="http://schemas.microsoft.com/sharepoint/v3/contenttype/forms"/>
+    <ds:schemaRef ds:uri="http://schemas.microsoft.com/office/2006/metadata/properties"/>
+    <ds:schemaRef ds:uri="http://schemas.microsoft.com/office/infopath/2007/PartnerControls"/>
   </ds:schemaRefs>
 </ds:datastoreItem>
 </file>
 
 <file path=customXml/itemProps2.xml><?xml version="1.0" encoding="utf-8"?>
-<ds:datastoreItem xmlns:ds="http://schemas.openxmlformats.org/officeDocument/2006/customXml" ds:itemID="{7ACF14CA-9E7F-410C-99DF-E0FAFDE78C11}">
+<ds:datastoreItem xmlns:ds="http://schemas.openxmlformats.org/officeDocument/2006/customXml" ds:itemID="{6C1A3F1B-CE3A-47AB-9F84-47E786467973}">
   <ds:schemaRefs>
-    <ds:schemaRef ds:uri="http://schemas.microsoft.com/office/2006/metadata/properties"/>
-    <ds:schemaRef ds:uri="http://schemas.microsoft.com/office/infopath/2007/PartnerControls"/>
+    <ds:schemaRef ds:uri="http://schemas.microsoft.com/sharepoint/v3/contenttype/forms"/>
   </ds:schemaRefs>
 </ds:datastoreItem>
 </file>

--- a/6 - Naive Bayes/Conditional Probability.pptx
+++ b/6 - Naive Bayes/Conditional Probability.pptx
@@ -5,7 +5,7 @@
     <p:sldMasterId id="2147483648" r:id="rId4"/>
   </p:sldMasterIdLst>
   <p:notesMasterIdLst>
-    <p:notesMasterId r:id="rId28"/>
+    <p:notesMasterId r:id="rId31"/>
   </p:notesMasterIdLst>
   <p:sldIdLst>
     <p:sldId id="257" r:id="rId5"/>
@@ -22,15 +22,18 @@
     <p:sldId id="348" r:id="rId16"/>
     <p:sldId id="349" r:id="rId17"/>
     <p:sldId id="350" r:id="rId18"/>
-    <p:sldId id="337" r:id="rId19"/>
-    <p:sldId id="329" r:id="rId20"/>
-    <p:sldId id="330" r:id="rId21"/>
-    <p:sldId id="331" r:id="rId22"/>
-    <p:sldId id="333" r:id="rId23"/>
-    <p:sldId id="336" r:id="rId24"/>
-    <p:sldId id="332" r:id="rId25"/>
-    <p:sldId id="335" r:id="rId26"/>
-    <p:sldId id="334" r:id="rId27"/>
+    <p:sldId id="352" r:id="rId19"/>
+    <p:sldId id="354" r:id="rId20"/>
+    <p:sldId id="353" r:id="rId21"/>
+    <p:sldId id="337" r:id="rId22"/>
+    <p:sldId id="329" r:id="rId23"/>
+    <p:sldId id="330" r:id="rId24"/>
+    <p:sldId id="331" r:id="rId25"/>
+    <p:sldId id="333" r:id="rId26"/>
+    <p:sldId id="336" r:id="rId27"/>
+    <p:sldId id="332" r:id="rId28"/>
+    <p:sldId id="335" r:id="rId29"/>
+    <p:sldId id="334" r:id="rId30"/>
   </p:sldIdLst>
   <p:sldSz cx="12192000" cy="6858000"/>
   <p:notesSz cx="6858000" cy="9144000"/>
@@ -1073,7 +1076,7 @@
     </p:spTree>
     <p:extLst>
       <p:ext uri="{BB962C8B-B14F-4D97-AF65-F5344CB8AC3E}">
-        <p14:creationId xmlns:p14="http://schemas.microsoft.com/office/powerpoint/2010/main" val="1099268788"/>
+        <p14:creationId xmlns:p14="http://schemas.microsoft.com/office/powerpoint/2010/main" val="655649311"/>
       </p:ext>
     </p:extLst>
   </p:cSld>
@@ -1157,7 +1160,7 @@
     </p:spTree>
     <p:extLst>
       <p:ext uri="{BB962C8B-B14F-4D97-AF65-F5344CB8AC3E}">
-        <p14:creationId xmlns:p14="http://schemas.microsoft.com/office/powerpoint/2010/main" val="3238697747"/>
+        <p14:creationId xmlns:p14="http://schemas.microsoft.com/office/powerpoint/2010/main" val="2778656500"/>
       </p:ext>
     </p:extLst>
   </p:cSld>
@@ -1241,7 +1244,7 @@
     </p:spTree>
     <p:extLst>
       <p:ext uri="{BB962C8B-B14F-4D97-AF65-F5344CB8AC3E}">
-        <p14:creationId xmlns:p14="http://schemas.microsoft.com/office/powerpoint/2010/main" val="3416922209"/>
+        <p14:creationId xmlns:p14="http://schemas.microsoft.com/office/powerpoint/2010/main" val="367115592"/>
       </p:ext>
     </p:extLst>
   </p:cSld>
@@ -1325,7 +1328,7 @@
     </p:spTree>
     <p:extLst>
       <p:ext uri="{BB962C8B-B14F-4D97-AF65-F5344CB8AC3E}">
-        <p14:creationId xmlns:p14="http://schemas.microsoft.com/office/powerpoint/2010/main" val="2500935672"/>
+        <p14:creationId xmlns:p14="http://schemas.microsoft.com/office/powerpoint/2010/main" val="1099268788"/>
       </p:ext>
     </p:extLst>
   </p:cSld>
@@ -1409,7 +1412,7 @@
     </p:spTree>
     <p:extLst>
       <p:ext uri="{BB962C8B-B14F-4D97-AF65-F5344CB8AC3E}">
-        <p14:creationId xmlns:p14="http://schemas.microsoft.com/office/powerpoint/2010/main" val="1410078105"/>
+        <p14:creationId xmlns:p14="http://schemas.microsoft.com/office/powerpoint/2010/main" val="3238697747"/>
       </p:ext>
     </p:extLst>
   </p:cSld>
@@ -1577,7 +1580,7 @@
     </p:spTree>
     <p:extLst>
       <p:ext uri="{BB962C8B-B14F-4D97-AF65-F5344CB8AC3E}">
-        <p14:creationId xmlns:p14="http://schemas.microsoft.com/office/powerpoint/2010/main" val="2770274118"/>
+        <p14:creationId xmlns:p14="http://schemas.microsoft.com/office/powerpoint/2010/main" val="3416922209"/>
       </p:ext>
     </p:extLst>
   </p:cSld>
@@ -1661,7 +1664,7 @@
     </p:spTree>
     <p:extLst>
       <p:ext uri="{BB962C8B-B14F-4D97-AF65-F5344CB8AC3E}">
-        <p14:creationId xmlns:p14="http://schemas.microsoft.com/office/powerpoint/2010/main" val="3280756922"/>
+        <p14:creationId xmlns:p14="http://schemas.microsoft.com/office/powerpoint/2010/main" val="2500935672"/>
       </p:ext>
     </p:extLst>
   </p:cSld>
@@ -1745,7 +1748,7 @@
     </p:spTree>
     <p:extLst>
       <p:ext uri="{BB962C8B-B14F-4D97-AF65-F5344CB8AC3E}">
-        <p14:creationId xmlns:p14="http://schemas.microsoft.com/office/powerpoint/2010/main" val="853686620"/>
+        <p14:creationId xmlns:p14="http://schemas.microsoft.com/office/powerpoint/2010/main" val="1410078105"/>
       </p:ext>
     </p:extLst>
   </p:cSld>
@@ -1821,6 +1824,258 @@
             <a:fld id="{FE90CCE9-4AAE-4E1F-85AD-521A406D6524}" type="slidenum">
               <a:rPr lang="en-PH" smtClean="0"/>
               <a:t>23</a:t>
+            </a:fld>
+            <a:endParaRPr lang="en-PH"/>
+          </a:p>
+        </p:txBody>
+      </p:sp>
+    </p:spTree>
+    <p:extLst>
+      <p:ext uri="{BB962C8B-B14F-4D97-AF65-F5344CB8AC3E}">
+        <p14:creationId xmlns:p14="http://schemas.microsoft.com/office/powerpoint/2010/main" val="2770274118"/>
+      </p:ext>
+    </p:extLst>
+  </p:cSld>
+  <p:clrMapOvr>
+    <a:masterClrMapping/>
+  </p:clrMapOvr>
+</p:notes>
+</file>
+
+<file path=ppt/notesSlides/notesSlide24.xml><?xml version="1.0" encoding="utf-8"?>
+<p:notes xmlns:a="http://schemas.openxmlformats.org/drawingml/2006/main" xmlns:r="http://schemas.openxmlformats.org/officeDocument/2006/relationships" xmlns:p="http://schemas.openxmlformats.org/presentationml/2006/main">
+  <p:cSld>
+    <p:spTree>
+      <p:nvGrpSpPr>
+        <p:cNvPr id="1" name=""/>
+        <p:cNvGrpSpPr/>
+        <p:nvPr/>
+      </p:nvGrpSpPr>
+      <p:grpSpPr>
+        <a:xfrm>
+          <a:off x="0" y="0"/>
+          <a:ext cx="0" cy="0"/>
+          <a:chOff x="0" y="0"/>
+          <a:chExt cx="0" cy="0"/>
+        </a:xfrm>
+      </p:grpSpPr>
+      <p:sp>
+        <p:nvSpPr>
+          <p:cNvPr id="2" name="Slide Image Placeholder 1"/>
+          <p:cNvSpPr>
+            <a:spLocks noGrp="1" noRot="1" noChangeAspect="1"/>
+          </p:cNvSpPr>
+          <p:nvPr>
+            <p:ph type="sldImg"/>
+          </p:nvPr>
+        </p:nvSpPr>
+        <p:spPr/>
+      </p:sp>
+      <p:sp>
+        <p:nvSpPr>
+          <p:cNvPr id="3" name="Notes Placeholder 2"/>
+          <p:cNvSpPr>
+            <a:spLocks noGrp="1"/>
+          </p:cNvSpPr>
+          <p:nvPr>
+            <p:ph type="body" idx="1"/>
+          </p:nvPr>
+        </p:nvSpPr>
+        <p:spPr/>
+        <p:txBody>
+          <a:bodyPr/>
+          <a:lstStyle/>
+          <a:p>
+            <a:endParaRPr lang="en-PH" dirty="0"/>
+          </a:p>
+        </p:txBody>
+      </p:sp>
+      <p:sp>
+        <p:nvSpPr>
+          <p:cNvPr id="4" name="Slide Number Placeholder 3"/>
+          <p:cNvSpPr>
+            <a:spLocks noGrp="1"/>
+          </p:cNvSpPr>
+          <p:nvPr>
+            <p:ph type="sldNum" sz="quarter" idx="5"/>
+          </p:nvPr>
+        </p:nvSpPr>
+        <p:spPr/>
+        <p:txBody>
+          <a:bodyPr/>
+          <a:lstStyle/>
+          <a:p>
+            <a:fld id="{FE90CCE9-4AAE-4E1F-85AD-521A406D6524}" type="slidenum">
+              <a:rPr lang="en-PH" smtClean="0"/>
+              <a:t>24</a:t>
+            </a:fld>
+            <a:endParaRPr lang="en-PH"/>
+          </a:p>
+        </p:txBody>
+      </p:sp>
+    </p:spTree>
+    <p:extLst>
+      <p:ext uri="{BB962C8B-B14F-4D97-AF65-F5344CB8AC3E}">
+        <p14:creationId xmlns:p14="http://schemas.microsoft.com/office/powerpoint/2010/main" val="3280756922"/>
+      </p:ext>
+    </p:extLst>
+  </p:cSld>
+  <p:clrMapOvr>
+    <a:masterClrMapping/>
+  </p:clrMapOvr>
+</p:notes>
+</file>
+
+<file path=ppt/notesSlides/notesSlide25.xml><?xml version="1.0" encoding="utf-8"?>
+<p:notes xmlns:a="http://schemas.openxmlformats.org/drawingml/2006/main" xmlns:r="http://schemas.openxmlformats.org/officeDocument/2006/relationships" xmlns:p="http://schemas.openxmlformats.org/presentationml/2006/main">
+  <p:cSld>
+    <p:spTree>
+      <p:nvGrpSpPr>
+        <p:cNvPr id="1" name=""/>
+        <p:cNvGrpSpPr/>
+        <p:nvPr/>
+      </p:nvGrpSpPr>
+      <p:grpSpPr>
+        <a:xfrm>
+          <a:off x="0" y="0"/>
+          <a:ext cx="0" cy="0"/>
+          <a:chOff x="0" y="0"/>
+          <a:chExt cx="0" cy="0"/>
+        </a:xfrm>
+      </p:grpSpPr>
+      <p:sp>
+        <p:nvSpPr>
+          <p:cNvPr id="2" name="Slide Image Placeholder 1"/>
+          <p:cNvSpPr>
+            <a:spLocks noGrp="1" noRot="1" noChangeAspect="1"/>
+          </p:cNvSpPr>
+          <p:nvPr>
+            <p:ph type="sldImg"/>
+          </p:nvPr>
+        </p:nvSpPr>
+        <p:spPr/>
+      </p:sp>
+      <p:sp>
+        <p:nvSpPr>
+          <p:cNvPr id="3" name="Notes Placeholder 2"/>
+          <p:cNvSpPr>
+            <a:spLocks noGrp="1"/>
+          </p:cNvSpPr>
+          <p:nvPr>
+            <p:ph type="body" idx="1"/>
+          </p:nvPr>
+        </p:nvSpPr>
+        <p:spPr/>
+        <p:txBody>
+          <a:bodyPr/>
+          <a:lstStyle/>
+          <a:p>
+            <a:endParaRPr lang="en-PH" dirty="0"/>
+          </a:p>
+        </p:txBody>
+      </p:sp>
+      <p:sp>
+        <p:nvSpPr>
+          <p:cNvPr id="4" name="Slide Number Placeholder 3"/>
+          <p:cNvSpPr>
+            <a:spLocks noGrp="1"/>
+          </p:cNvSpPr>
+          <p:nvPr>
+            <p:ph type="sldNum" sz="quarter" idx="5"/>
+          </p:nvPr>
+        </p:nvSpPr>
+        <p:spPr/>
+        <p:txBody>
+          <a:bodyPr/>
+          <a:lstStyle/>
+          <a:p>
+            <a:fld id="{FE90CCE9-4AAE-4E1F-85AD-521A406D6524}" type="slidenum">
+              <a:rPr lang="en-PH" smtClean="0"/>
+              <a:t>25</a:t>
+            </a:fld>
+            <a:endParaRPr lang="en-PH"/>
+          </a:p>
+        </p:txBody>
+      </p:sp>
+    </p:spTree>
+    <p:extLst>
+      <p:ext uri="{BB962C8B-B14F-4D97-AF65-F5344CB8AC3E}">
+        <p14:creationId xmlns:p14="http://schemas.microsoft.com/office/powerpoint/2010/main" val="853686620"/>
+      </p:ext>
+    </p:extLst>
+  </p:cSld>
+  <p:clrMapOvr>
+    <a:masterClrMapping/>
+  </p:clrMapOvr>
+</p:notes>
+</file>
+
+<file path=ppt/notesSlides/notesSlide26.xml><?xml version="1.0" encoding="utf-8"?>
+<p:notes xmlns:a="http://schemas.openxmlformats.org/drawingml/2006/main" xmlns:r="http://schemas.openxmlformats.org/officeDocument/2006/relationships" xmlns:p="http://schemas.openxmlformats.org/presentationml/2006/main">
+  <p:cSld>
+    <p:spTree>
+      <p:nvGrpSpPr>
+        <p:cNvPr id="1" name=""/>
+        <p:cNvGrpSpPr/>
+        <p:nvPr/>
+      </p:nvGrpSpPr>
+      <p:grpSpPr>
+        <a:xfrm>
+          <a:off x="0" y="0"/>
+          <a:ext cx="0" cy="0"/>
+          <a:chOff x="0" y="0"/>
+          <a:chExt cx="0" cy="0"/>
+        </a:xfrm>
+      </p:grpSpPr>
+      <p:sp>
+        <p:nvSpPr>
+          <p:cNvPr id="2" name="Slide Image Placeholder 1"/>
+          <p:cNvSpPr>
+            <a:spLocks noGrp="1" noRot="1" noChangeAspect="1"/>
+          </p:cNvSpPr>
+          <p:nvPr>
+            <p:ph type="sldImg"/>
+          </p:nvPr>
+        </p:nvSpPr>
+        <p:spPr/>
+      </p:sp>
+      <p:sp>
+        <p:nvSpPr>
+          <p:cNvPr id="3" name="Notes Placeholder 2"/>
+          <p:cNvSpPr>
+            <a:spLocks noGrp="1"/>
+          </p:cNvSpPr>
+          <p:nvPr>
+            <p:ph type="body" idx="1"/>
+          </p:nvPr>
+        </p:nvSpPr>
+        <p:spPr/>
+        <p:txBody>
+          <a:bodyPr/>
+          <a:lstStyle/>
+          <a:p>
+            <a:endParaRPr lang="en-PH" dirty="0"/>
+          </a:p>
+        </p:txBody>
+      </p:sp>
+      <p:sp>
+        <p:nvSpPr>
+          <p:cNvPr id="4" name="Slide Number Placeholder 3"/>
+          <p:cNvSpPr>
+            <a:spLocks noGrp="1"/>
+          </p:cNvSpPr>
+          <p:nvPr>
+            <p:ph type="sldNum" sz="quarter" idx="5"/>
+          </p:nvPr>
+        </p:nvSpPr>
+        <p:spPr/>
+        <p:txBody>
+          <a:bodyPr/>
+          <a:lstStyle/>
+          <a:p>
+            <a:fld id="{FE90CCE9-4AAE-4E1F-85AD-521A406D6524}" type="slidenum">
+              <a:rPr lang="en-PH" smtClean="0"/>
+              <a:t>26</a:t>
             </a:fld>
             <a:endParaRPr lang="en-PH"/>
           </a:p>
@@ -15657,6 +15912,2414 @@
 </file>
 
 <file path=ppt/slides/slide15.xml><?xml version="1.0" encoding="utf-8"?>
+<p:sld xmlns:a="http://schemas.openxmlformats.org/drawingml/2006/main" xmlns:r="http://schemas.openxmlformats.org/officeDocument/2006/relationships" xmlns:p="http://schemas.openxmlformats.org/presentationml/2006/main">
+  <p:cSld>
+    <p:bg>
+      <p:bgPr>
+        <a:blipFill dpi="0" rotWithShape="1">
+          <a:blip r:embed="rId3">
+            <a:alphaModFix amt="99000"/>
+            <a:lum/>
+          </a:blip>
+          <a:srcRect/>
+          <a:stretch>
+            <a:fillRect t="89000" r="85000" b="-1000"/>
+          </a:stretch>
+        </a:blipFill>
+        <a:effectLst/>
+      </p:bgPr>
+    </p:bg>
+    <p:spTree>
+      <p:nvGrpSpPr>
+        <p:cNvPr id="1" name=""/>
+        <p:cNvGrpSpPr/>
+        <p:nvPr/>
+      </p:nvGrpSpPr>
+      <p:grpSpPr>
+        <a:xfrm>
+          <a:off x="0" y="0"/>
+          <a:ext cx="0" cy="0"/>
+          <a:chOff x="0" y="0"/>
+          <a:chExt cx="0" cy="0"/>
+        </a:xfrm>
+      </p:grpSpPr>
+      <p:sp>
+        <p:nvSpPr>
+          <p:cNvPr id="4" name="Footer Placeholder 3">
+            <a:extLst>
+              <a:ext uri="{FF2B5EF4-FFF2-40B4-BE49-F238E27FC236}">
+                <a16:creationId xmlns:a16="http://schemas.microsoft.com/office/drawing/2014/main" id="{638E7DE1-45EE-476A-A474-0F3C264AEDA3}"/>
+              </a:ext>
+            </a:extLst>
+          </p:cNvPr>
+          <p:cNvSpPr>
+            <a:spLocks noGrp="1"/>
+          </p:cNvSpPr>
+          <p:nvPr>
+            <p:ph type="ftr" sz="quarter" idx="11"/>
+          </p:nvPr>
+        </p:nvSpPr>
+        <p:spPr>
+          <a:xfrm>
+            <a:off x="0" y="6139541"/>
+            <a:ext cx="12192000" cy="718459"/>
+          </a:xfrm>
+          <a:ln w="28575">
+            <a:solidFill>
+              <a:schemeClr val="accent5">
+                <a:lumMod val="50000"/>
+              </a:schemeClr>
+            </a:solidFill>
+          </a:ln>
+        </p:spPr>
+        <p:txBody>
+          <a:bodyPr/>
+          <a:lstStyle/>
+          <a:p>
+            <a:pPr algn="r"/>
+            <a:r>
+              <a:rPr lang="en-US" b="1">
+                <a:solidFill>
+                  <a:schemeClr val="tx1"/>
+                </a:solidFill>
+              </a:rPr>
+              <a:t>CCMACLRL</a:t>
+            </a:r>
+            <a:endParaRPr lang="en-PH" dirty="0"/>
+          </a:p>
+        </p:txBody>
+      </p:sp>
+      <p:sp>
+        <p:nvSpPr>
+          <p:cNvPr id="38" name="Title 1">
+            <a:extLst>
+              <a:ext uri="{FF2B5EF4-FFF2-40B4-BE49-F238E27FC236}">
+                <a16:creationId xmlns:a16="http://schemas.microsoft.com/office/drawing/2014/main" id="{34FAC5F5-ACD5-D061-4054-838F1C03E334}"/>
+              </a:ext>
+            </a:extLst>
+          </p:cNvPr>
+          <p:cNvSpPr>
+            <a:spLocks noGrp="1"/>
+          </p:cNvSpPr>
+          <p:nvPr>
+            <p:ph type="ctrTitle"/>
+          </p:nvPr>
+        </p:nvSpPr>
+        <p:spPr>
+          <a:xfrm>
+            <a:off x="459204" y="378458"/>
+            <a:ext cx="11273589" cy="718459"/>
+          </a:xfrm>
+        </p:spPr>
+        <p:txBody>
+          <a:bodyPr>
+            <a:noAutofit/>
+          </a:bodyPr>
+          <a:lstStyle/>
+          <a:p>
+            <a:r>
+              <a:rPr lang="en-GB" sz="5000" b="1" dirty="0"/>
+              <a:t>Bayes’ Theorem</a:t>
+            </a:r>
+            <a:endParaRPr lang="en-PH" sz="5000" b="1" dirty="0"/>
+          </a:p>
+        </p:txBody>
+      </p:sp>
+      <p:sp>
+        <p:nvSpPr>
+          <p:cNvPr id="8" name="TextBox 7">
+            <a:extLst>
+              <a:ext uri="{FF2B5EF4-FFF2-40B4-BE49-F238E27FC236}">
+                <a16:creationId xmlns:a16="http://schemas.microsoft.com/office/drawing/2014/main" id="{15B321CD-5588-24E6-35D1-02D6FC5456C1}"/>
+              </a:ext>
+            </a:extLst>
+          </p:cNvPr>
+          <p:cNvSpPr txBox="1"/>
+          <p:nvPr/>
+        </p:nvSpPr>
+        <p:spPr>
+          <a:xfrm>
+            <a:off x="459205" y="1422682"/>
+            <a:ext cx="11273588" cy="830997"/>
+          </a:xfrm>
+          <a:prstGeom prst="rect">
+            <a:avLst/>
+          </a:prstGeom>
+          <a:noFill/>
+        </p:spPr>
+        <p:txBody>
+          <a:bodyPr wrap="square">
+            <a:spAutoFit/>
+          </a:bodyPr>
+          <a:lstStyle/>
+          <a:p>
+            <a:r>
+              <a:rPr lang="en-PH" sz="2400" dirty="0"/>
+              <a:t>Gives a mathematical rule for inverting conditional probabilities, allowing us to find the probability of a cause given its effect</a:t>
+            </a:r>
+            <a:endParaRPr lang="en-US" sz="2400" dirty="0"/>
+          </a:p>
+        </p:txBody>
+      </p:sp>
+      <mc:AlternateContent xmlns:mc="http://schemas.openxmlformats.org/markup-compatibility/2006">
+        <mc:Choice xmlns:a14="http://schemas.microsoft.com/office/drawing/2010/main" Requires="a14">
+          <p:sp>
+            <p:nvSpPr>
+              <p:cNvPr id="9" name="TextBox 8">
+                <a:extLst>
+                  <a:ext uri="{FF2B5EF4-FFF2-40B4-BE49-F238E27FC236}">
+                    <a16:creationId xmlns:a16="http://schemas.microsoft.com/office/drawing/2014/main" id="{319C07FF-BB72-1720-BAB0-29B4A32B7139}"/>
+                  </a:ext>
+                </a:extLst>
+              </p:cNvPr>
+              <p:cNvSpPr txBox="1"/>
+              <p:nvPr/>
+            </p:nvSpPr>
+            <p:spPr>
+              <a:xfrm>
+                <a:off x="3150317" y="2723454"/>
+                <a:ext cx="5891361" cy="1411092"/>
+              </a:xfrm>
+              <a:prstGeom prst="rect">
+                <a:avLst/>
+              </a:prstGeom>
+              <a:noFill/>
+              <a:ln w="38100">
+                <a:solidFill>
+                  <a:srgbClr val="00B050"/>
+                </a:solidFill>
+                <a:extLst>
+                  <a:ext uri="{C807C97D-BFC1-408E-A445-0C87EB9F89A2}">
+                    <ask:lineSketchStyleProps xmlns:ask="http://schemas.microsoft.com/office/drawing/2018/sketchyshapes" sd="1219033472">
+                      <a:custGeom>
+                        <a:avLst/>
+                        <a:gdLst>
+                          <a:gd name="connsiteX0" fmla="*/ 0 w 3319396"/>
+                          <a:gd name="connsiteY0" fmla="*/ 0 h 477054"/>
+                          <a:gd name="connsiteX1" fmla="*/ 520039 w 3319396"/>
+                          <a:gd name="connsiteY1" fmla="*/ 0 h 477054"/>
+                          <a:gd name="connsiteX2" fmla="*/ 973689 w 3319396"/>
+                          <a:gd name="connsiteY2" fmla="*/ 0 h 477054"/>
+                          <a:gd name="connsiteX3" fmla="*/ 1593310 w 3319396"/>
+                          <a:gd name="connsiteY3" fmla="*/ 0 h 477054"/>
+                          <a:gd name="connsiteX4" fmla="*/ 2113349 w 3319396"/>
+                          <a:gd name="connsiteY4" fmla="*/ 0 h 477054"/>
+                          <a:gd name="connsiteX5" fmla="*/ 2633387 w 3319396"/>
+                          <a:gd name="connsiteY5" fmla="*/ 0 h 477054"/>
+                          <a:gd name="connsiteX6" fmla="*/ 3319396 w 3319396"/>
+                          <a:gd name="connsiteY6" fmla="*/ 0 h 477054"/>
+                          <a:gd name="connsiteX7" fmla="*/ 3319396 w 3319396"/>
+                          <a:gd name="connsiteY7" fmla="*/ 477054 h 477054"/>
+                          <a:gd name="connsiteX8" fmla="*/ 2766163 w 3319396"/>
+                          <a:gd name="connsiteY8" fmla="*/ 477054 h 477054"/>
+                          <a:gd name="connsiteX9" fmla="*/ 2312513 w 3319396"/>
+                          <a:gd name="connsiteY9" fmla="*/ 477054 h 477054"/>
+                          <a:gd name="connsiteX10" fmla="*/ 1759280 w 3319396"/>
+                          <a:gd name="connsiteY10" fmla="*/ 477054 h 477054"/>
+                          <a:gd name="connsiteX11" fmla="*/ 1206047 w 3319396"/>
+                          <a:gd name="connsiteY11" fmla="*/ 477054 h 477054"/>
+                          <a:gd name="connsiteX12" fmla="*/ 686009 w 3319396"/>
+                          <a:gd name="connsiteY12" fmla="*/ 477054 h 477054"/>
+                          <a:gd name="connsiteX13" fmla="*/ 0 w 3319396"/>
+                          <a:gd name="connsiteY13" fmla="*/ 477054 h 477054"/>
+                          <a:gd name="connsiteX14" fmla="*/ 0 w 3319396"/>
+                          <a:gd name="connsiteY14" fmla="*/ 0 h 477054"/>
+                        </a:gdLst>
+                        <a:ahLst/>
+                        <a:cxnLst>
+                          <a:cxn ang="0">
+                            <a:pos x="connsiteX0" y="connsiteY0"/>
+                          </a:cxn>
+                          <a:cxn ang="0">
+                            <a:pos x="connsiteX1" y="connsiteY1"/>
+                          </a:cxn>
+                          <a:cxn ang="0">
+                            <a:pos x="connsiteX2" y="connsiteY2"/>
+                          </a:cxn>
+                          <a:cxn ang="0">
+                            <a:pos x="connsiteX3" y="connsiteY3"/>
+                          </a:cxn>
+                          <a:cxn ang="0">
+                            <a:pos x="connsiteX4" y="connsiteY4"/>
+                          </a:cxn>
+                          <a:cxn ang="0">
+                            <a:pos x="connsiteX5" y="connsiteY5"/>
+                          </a:cxn>
+                          <a:cxn ang="0">
+                            <a:pos x="connsiteX6" y="connsiteY6"/>
+                          </a:cxn>
+                          <a:cxn ang="0">
+                            <a:pos x="connsiteX7" y="connsiteY7"/>
+                          </a:cxn>
+                          <a:cxn ang="0">
+                            <a:pos x="connsiteX8" y="connsiteY8"/>
+                          </a:cxn>
+                          <a:cxn ang="0">
+                            <a:pos x="connsiteX9" y="connsiteY9"/>
+                          </a:cxn>
+                          <a:cxn ang="0">
+                            <a:pos x="connsiteX10" y="connsiteY10"/>
+                          </a:cxn>
+                          <a:cxn ang="0">
+                            <a:pos x="connsiteX11" y="connsiteY11"/>
+                          </a:cxn>
+                          <a:cxn ang="0">
+                            <a:pos x="connsiteX12" y="connsiteY12"/>
+                          </a:cxn>
+                          <a:cxn ang="0">
+                            <a:pos x="connsiteX13" y="connsiteY13"/>
+                          </a:cxn>
+                          <a:cxn ang="0">
+                            <a:pos x="connsiteX14" y="connsiteY14"/>
+                          </a:cxn>
+                        </a:cxnLst>
+                        <a:rect l="l" t="t" r="r" b="b"/>
+                        <a:pathLst>
+                          <a:path w="3319396" h="477054" extrusionOk="0">
+                            <a:moveTo>
+                              <a:pt x="0" y="0"/>
+                            </a:moveTo>
+                            <a:cubicBezTo>
+                              <a:pt x="219091" y="-59324"/>
+                              <a:pt x="286294" y="9507"/>
+                              <a:pt x="520039" y="0"/>
+                            </a:cubicBezTo>
+                            <a:cubicBezTo>
+                              <a:pt x="753784" y="-9507"/>
+                              <a:pt x="768583" y="1295"/>
+                              <a:pt x="973689" y="0"/>
+                            </a:cubicBezTo>
+                            <a:cubicBezTo>
+                              <a:pt x="1178795" y="-1295"/>
+                              <a:pt x="1402871" y="7392"/>
+                              <a:pt x="1593310" y="0"/>
+                            </a:cubicBezTo>
+                            <a:cubicBezTo>
+                              <a:pt x="1783749" y="-7392"/>
+                              <a:pt x="1907465" y="18613"/>
+                              <a:pt x="2113349" y="0"/>
+                            </a:cubicBezTo>
+                            <a:cubicBezTo>
+                              <a:pt x="2319233" y="-18613"/>
+                              <a:pt x="2493718" y="20139"/>
+                              <a:pt x="2633387" y="0"/>
+                            </a:cubicBezTo>
+                            <a:cubicBezTo>
+                              <a:pt x="2773056" y="-20139"/>
+                              <a:pt x="3052358" y="52944"/>
+                              <a:pt x="3319396" y="0"/>
+                            </a:cubicBezTo>
+                            <a:cubicBezTo>
+                              <a:pt x="3321177" y="164383"/>
+                              <a:pt x="3274298" y="265315"/>
+                              <a:pt x="3319396" y="477054"/>
+                            </a:cubicBezTo>
+                            <a:cubicBezTo>
+                              <a:pt x="3203919" y="541712"/>
+                              <a:pt x="2940230" y="412226"/>
+                              <a:pt x="2766163" y="477054"/>
+                            </a:cubicBezTo>
+                            <a:cubicBezTo>
+                              <a:pt x="2592096" y="541882"/>
+                              <a:pt x="2457293" y="446239"/>
+                              <a:pt x="2312513" y="477054"/>
+                            </a:cubicBezTo>
+                            <a:cubicBezTo>
+                              <a:pt x="2167733" y="507869"/>
+                              <a:pt x="1920012" y="469757"/>
+                              <a:pt x="1759280" y="477054"/>
+                            </a:cubicBezTo>
+                            <a:cubicBezTo>
+                              <a:pt x="1598548" y="484351"/>
+                              <a:pt x="1438886" y="453677"/>
+                              <a:pt x="1206047" y="477054"/>
+                            </a:cubicBezTo>
+                            <a:cubicBezTo>
+                              <a:pt x="973208" y="500431"/>
+                              <a:pt x="812244" y="452117"/>
+                              <a:pt x="686009" y="477054"/>
+                            </a:cubicBezTo>
+                            <a:cubicBezTo>
+                              <a:pt x="559774" y="501991"/>
+                              <a:pt x="264816" y="463595"/>
+                              <a:pt x="0" y="477054"/>
+                            </a:cubicBezTo>
+                            <a:cubicBezTo>
+                              <a:pt x="-8228" y="344497"/>
+                              <a:pt x="53074" y="216141"/>
+                              <a:pt x="0" y="0"/>
+                            </a:cubicBezTo>
+                            <a:close/>
+                          </a:path>
+                        </a:pathLst>
+                      </a:custGeom>
+                      <ask:type>
+                        <ask:lineSketchNone/>
+                      </ask:type>
+                    </ask:lineSketchStyleProps>
+                  </a:ext>
+                </a:extLst>
+              </a:ln>
+            </p:spPr>
+            <p:txBody>
+              <a:bodyPr wrap="square">
+                <a:spAutoFit/>
+              </a:bodyPr>
+              <a:lstStyle/>
+              <a:p>
+                <a:pPr/>
+                <a14:m>
+                  <m:oMathPara xmlns:m="http://schemas.openxmlformats.org/officeDocument/2006/math">
+                    <m:oMathParaPr>
+                      <m:jc m:val="centerGroup"/>
+                    </m:oMathParaPr>
+                    <m:oMath xmlns:m="http://schemas.openxmlformats.org/officeDocument/2006/math">
+                      <m:r>
+                        <a:rPr lang="en-GB" sz="4000" b="0" i="1" smtClean="0">
+                          <a:latin typeface="Cambria Math" panose="02040503050406030204" pitchFamily="18" charset="0"/>
+                        </a:rPr>
+                        <m:t>𝑝</m:t>
+                      </m:r>
+                      <m:d>
+                        <m:dPr>
+                          <m:ctrlPr>
+                            <a:rPr lang="en-GB" sz="4000" b="0" i="1" smtClean="0">
+                              <a:latin typeface="Cambria Math" panose="02040503050406030204" pitchFamily="18" charset="0"/>
+                            </a:rPr>
+                          </m:ctrlPr>
+                        </m:dPr>
+                        <m:e>
+                          <m:r>
+                            <a:rPr lang="en-GB" sz="4000" b="0" i="1" smtClean="0">
+                              <a:solidFill>
+                                <a:srgbClr val="0070C0"/>
+                              </a:solidFill>
+                              <a:latin typeface="Cambria Math" panose="02040503050406030204" pitchFamily="18" charset="0"/>
+                            </a:rPr>
+                            <m:t>𝐵</m:t>
+                          </m:r>
+                        </m:e>
+                        <m:e>
+                          <m:r>
+                            <a:rPr lang="en-GB" sz="4000" b="0" i="1" smtClean="0">
+                              <a:solidFill>
+                                <a:srgbClr val="00B050"/>
+                              </a:solidFill>
+                              <a:latin typeface="Cambria Math" panose="02040503050406030204" pitchFamily="18" charset="0"/>
+                            </a:rPr>
+                            <m:t>𝐴</m:t>
+                          </m:r>
+                        </m:e>
+                      </m:d>
+                      <m:r>
+                        <a:rPr lang="en-GB" sz="4000" b="0" i="1" smtClean="0">
+                          <a:latin typeface="Cambria Math" panose="02040503050406030204" pitchFamily="18" charset="0"/>
+                        </a:rPr>
+                        <m:t>= </m:t>
+                      </m:r>
+                      <m:f>
+                        <m:fPr>
+                          <m:ctrlPr>
+                            <a:rPr lang="en-GB" sz="4000" b="0" i="1" smtClean="0">
+                              <a:latin typeface="Cambria Math" panose="02040503050406030204" pitchFamily="18" charset="0"/>
+                            </a:rPr>
+                          </m:ctrlPr>
+                        </m:fPr>
+                        <m:num>
+                          <m:r>
+                            <a:rPr lang="en-GB" sz="4000" b="0" i="1" smtClean="0">
+                              <a:latin typeface="Cambria Math" panose="02040503050406030204" pitchFamily="18" charset="0"/>
+                            </a:rPr>
+                            <m:t>𝑝</m:t>
+                          </m:r>
+                          <m:d>
+                            <m:dPr>
+                              <m:ctrlPr>
+                                <a:rPr lang="en-GB" sz="4000" b="0" i="1" smtClean="0">
+                                  <a:latin typeface="Cambria Math" panose="02040503050406030204" pitchFamily="18" charset="0"/>
+                                </a:rPr>
+                              </m:ctrlPr>
+                            </m:dPr>
+                            <m:e>
+                              <m:r>
+                                <a:rPr lang="en-GB" sz="4000" b="0" i="1" smtClean="0">
+                                  <a:solidFill>
+                                    <a:srgbClr val="00B050"/>
+                                  </a:solidFill>
+                                  <a:latin typeface="Cambria Math" panose="02040503050406030204" pitchFamily="18" charset="0"/>
+                                </a:rPr>
+                                <m:t>𝐴</m:t>
+                              </m:r>
+                            </m:e>
+                            <m:e>
+                              <m:r>
+                                <a:rPr lang="en-GB" sz="4000" b="0" i="1" smtClean="0">
+                                  <a:latin typeface="Cambria Math" panose="02040503050406030204" pitchFamily="18" charset="0"/>
+                                </a:rPr>
+                                <m:t>𝐵</m:t>
+                              </m:r>
+                            </m:e>
+                          </m:d>
+                          <m:r>
+                            <a:rPr lang="en-GB" sz="4000" b="0" i="1" smtClean="0">
+                              <a:latin typeface="Cambria Math" panose="02040503050406030204" pitchFamily="18" charset="0"/>
+                            </a:rPr>
+                            <m:t> </m:t>
+                          </m:r>
+                          <m:r>
+                            <a:rPr lang="en-GB" sz="4000" b="0" i="1" smtClean="0">
+                              <a:latin typeface="Cambria Math" panose="02040503050406030204" pitchFamily="18" charset="0"/>
+                            </a:rPr>
+                            <m:t>𝑝</m:t>
+                          </m:r>
+                          <m:r>
+                            <a:rPr lang="en-GB" sz="4000" b="0" i="1" smtClean="0">
+                              <a:latin typeface="Cambria Math" panose="02040503050406030204" pitchFamily="18" charset="0"/>
+                            </a:rPr>
+                            <m:t>(</m:t>
+                          </m:r>
+                          <m:r>
+                            <a:rPr lang="en-GB" sz="4000" b="0" i="1" smtClean="0">
+                              <a:solidFill>
+                                <a:srgbClr val="0070C0"/>
+                              </a:solidFill>
+                              <a:latin typeface="Cambria Math" panose="02040503050406030204" pitchFamily="18" charset="0"/>
+                            </a:rPr>
+                            <m:t>𝐵</m:t>
+                          </m:r>
+                          <m:r>
+                            <a:rPr lang="en-GB" sz="4000" b="0" i="1" smtClean="0">
+                              <a:latin typeface="Cambria Math" panose="02040503050406030204" pitchFamily="18" charset="0"/>
+                            </a:rPr>
+                            <m:t>)</m:t>
+                          </m:r>
+                        </m:num>
+                        <m:den>
+                          <m:r>
+                            <a:rPr lang="en-GB" sz="4000" b="0" i="1" smtClean="0">
+                              <a:latin typeface="Cambria Math" panose="02040503050406030204" pitchFamily="18" charset="0"/>
+                            </a:rPr>
+                            <m:t>𝑝</m:t>
+                          </m:r>
+                          <m:r>
+                            <a:rPr lang="en-GB" sz="4000" b="0" i="1" smtClean="0">
+                              <a:latin typeface="Cambria Math" panose="02040503050406030204" pitchFamily="18" charset="0"/>
+                            </a:rPr>
+                            <m:t>(</m:t>
+                          </m:r>
+                          <m:r>
+                            <a:rPr lang="en-GB" sz="4000" b="0" i="1" smtClean="0">
+                              <a:solidFill>
+                                <a:srgbClr val="00B050"/>
+                              </a:solidFill>
+                              <a:latin typeface="Cambria Math" panose="02040503050406030204" pitchFamily="18" charset="0"/>
+                            </a:rPr>
+                            <m:t>𝐴</m:t>
+                          </m:r>
+                          <m:r>
+                            <a:rPr lang="en-GB" sz="4000" b="0" i="1" smtClean="0">
+                              <a:latin typeface="Cambria Math" panose="02040503050406030204" pitchFamily="18" charset="0"/>
+                            </a:rPr>
+                            <m:t>)</m:t>
+                          </m:r>
+                        </m:den>
+                      </m:f>
+                    </m:oMath>
+                  </m:oMathPara>
+                </a14:m>
+                <a:endParaRPr lang="en-GB" sz="4000" b="1" dirty="0"/>
+              </a:p>
+            </p:txBody>
+          </p:sp>
+        </mc:Choice>
+        <mc:Fallback>
+          <p:sp>
+            <p:nvSpPr>
+              <p:cNvPr id="9" name="TextBox 8">
+                <a:extLst>
+                  <a:ext uri="{FF2B5EF4-FFF2-40B4-BE49-F238E27FC236}">
+                    <a16:creationId xmlns:a16="http://schemas.microsoft.com/office/drawing/2014/main" id="{319C07FF-BB72-1720-BAB0-29B4A32B7139}"/>
+                  </a:ext>
+                </a:extLst>
+              </p:cNvPr>
+              <p:cNvSpPr txBox="1">
+                <a:spLocks noRot="1" noChangeAspect="1" noMove="1" noResize="1" noEditPoints="1" noAdjustHandles="1" noChangeArrowheads="1" noChangeShapeType="1" noTextEdit="1"/>
+              </p:cNvSpPr>
+              <p:nvPr/>
+            </p:nvSpPr>
+            <p:spPr>
+              <a:xfrm>
+                <a:off x="3150317" y="2723454"/>
+                <a:ext cx="5891361" cy="1411092"/>
+              </a:xfrm>
+              <a:prstGeom prst="rect">
+                <a:avLst/>
+              </a:prstGeom>
+              <a:blipFill>
+                <a:blip r:embed="rId4"/>
+                <a:stretch>
+                  <a:fillRect t="-877" b="-10526"/>
+                </a:stretch>
+              </a:blipFill>
+              <a:ln w="38100">
+                <a:solidFill>
+                  <a:srgbClr val="00B050"/>
+                </a:solidFill>
+                <a:extLst>
+                  <a:ext uri="{C807C97D-BFC1-408E-A445-0C87EB9F89A2}">
+                    <ask:lineSketchStyleProps xmlns:ask="http://schemas.microsoft.com/office/drawing/2018/sketchyshapes" sd="1219033472">
+                      <a:custGeom>
+                        <a:avLst/>
+                        <a:gdLst>
+                          <a:gd name="connsiteX0" fmla="*/ 0 w 3319396"/>
+                          <a:gd name="connsiteY0" fmla="*/ 0 h 477054"/>
+                          <a:gd name="connsiteX1" fmla="*/ 520039 w 3319396"/>
+                          <a:gd name="connsiteY1" fmla="*/ 0 h 477054"/>
+                          <a:gd name="connsiteX2" fmla="*/ 973689 w 3319396"/>
+                          <a:gd name="connsiteY2" fmla="*/ 0 h 477054"/>
+                          <a:gd name="connsiteX3" fmla="*/ 1593310 w 3319396"/>
+                          <a:gd name="connsiteY3" fmla="*/ 0 h 477054"/>
+                          <a:gd name="connsiteX4" fmla="*/ 2113349 w 3319396"/>
+                          <a:gd name="connsiteY4" fmla="*/ 0 h 477054"/>
+                          <a:gd name="connsiteX5" fmla="*/ 2633387 w 3319396"/>
+                          <a:gd name="connsiteY5" fmla="*/ 0 h 477054"/>
+                          <a:gd name="connsiteX6" fmla="*/ 3319396 w 3319396"/>
+                          <a:gd name="connsiteY6" fmla="*/ 0 h 477054"/>
+                          <a:gd name="connsiteX7" fmla="*/ 3319396 w 3319396"/>
+                          <a:gd name="connsiteY7" fmla="*/ 477054 h 477054"/>
+                          <a:gd name="connsiteX8" fmla="*/ 2766163 w 3319396"/>
+                          <a:gd name="connsiteY8" fmla="*/ 477054 h 477054"/>
+                          <a:gd name="connsiteX9" fmla="*/ 2312513 w 3319396"/>
+                          <a:gd name="connsiteY9" fmla="*/ 477054 h 477054"/>
+                          <a:gd name="connsiteX10" fmla="*/ 1759280 w 3319396"/>
+                          <a:gd name="connsiteY10" fmla="*/ 477054 h 477054"/>
+                          <a:gd name="connsiteX11" fmla="*/ 1206047 w 3319396"/>
+                          <a:gd name="connsiteY11" fmla="*/ 477054 h 477054"/>
+                          <a:gd name="connsiteX12" fmla="*/ 686009 w 3319396"/>
+                          <a:gd name="connsiteY12" fmla="*/ 477054 h 477054"/>
+                          <a:gd name="connsiteX13" fmla="*/ 0 w 3319396"/>
+                          <a:gd name="connsiteY13" fmla="*/ 477054 h 477054"/>
+                          <a:gd name="connsiteX14" fmla="*/ 0 w 3319396"/>
+                          <a:gd name="connsiteY14" fmla="*/ 0 h 477054"/>
+                        </a:gdLst>
+                        <a:ahLst/>
+                        <a:cxnLst>
+                          <a:cxn ang="0">
+                            <a:pos x="connsiteX0" y="connsiteY0"/>
+                          </a:cxn>
+                          <a:cxn ang="0">
+                            <a:pos x="connsiteX1" y="connsiteY1"/>
+                          </a:cxn>
+                          <a:cxn ang="0">
+                            <a:pos x="connsiteX2" y="connsiteY2"/>
+                          </a:cxn>
+                          <a:cxn ang="0">
+                            <a:pos x="connsiteX3" y="connsiteY3"/>
+                          </a:cxn>
+                          <a:cxn ang="0">
+                            <a:pos x="connsiteX4" y="connsiteY4"/>
+                          </a:cxn>
+                          <a:cxn ang="0">
+                            <a:pos x="connsiteX5" y="connsiteY5"/>
+                          </a:cxn>
+                          <a:cxn ang="0">
+                            <a:pos x="connsiteX6" y="connsiteY6"/>
+                          </a:cxn>
+                          <a:cxn ang="0">
+                            <a:pos x="connsiteX7" y="connsiteY7"/>
+                          </a:cxn>
+                          <a:cxn ang="0">
+                            <a:pos x="connsiteX8" y="connsiteY8"/>
+                          </a:cxn>
+                          <a:cxn ang="0">
+                            <a:pos x="connsiteX9" y="connsiteY9"/>
+                          </a:cxn>
+                          <a:cxn ang="0">
+                            <a:pos x="connsiteX10" y="connsiteY10"/>
+                          </a:cxn>
+                          <a:cxn ang="0">
+                            <a:pos x="connsiteX11" y="connsiteY11"/>
+                          </a:cxn>
+                          <a:cxn ang="0">
+                            <a:pos x="connsiteX12" y="connsiteY12"/>
+                          </a:cxn>
+                          <a:cxn ang="0">
+                            <a:pos x="connsiteX13" y="connsiteY13"/>
+                          </a:cxn>
+                          <a:cxn ang="0">
+                            <a:pos x="connsiteX14" y="connsiteY14"/>
+                          </a:cxn>
+                        </a:cxnLst>
+                        <a:rect l="l" t="t" r="r" b="b"/>
+                        <a:pathLst>
+                          <a:path w="3319396" h="477054" extrusionOk="0">
+                            <a:moveTo>
+                              <a:pt x="0" y="0"/>
+                            </a:moveTo>
+                            <a:cubicBezTo>
+                              <a:pt x="219091" y="-59324"/>
+                              <a:pt x="286294" y="9507"/>
+                              <a:pt x="520039" y="0"/>
+                            </a:cubicBezTo>
+                            <a:cubicBezTo>
+                              <a:pt x="753784" y="-9507"/>
+                              <a:pt x="768583" y="1295"/>
+                              <a:pt x="973689" y="0"/>
+                            </a:cubicBezTo>
+                            <a:cubicBezTo>
+                              <a:pt x="1178795" y="-1295"/>
+                              <a:pt x="1402871" y="7392"/>
+                              <a:pt x="1593310" y="0"/>
+                            </a:cubicBezTo>
+                            <a:cubicBezTo>
+                              <a:pt x="1783749" y="-7392"/>
+                              <a:pt x="1907465" y="18613"/>
+                              <a:pt x="2113349" y="0"/>
+                            </a:cubicBezTo>
+                            <a:cubicBezTo>
+                              <a:pt x="2319233" y="-18613"/>
+                              <a:pt x="2493718" y="20139"/>
+                              <a:pt x="2633387" y="0"/>
+                            </a:cubicBezTo>
+                            <a:cubicBezTo>
+                              <a:pt x="2773056" y="-20139"/>
+                              <a:pt x="3052358" y="52944"/>
+                              <a:pt x="3319396" y="0"/>
+                            </a:cubicBezTo>
+                            <a:cubicBezTo>
+                              <a:pt x="3321177" y="164383"/>
+                              <a:pt x="3274298" y="265315"/>
+                              <a:pt x="3319396" y="477054"/>
+                            </a:cubicBezTo>
+                            <a:cubicBezTo>
+                              <a:pt x="3203919" y="541712"/>
+                              <a:pt x="2940230" y="412226"/>
+                              <a:pt x="2766163" y="477054"/>
+                            </a:cubicBezTo>
+                            <a:cubicBezTo>
+                              <a:pt x="2592096" y="541882"/>
+                              <a:pt x="2457293" y="446239"/>
+                              <a:pt x="2312513" y="477054"/>
+                            </a:cubicBezTo>
+                            <a:cubicBezTo>
+                              <a:pt x="2167733" y="507869"/>
+                              <a:pt x="1920012" y="469757"/>
+                              <a:pt x="1759280" y="477054"/>
+                            </a:cubicBezTo>
+                            <a:cubicBezTo>
+                              <a:pt x="1598548" y="484351"/>
+                              <a:pt x="1438886" y="453677"/>
+                              <a:pt x="1206047" y="477054"/>
+                            </a:cubicBezTo>
+                            <a:cubicBezTo>
+                              <a:pt x="973208" y="500431"/>
+                              <a:pt x="812244" y="452117"/>
+                              <a:pt x="686009" y="477054"/>
+                            </a:cubicBezTo>
+                            <a:cubicBezTo>
+                              <a:pt x="559774" y="501991"/>
+                              <a:pt x="264816" y="463595"/>
+                              <a:pt x="0" y="477054"/>
+                            </a:cubicBezTo>
+                            <a:cubicBezTo>
+                              <a:pt x="-8228" y="344497"/>
+                              <a:pt x="53074" y="216141"/>
+                              <a:pt x="0" y="0"/>
+                            </a:cubicBezTo>
+                            <a:close/>
+                          </a:path>
+                        </a:pathLst>
+                      </a:custGeom>
+                      <ask:type>
+                        <ask:lineSketchNone/>
+                      </ask:type>
+                    </ask:lineSketchStyleProps>
+                  </a:ext>
+                </a:extLst>
+              </a:ln>
+            </p:spPr>
+            <p:txBody>
+              <a:bodyPr/>
+              <a:lstStyle/>
+              <a:p>
+                <a:r>
+                  <a:rPr lang="en-US">
+                    <a:noFill/>
+                  </a:rPr>
+                  <a:t> </a:t>
+                </a:r>
+              </a:p>
+            </p:txBody>
+          </p:sp>
+        </mc:Fallback>
+      </mc:AlternateContent>
+    </p:spTree>
+    <p:extLst>
+      <p:ext uri="{BB962C8B-B14F-4D97-AF65-F5344CB8AC3E}">
+        <p14:creationId xmlns:p14="http://schemas.microsoft.com/office/powerpoint/2010/main" val="2047593691"/>
+      </p:ext>
+    </p:extLst>
+  </p:cSld>
+  <p:clrMapOvr>
+    <a:masterClrMapping/>
+  </p:clrMapOvr>
+</p:sld>
+</file>
+
+<file path=ppt/slides/slide16.xml><?xml version="1.0" encoding="utf-8"?>
+<p:sld xmlns:a="http://schemas.openxmlformats.org/drawingml/2006/main" xmlns:r="http://schemas.openxmlformats.org/officeDocument/2006/relationships" xmlns:p="http://schemas.openxmlformats.org/presentationml/2006/main">
+  <p:cSld>
+    <p:bg>
+      <p:bgPr>
+        <a:blipFill dpi="0" rotWithShape="1">
+          <a:blip r:embed="rId3">
+            <a:alphaModFix amt="99000"/>
+            <a:lum/>
+          </a:blip>
+          <a:srcRect/>
+          <a:stretch>
+            <a:fillRect t="89000" r="85000" b="-1000"/>
+          </a:stretch>
+        </a:blipFill>
+        <a:effectLst/>
+      </p:bgPr>
+    </p:bg>
+    <p:spTree>
+      <p:nvGrpSpPr>
+        <p:cNvPr id="1" name=""/>
+        <p:cNvGrpSpPr/>
+        <p:nvPr/>
+      </p:nvGrpSpPr>
+      <p:grpSpPr>
+        <a:xfrm>
+          <a:off x="0" y="0"/>
+          <a:ext cx="0" cy="0"/>
+          <a:chOff x="0" y="0"/>
+          <a:chExt cx="0" cy="0"/>
+        </a:xfrm>
+      </p:grpSpPr>
+      <p:sp>
+        <p:nvSpPr>
+          <p:cNvPr id="4" name="Footer Placeholder 3">
+            <a:extLst>
+              <a:ext uri="{FF2B5EF4-FFF2-40B4-BE49-F238E27FC236}">
+                <a16:creationId xmlns:a16="http://schemas.microsoft.com/office/drawing/2014/main" id="{638E7DE1-45EE-476A-A474-0F3C264AEDA3}"/>
+              </a:ext>
+            </a:extLst>
+          </p:cNvPr>
+          <p:cNvSpPr>
+            <a:spLocks noGrp="1"/>
+          </p:cNvSpPr>
+          <p:nvPr>
+            <p:ph type="ftr" sz="quarter" idx="11"/>
+          </p:nvPr>
+        </p:nvSpPr>
+        <p:spPr>
+          <a:xfrm>
+            <a:off x="0" y="6139541"/>
+            <a:ext cx="12192000" cy="718459"/>
+          </a:xfrm>
+          <a:ln w="28575">
+            <a:solidFill>
+              <a:schemeClr val="accent5">
+                <a:lumMod val="50000"/>
+              </a:schemeClr>
+            </a:solidFill>
+          </a:ln>
+        </p:spPr>
+        <p:txBody>
+          <a:bodyPr/>
+          <a:lstStyle/>
+          <a:p>
+            <a:pPr algn="r"/>
+            <a:r>
+              <a:rPr lang="en-US" b="1" dirty="0">
+                <a:solidFill>
+                  <a:schemeClr val="tx1"/>
+                </a:solidFill>
+              </a:rPr>
+              <a:t>CCMACLRL</a:t>
+            </a:r>
+            <a:endParaRPr lang="en-PH" dirty="0"/>
+          </a:p>
+        </p:txBody>
+      </p:sp>
+      <p:sp>
+        <p:nvSpPr>
+          <p:cNvPr id="38" name="Title 1">
+            <a:extLst>
+              <a:ext uri="{FF2B5EF4-FFF2-40B4-BE49-F238E27FC236}">
+                <a16:creationId xmlns:a16="http://schemas.microsoft.com/office/drawing/2014/main" id="{34FAC5F5-ACD5-D061-4054-838F1C03E334}"/>
+              </a:ext>
+            </a:extLst>
+          </p:cNvPr>
+          <p:cNvSpPr>
+            <a:spLocks noGrp="1"/>
+          </p:cNvSpPr>
+          <p:nvPr>
+            <p:ph type="ctrTitle"/>
+          </p:nvPr>
+        </p:nvSpPr>
+        <p:spPr>
+          <a:xfrm>
+            <a:off x="459204" y="378458"/>
+            <a:ext cx="11273589" cy="718459"/>
+          </a:xfrm>
+        </p:spPr>
+        <p:txBody>
+          <a:bodyPr>
+            <a:noAutofit/>
+          </a:bodyPr>
+          <a:lstStyle/>
+          <a:p>
+            <a:r>
+              <a:rPr lang="en-GB" sz="5000" b="1" dirty="0"/>
+              <a:t>Bayes’ Theorem</a:t>
+            </a:r>
+            <a:endParaRPr lang="en-PH" sz="5000" b="1" dirty="0"/>
+          </a:p>
+        </p:txBody>
+      </p:sp>
+      <mc:AlternateContent xmlns:mc="http://schemas.openxmlformats.org/markup-compatibility/2006">
+        <mc:Choice xmlns:a14="http://schemas.microsoft.com/office/drawing/2010/main" Requires="a14">
+          <p:sp>
+            <p:nvSpPr>
+              <p:cNvPr id="2" name="TextBox 1">
+                <a:extLst>
+                  <a:ext uri="{FF2B5EF4-FFF2-40B4-BE49-F238E27FC236}">
+                    <a16:creationId xmlns:a16="http://schemas.microsoft.com/office/drawing/2014/main" id="{E1D6E070-A235-3BE7-4C41-6DE910EC42F3}"/>
+                  </a:ext>
+                </a:extLst>
+              </p:cNvPr>
+              <p:cNvSpPr txBox="1"/>
+              <p:nvPr/>
+            </p:nvSpPr>
+            <p:spPr>
+              <a:xfrm>
+                <a:off x="459204" y="3158525"/>
+                <a:ext cx="11273589" cy="2569934"/>
+              </a:xfrm>
+              <a:prstGeom prst="rect">
+                <a:avLst/>
+              </a:prstGeom>
+              <a:noFill/>
+              <a:ln w="38100">
+                <a:noFill/>
+                <a:extLst>
+                  <a:ext uri="{C807C97D-BFC1-408E-A445-0C87EB9F89A2}">
+                    <ask:lineSketchStyleProps xmlns:ask="http://schemas.microsoft.com/office/drawing/2018/sketchyshapes" sd="1219033472">
+                      <a:custGeom>
+                        <a:avLst/>
+                        <a:gdLst>
+                          <a:gd name="connsiteX0" fmla="*/ 0 w 3319396"/>
+                          <a:gd name="connsiteY0" fmla="*/ 0 h 477054"/>
+                          <a:gd name="connsiteX1" fmla="*/ 520039 w 3319396"/>
+                          <a:gd name="connsiteY1" fmla="*/ 0 h 477054"/>
+                          <a:gd name="connsiteX2" fmla="*/ 973689 w 3319396"/>
+                          <a:gd name="connsiteY2" fmla="*/ 0 h 477054"/>
+                          <a:gd name="connsiteX3" fmla="*/ 1593310 w 3319396"/>
+                          <a:gd name="connsiteY3" fmla="*/ 0 h 477054"/>
+                          <a:gd name="connsiteX4" fmla="*/ 2113349 w 3319396"/>
+                          <a:gd name="connsiteY4" fmla="*/ 0 h 477054"/>
+                          <a:gd name="connsiteX5" fmla="*/ 2633387 w 3319396"/>
+                          <a:gd name="connsiteY5" fmla="*/ 0 h 477054"/>
+                          <a:gd name="connsiteX6" fmla="*/ 3319396 w 3319396"/>
+                          <a:gd name="connsiteY6" fmla="*/ 0 h 477054"/>
+                          <a:gd name="connsiteX7" fmla="*/ 3319396 w 3319396"/>
+                          <a:gd name="connsiteY7" fmla="*/ 477054 h 477054"/>
+                          <a:gd name="connsiteX8" fmla="*/ 2766163 w 3319396"/>
+                          <a:gd name="connsiteY8" fmla="*/ 477054 h 477054"/>
+                          <a:gd name="connsiteX9" fmla="*/ 2312513 w 3319396"/>
+                          <a:gd name="connsiteY9" fmla="*/ 477054 h 477054"/>
+                          <a:gd name="connsiteX10" fmla="*/ 1759280 w 3319396"/>
+                          <a:gd name="connsiteY10" fmla="*/ 477054 h 477054"/>
+                          <a:gd name="connsiteX11" fmla="*/ 1206047 w 3319396"/>
+                          <a:gd name="connsiteY11" fmla="*/ 477054 h 477054"/>
+                          <a:gd name="connsiteX12" fmla="*/ 686009 w 3319396"/>
+                          <a:gd name="connsiteY12" fmla="*/ 477054 h 477054"/>
+                          <a:gd name="connsiteX13" fmla="*/ 0 w 3319396"/>
+                          <a:gd name="connsiteY13" fmla="*/ 477054 h 477054"/>
+                          <a:gd name="connsiteX14" fmla="*/ 0 w 3319396"/>
+                          <a:gd name="connsiteY14" fmla="*/ 0 h 477054"/>
+                        </a:gdLst>
+                        <a:ahLst/>
+                        <a:cxnLst>
+                          <a:cxn ang="0">
+                            <a:pos x="connsiteX0" y="connsiteY0"/>
+                          </a:cxn>
+                          <a:cxn ang="0">
+                            <a:pos x="connsiteX1" y="connsiteY1"/>
+                          </a:cxn>
+                          <a:cxn ang="0">
+                            <a:pos x="connsiteX2" y="connsiteY2"/>
+                          </a:cxn>
+                          <a:cxn ang="0">
+                            <a:pos x="connsiteX3" y="connsiteY3"/>
+                          </a:cxn>
+                          <a:cxn ang="0">
+                            <a:pos x="connsiteX4" y="connsiteY4"/>
+                          </a:cxn>
+                          <a:cxn ang="0">
+                            <a:pos x="connsiteX5" y="connsiteY5"/>
+                          </a:cxn>
+                          <a:cxn ang="0">
+                            <a:pos x="connsiteX6" y="connsiteY6"/>
+                          </a:cxn>
+                          <a:cxn ang="0">
+                            <a:pos x="connsiteX7" y="connsiteY7"/>
+                          </a:cxn>
+                          <a:cxn ang="0">
+                            <a:pos x="connsiteX8" y="connsiteY8"/>
+                          </a:cxn>
+                          <a:cxn ang="0">
+                            <a:pos x="connsiteX9" y="connsiteY9"/>
+                          </a:cxn>
+                          <a:cxn ang="0">
+                            <a:pos x="connsiteX10" y="connsiteY10"/>
+                          </a:cxn>
+                          <a:cxn ang="0">
+                            <a:pos x="connsiteX11" y="connsiteY11"/>
+                          </a:cxn>
+                          <a:cxn ang="0">
+                            <a:pos x="connsiteX12" y="connsiteY12"/>
+                          </a:cxn>
+                          <a:cxn ang="0">
+                            <a:pos x="connsiteX13" y="connsiteY13"/>
+                          </a:cxn>
+                          <a:cxn ang="0">
+                            <a:pos x="connsiteX14" y="connsiteY14"/>
+                          </a:cxn>
+                        </a:cxnLst>
+                        <a:rect l="l" t="t" r="r" b="b"/>
+                        <a:pathLst>
+                          <a:path w="3319396" h="477054" extrusionOk="0">
+                            <a:moveTo>
+                              <a:pt x="0" y="0"/>
+                            </a:moveTo>
+                            <a:cubicBezTo>
+                              <a:pt x="219091" y="-59324"/>
+                              <a:pt x="286294" y="9507"/>
+                              <a:pt x="520039" y="0"/>
+                            </a:cubicBezTo>
+                            <a:cubicBezTo>
+                              <a:pt x="753784" y="-9507"/>
+                              <a:pt x="768583" y="1295"/>
+                              <a:pt x="973689" y="0"/>
+                            </a:cubicBezTo>
+                            <a:cubicBezTo>
+                              <a:pt x="1178795" y="-1295"/>
+                              <a:pt x="1402871" y="7392"/>
+                              <a:pt x="1593310" y="0"/>
+                            </a:cubicBezTo>
+                            <a:cubicBezTo>
+                              <a:pt x="1783749" y="-7392"/>
+                              <a:pt x="1907465" y="18613"/>
+                              <a:pt x="2113349" y="0"/>
+                            </a:cubicBezTo>
+                            <a:cubicBezTo>
+                              <a:pt x="2319233" y="-18613"/>
+                              <a:pt x="2493718" y="20139"/>
+                              <a:pt x="2633387" y="0"/>
+                            </a:cubicBezTo>
+                            <a:cubicBezTo>
+                              <a:pt x="2773056" y="-20139"/>
+                              <a:pt x="3052358" y="52944"/>
+                              <a:pt x="3319396" y="0"/>
+                            </a:cubicBezTo>
+                            <a:cubicBezTo>
+                              <a:pt x="3321177" y="164383"/>
+                              <a:pt x="3274298" y="265315"/>
+                              <a:pt x="3319396" y="477054"/>
+                            </a:cubicBezTo>
+                            <a:cubicBezTo>
+                              <a:pt x="3203919" y="541712"/>
+                              <a:pt x="2940230" y="412226"/>
+                              <a:pt x="2766163" y="477054"/>
+                            </a:cubicBezTo>
+                            <a:cubicBezTo>
+                              <a:pt x="2592096" y="541882"/>
+                              <a:pt x="2457293" y="446239"/>
+                              <a:pt x="2312513" y="477054"/>
+                            </a:cubicBezTo>
+                            <a:cubicBezTo>
+                              <a:pt x="2167733" y="507869"/>
+                              <a:pt x="1920012" y="469757"/>
+                              <a:pt x="1759280" y="477054"/>
+                            </a:cubicBezTo>
+                            <a:cubicBezTo>
+                              <a:pt x="1598548" y="484351"/>
+                              <a:pt x="1438886" y="453677"/>
+                              <a:pt x="1206047" y="477054"/>
+                            </a:cubicBezTo>
+                            <a:cubicBezTo>
+                              <a:pt x="973208" y="500431"/>
+                              <a:pt x="812244" y="452117"/>
+                              <a:pt x="686009" y="477054"/>
+                            </a:cubicBezTo>
+                            <a:cubicBezTo>
+                              <a:pt x="559774" y="501991"/>
+                              <a:pt x="264816" y="463595"/>
+                              <a:pt x="0" y="477054"/>
+                            </a:cubicBezTo>
+                            <a:cubicBezTo>
+                              <a:pt x="-8228" y="344497"/>
+                              <a:pt x="53074" y="216141"/>
+                              <a:pt x="0" y="0"/>
+                            </a:cubicBezTo>
+                            <a:close/>
+                          </a:path>
+                        </a:pathLst>
+                      </a:custGeom>
+                      <ask:type>
+                        <ask:lineSketchNone/>
+                      </ask:type>
+                    </ask:lineSketchStyleProps>
+                  </a:ext>
+                </a:extLst>
+              </a:ln>
+            </p:spPr>
+            <p:txBody>
+              <a:bodyPr wrap="square">
+                <a:spAutoFit/>
+              </a:bodyPr>
+              <a:lstStyle/>
+              <a:p>
+                <a:r>
+                  <a:rPr lang="en-GB" sz="2100" b="1" dirty="0"/>
+                  <a:t>Where:</a:t>
+                </a:r>
+                <a:endParaRPr lang="en-GB" sz="2100" b="1" i="1" dirty="0">
+                  <a:latin typeface="Cambria Math" panose="02040503050406030204" pitchFamily="18" charset="0"/>
+                </a:endParaRPr>
+              </a:p>
+              <a:p>
+                <a14:m>
+                  <m:oMath xmlns:m="http://schemas.openxmlformats.org/officeDocument/2006/math">
+                    <m:r>
+                      <a:rPr lang="en-GB" sz="2000" b="1" i="1" smtClean="0">
+                        <a:latin typeface="Cambria Math" panose="02040503050406030204" pitchFamily="18" charset="0"/>
+                      </a:rPr>
+                      <m:t>𝒑</m:t>
+                    </m:r>
+                    <m:d>
+                      <m:dPr>
+                        <m:ctrlPr>
+                          <a:rPr lang="en-GB" sz="2000" b="1" i="1" smtClean="0">
+                            <a:latin typeface="Cambria Math" panose="02040503050406030204" pitchFamily="18" charset="0"/>
+                          </a:rPr>
+                        </m:ctrlPr>
+                      </m:dPr>
+                      <m:e>
+                        <m:r>
+                          <a:rPr lang="en-GB" sz="2000" b="1" i="1" smtClean="0">
+                            <a:solidFill>
+                              <a:srgbClr val="0070C0"/>
+                            </a:solidFill>
+                            <a:latin typeface="Cambria Math" panose="02040503050406030204" pitchFamily="18" charset="0"/>
+                          </a:rPr>
+                          <m:t>𝑩</m:t>
+                        </m:r>
+                      </m:e>
+                      <m:e>
+                        <m:r>
+                          <a:rPr lang="en-GB" sz="2000" b="1" i="1" smtClean="0">
+                            <a:solidFill>
+                              <a:srgbClr val="00B050"/>
+                            </a:solidFill>
+                            <a:latin typeface="Cambria Math" panose="02040503050406030204" pitchFamily="18" charset="0"/>
+                          </a:rPr>
+                          <m:t>𝑨</m:t>
+                        </m:r>
+                      </m:e>
+                    </m:d>
+                  </m:oMath>
+                </a14:m>
+                <a:r>
+                  <a:rPr lang="en-GB" sz="2000" dirty="0"/>
+                  <a:t> is a conditional probability. The probability of event </a:t>
+                </a:r>
+                <a:r>
+                  <a:rPr lang="en-GB" sz="2000" b="1" dirty="0">
+                    <a:solidFill>
+                      <a:srgbClr val="0070C0"/>
+                    </a:solidFill>
+                  </a:rPr>
+                  <a:t>B</a:t>
+                </a:r>
+                <a:r>
+                  <a:rPr lang="en-GB" sz="2000" dirty="0"/>
+                  <a:t> occurring given that </a:t>
+                </a:r>
+                <a:r>
+                  <a:rPr lang="en-GB" sz="2000" b="1" dirty="0">
+                    <a:solidFill>
+                      <a:srgbClr val="00B050"/>
+                    </a:solidFill>
+                  </a:rPr>
+                  <a:t>A</a:t>
+                </a:r>
+                <a:r>
+                  <a:rPr lang="en-GB" sz="2000" dirty="0"/>
+                  <a:t> is </a:t>
+                </a:r>
+                <a:r>
+                  <a:rPr lang="en-GB" sz="2000" b="1" dirty="0"/>
+                  <a:t>True</a:t>
+                </a:r>
+                <a:r>
+                  <a:rPr lang="en-GB" sz="2000" dirty="0"/>
+                  <a:t>. It is also called the </a:t>
+                </a:r>
+                <a:r>
+                  <a:rPr lang="en-GB" sz="2000" b="1" dirty="0"/>
+                  <a:t>posterior probability </a:t>
+                </a:r>
+                <a:r>
+                  <a:rPr lang="en-GB" sz="2000" dirty="0"/>
+                  <a:t>of </a:t>
+                </a:r>
+                <a:r>
+                  <a:rPr lang="en-GB" sz="2000" b="1" dirty="0">
+                    <a:solidFill>
+                      <a:srgbClr val="0070C0"/>
+                    </a:solidFill>
+                  </a:rPr>
+                  <a:t>B</a:t>
+                </a:r>
+                <a:r>
+                  <a:rPr lang="en-GB" sz="2000" dirty="0"/>
+                  <a:t> given </a:t>
+                </a:r>
+                <a:r>
+                  <a:rPr lang="en-GB" sz="2000" b="1" dirty="0">
+                    <a:solidFill>
+                      <a:srgbClr val="00B050"/>
+                    </a:solidFill>
+                  </a:rPr>
+                  <a:t>A</a:t>
+                </a:r>
+                <a:r>
+                  <a:rPr lang="en-GB" sz="2000" dirty="0"/>
+                  <a:t>.</a:t>
+                </a:r>
+              </a:p>
+              <a:p>
+                <a:endParaRPr lang="en-GB" sz="2000" dirty="0"/>
+              </a:p>
+              <a:p>
+                <a14:m>
+                  <m:oMath xmlns:m="http://schemas.openxmlformats.org/officeDocument/2006/math">
+                    <m:r>
+                      <a:rPr lang="en-GB" sz="2000" b="1" i="1" smtClean="0">
+                        <a:latin typeface="Cambria Math" panose="02040503050406030204" pitchFamily="18" charset="0"/>
+                      </a:rPr>
+                      <m:t>𝒑</m:t>
+                    </m:r>
+                    <m:d>
+                      <m:dPr>
+                        <m:ctrlPr>
+                          <a:rPr lang="en-GB" sz="2000" b="1" i="1" smtClean="0">
+                            <a:latin typeface="Cambria Math" panose="02040503050406030204" pitchFamily="18" charset="0"/>
+                          </a:rPr>
+                        </m:ctrlPr>
+                      </m:dPr>
+                      <m:e>
+                        <m:r>
+                          <a:rPr lang="en-GB" sz="2000" b="1" i="1" smtClean="0">
+                            <a:solidFill>
+                              <a:srgbClr val="00B050"/>
+                            </a:solidFill>
+                            <a:latin typeface="Cambria Math" panose="02040503050406030204" pitchFamily="18" charset="0"/>
+                          </a:rPr>
+                          <m:t>𝑨</m:t>
+                        </m:r>
+                      </m:e>
+                      <m:e>
+                        <m:r>
+                          <a:rPr lang="en-GB" sz="2000" b="1" i="1" smtClean="0">
+                            <a:solidFill>
+                              <a:srgbClr val="0070C0"/>
+                            </a:solidFill>
+                            <a:latin typeface="Cambria Math" panose="02040503050406030204" pitchFamily="18" charset="0"/>
+                          </a:rPr>
+                          <m:t>𝑩</m:t>
+                        </m:r>
+                      </m:e>
+                    </m:d>
+                  </m:oMath>
+                </a14:m>
+                <a:r>
+                  <a:rPr lang="en-GB" sz="2000" dirty="0"/>
+                  <a:t> is also a conditional probability. The probability of event </a:t>
+                </a:r>
+                <a:r>
+                  <a:rPr lang="en-GB" sz="2000" b="1" dirty="0">
+                    <a:solidFill>
+                      <a:srgbClr val="00B050"/>
+                    </a:solidFill>
+                  </a:rPr>
+                  <a:t>A</a:t>
+                </a:r>
+                <a:r>
+                  <a:rPr lang="en-GB" sz="2000" dirty="0"/>
+                  <a:t> occurring given that </a:t>
+                </a:r>
+                <a:r>
+                  <a:rPr lang="en-GB" sz="2000" b="1" dirty="0">
+                    <a:solidFill>
+                      <a:srgbClr val="0070C0"/>
+                    </a:solidFill>
+                  </a:rPr>
+                  <a:t>B</a:t>
+                </a:r>
+                <a:r>
+                  <a:rPr lang="en-GB" sz="2000" dirty="0"/>
+                  <a:t> is </a:t>
+                </a:r>
+                <a:r>
+                  <a:rPr lang="en-GB" sz="2000" b="1" dirty="0"/>
+                  <a:t>True</a:t>
+                </a:r>
+                <a:r>
+                  <a:rPr lang="en-GB" sz="2000" dirty="0"/>
+                  <a:t>.</a:t>
+                </a:r>
+              </a:p>
+              <a:p>
+                <a:endParaRPr lang="en-GB" sz="2000" dirty="0"/>
+              </a:p>
+              <a:p>
+                <a14:m>
+                  <m:oMath xmlns:m="http://schemas.openxmlformats.org/officeDocument/2006/math">
+                    <m:r>
+                      <a:rPr lang="en-GB" sz="2000" b="1" i="1" smtClean="0">
+                        <a:latin typeface="Cambria Math" panose="02040503050406030204" pitchFamily="18" charset="0"/>
+                      </a:rPr>
+                      <m:t>𝒑</m:t>
+                    </m:r>
+                    <m:d>
+                      <m:dPr>
+                        <m:ctrlPr>
+                          <a:rPr lang="en-GB" sz="2000" b="1" i="1" smtClean="0">
+                            <a:latin typeface="Cambria Math" panose="02040503050406030204" pitchFamily="18" charset="0"/>
+                          </a:rPr>
+                        </m:ctrlPr>
+                      </m:dPr>
+                      <m:e>
+                        <m:r>
+                          <a:rPr lang="en-GB" sz="2000" b="1" i="1" smtClean="0">
+                            <a:solidFill>
+                              <a:srgbClr val="0070C0"/>
+                            </a:solidFill>
+                            <a:latin typeface="Cambria Math" panose="02040503050406030204" pitchFamily="18" charset="0"/>
+                          </a:rPr>
+                          <m:t>𝑩</m:t>
+                        </m:r>
+                      </m:e>
+                    </m:d>
+                    <m:r>
+                      <a:rPr lang="en-GB" sz="2000" b="1" i="1" smtClean="0">
+                        <a:latin typeface="Cambria Math" panose="02040503050406030204" pitchFamily="18" charset="0"/>
+                      </a:rPr>
+                      <m:t> </m:t>
+                    </m:r>
+                    <m:r>
+                      <a:rPr lang="en-GB" sz="2000" b="1" i="1" smtClean="0">
+                        <a:latin typeface="Cambria Math" panose="02040503050406030204" pitchFamily="18" charset="0"/>
+                      </a:rPr>
+                      <m:t>𝒂𝒏𝒅</m:t>
+                    </m:r>
+                    <m:r>
+                      <a:rPr lang="en-GB" sz="2000" b="1" i="1" smtClean="0">
+                        <a:latin typeface="Cambria Math" panose="02040503050406030204" pitchFamily="18" charset="0"/>
+                      </a:rPr>
+                      <m:t> </m:t>
+                    </m:r>
+                    <m:r>
+                      <a:rPr lang="en-GB" sz="2000" b="1" i="1" smtClean="0">
+                        <a:latin typeface="Cambria Math" panose="02040503050406030204" pitchFamily="18" charset="0"/>
+                      </a:rPr>
+                      <m:t>𝒑</m:t>
+                    </m:r>
+                    <m:r>
+                      <a:rPr lang="en-GB" sz="2000" b="1" i="1" smtClean="0">
+                        <a:latin typeface="Cambria Math" panose="02040503050406030204" pitchFamily="18" charset="0"/>
+                      </a:rPr>
+                      <m:t>(</m:t>
+                    </m:r>
+                    <m:r>
+                      <a:rPr lang="en-GB" sz="2000" b="1" i="1" smtClean="0">
+                        <a:solidFill>
+                          <a:srgbClr val="00B050"/>
+                        </a:solidFill>
+                        <a:latin typeface="Cambria Math" panose="02040503050406030204" pitchFamily="18" charset="0"/>
+                      </a:rPr>
+                      <m:t>𝑨</m:t>
+                    </m:r>
+                    <m:r>
+                      <a:rPr lang="en-GB" sz="2000" b="1" i="1" smtClean="0">
+                        <a:latin typeface="Cambria Math" panose="02040503050406030204" pitchFamily="18" charset="0"/>
+                      </a:rPr>
+                      <m:t>)</m:t>
+                    </m:r>
+                  </m:oMath>
+                </a14:m>
+                <a:r>
+                  <a:rPr lang="en-GB" sz="2000" dirty="0"/>
+                  <a:t> are the probabilities of observing </a:t>
+                </a:r>
+                <a:r>
+                  <a:rPr lang="en-GB" sz="2000" b="1" dirty="0">
+                    <a:solidFill>
+                      <a:srgbClr val="0070C0"/>
+                    </a:solidFill>
+                  </a:rPr>
+                  <a:t>B</a:t>
+                </a:r>
+                <a:r>
+                  <a:rPr lang="en-GB" sz="2000" dirty="0"/>
+                  <a:t> and A respectively without any given conditions. They are known as </a:t>
+                </a:r>
+                <a:r>
+                  <a:rPr lang="en-GB" sz="2000" b="1" dirty="0"/>
+                  <a:t>prior probability </a:t>
+                </a:r>
+                <a:r>
+                  <a:rPr lang="en-GB" sz="2000" dirty="0"/>
+                  <a:t>and </a:t>
+                </a:r>
+                <a:r>
+                  <a:rPr lang="en-GB" sz="2000" b="1" dirty="0"/>
+                  <a:t>marginal probability.</a:t>
+                </a:r>
+              </a:p>
+            </p:txBody>
+          </p:sp>
+        </mc:Choice>
+        <mc:Fallback>
+          <p:sp>
+            <p:nvSpPr>
+              <p:cNvPr id="2" name="TextBox 1">
+                <a:extLst>
+                  <a:ext uri="{FF2B5EF4-FFF2-40B4-BE49-F238E27FC236}">
+                    <a16:creationId xmlns:a16="http://schemas.microsoft.com/office/drawing/2014/main" id="{E1D6E070-A235-3BE7-4C41-6DE910EC42F3}"/>
+                  </a:ext>
+                </a:extLst>
+              </p:cNvPr>
+              <p:cNvSpPr txBox="1">
+                <a:spLocks noRot="1" noChangeAspect="1" noMove="1" noResize="1" noEditPoints="1" noAdjustHandles="1" noChangeArrowheads="1" noChangeShapeType="1" noTextEdit="1"/>
+              </p:cNvSpPr>
+              <p:nvPr/>
+            </p:nvSpPr>
+            <p:spPr>
+              <a:xfrm>
+                <a:off x="459204" y="3158525"/>
+                <a:ext cx="11273589" cy="2569934"/>
+              </a:xfrm>
+              <a:prstGeom prst="rect">
+                <a:avLst/>
+              </a:prstGeom>
+              <a:blipFill>
+                <a:blip r:embed="rId4"/>
+                <a:stretch>
+                  <a:fillRect l="-675" t="-1471" r="-562" b="-2941"/>
+                </a:stretch>
+              </a:blipFill>
+              <a:ln w="38100">
+                <a:noFill/>
+                <a:extLst>
+                  <a:ext uri="{C807C97D-BFC1-408E-A445-0C87EB9F89A2}">
+                    <ask:lineSketchStyleProps xmlns:ask="http://schemas.microsoft.com/office/drawing/2018/sketchyshapes" sd="1219033472">
+                      <a:custGeom>
+                        <a:avLst/>
+                        <a:gdLst>
+                          <a:gd name="connsiteX0" fmla="*/ 0 w 3319396"/>
+                          <a:gd name="connsiteY0" fmla="*/ 0 h 477054"/>
+                          <a:gd name="connsiteX1" fmla="*/ 520039 w 3319396"/>
+                          <a:gd name="connsiteY1" fmla="*/ 0 h 477054"/>
+                          <a:gd name="connsiteX2" fmla="*/ 973689 w 3319396"/>
+                          <a:gd name="connsiteY2" fmla="*/ 0 h 477054"/>
+                          <a:gd name="connsiteX3" fmla="*/ 1593310 w 3319396"/>
+                          <a:gd name="connsiteY3" fmla="*/ 0 h 477054"/>
+                          <a:gd name="connsiteX4" fmla="*/ 2113349 w 3319396"/>
+                          <a:gd name="connsiteY4" fmla="*/ 0 h 477054"/>
+                          <a:gd name="connsiteX5" fmla="*/ 2633387 w 3319396"/>
+                          <a:gd name="connsiteY5" fmla="*/ 0 h 477054"/>
+                          <a:gd name="connsiteX6" fmla="*/ 3319396 w 3319396"/>
+                          <a:gd name="connsiteY6" fmla="*/ 0 h 477054"/>
+                          <a:gd name="connsiteX7" fmla="*/ 3319396 w 3319396"/>
+                          <a:gd name="connsiteY7" fmla="*/ 477054 h 477054"/>
+                          <a:gd name="connsiteX8" fmla="*/ 2766163 w 3319396"/>
+                          <a:gd name="connsiteY8" fmla="*/ 477054 h 477054"/>
+                          <a:gd name="connsiteX9" fmla="*/ 2312513 w 3319396"/>
+                          <a:gd name="connsiteY9" fmla="*/ 477054 h 477054"/>
+                          <a:gd name="connsiteX10" fmla="*/ 1759280 w 3319396"/>
+                          <a:gd name="connsiteY10" fmla="*/ 477054 h 477054"/>
+                          <a:gd name="connsiteX11" fmla="*/ 1206047 w 3319396"/>
+                          <a:gd name="connsiteY11" fmla="*/ 477054 h 477054"/>
+                          <a:gd name="connsiteX12" fmla="*/ 686009 w 3319396"/>
+                          <a:gd name="connsiteY12" fmla="*/ 477054 h 477054"/>
+                          <a:gd name="connsiteX13" fmla="*/ 0 w 3319396"/>
+                          <a:gd name="connsiteY13" fmla="*/ 477054 h 477054"/>
+                          <a:gd name="connsiteX14" fmla="*/ 0 w 3319396"/>
+                          <a:gd name="connsiteY14" fmla="*/ 0 h 477054"/>
+                        </a:gdLst>
+                        <a:ahLst/>
+                        <a:cxnLst>
+                          <a:cxn ang="0">
+                            <a:pos x="connsiteX0" y="connsiteY0"/>
+                          </a:cxn>
+                          <a:cxn ang="0">
+                            <a:pos x="connsiteX1" y="connsiteY1"/>
+                          </a:cxn>
+                          <a:cxn ang="0">
+                            <a:pos x="connsiteX2" y="connsiteY2"/>
+                          </a:cxn>
+                          <a:cxn ang="0">
+                            <a:pos x="connsiteX3" y="connsiteY3"/>
+                          </a:cxn>
+                          <a:cxn ang="0">
+                            <a:pos x="connsiteX4" y="connsiteY4"/>
+                          </a:cxn>
+                          <a:cxn ang="0">
+                            <a:pos x="connsiteX5" y="connsiteY5"/>
+                          </a:cxn>
+                          <a:cxn ang="0">
+                            <a:pos x="connsiteX6" y="connsiteY6"/>
+                          </a:cxn>
+                          <a:cxn ang="0">
+                            <a:pos x="connsiteX7" y="connsiteY7"/>
+                          </a:cxn>
+                          <a:cxn ang="0">
+                            <a:pos x="connsiteX8" y="connsiteY8"/>
+                          </a:cxn>
+                          <a:cxn ang="0">
+                            <a:pos x="connsiteX9" y="connsiteY9"/>
+                          </a:cxn>
+                          <a:cxn ang="0">
+                            <a:pos x="connsiteX10" y="connsiteY10"/>
+                          </a:cxn>
+                          <a:cxn ang="0">
+                            <a:pos x="connsiteX11" y="connsiteY11"/>
+                          </a:cxn>
+                          <a:cxn ang="0">
+                            <a:pos x="connsiteX12" y="connsiteY12"/>
+                          </a:cxn>
+                          <a:cxn ang="0">
+                            <a:pos x="connsiteX13" y="connsiteY13"/>
+                          </a:cxn>
+                          <a:cxn ang="0">
+                            <a:pos x="connsiteX14" y="connsiteY14"/>
+                          </a:cxn>
+                        </a:cxnLst>
+                        <a:rect l="l" t="t" r="r" b="b"/>
+                        <a:pathLst>
+                          <a:path w="3319396" h="477054" extrusionOk="0">
+                            <a:moveTo>
+                              <a:pt x="0" y="0"/>
+                            </a:moveTo>
+                            <a:cubicBezTo>
+                              <a:pt x="219091" y="-59324"/>
+                              <a:pt x="286294" y="9507"/>
+                              <a:pt x="520039" y="0"/>
+                            </a:cubicBezTo>
+                            <a:cubicBezTo>
+                              <a:pt x="753784" y="-9507"/>
+                              <a:pt x="768583" y="1295"/>
+                              <a:pt x="973689" y="0"/>
+                            </a:cubicBezTo>
+                            <a:cubicBezTo>
+                              <a:pt x="1178795" y="-1295"/>
+                              <a:pt x="1402871" y="7392"/>
+                              <a:pt x="1593310" y="0"/>
+                            </a:cubicBezTo>
+                            <a:cubicBezTo>
+                              <a:pt x="1783749" y="-7392"/>
+                              <a:pt x="1907465" y="18613"/>
+                              <a:pt x="2113349" y="0"/>
+                            </a:cubicBezTo>
+                            <a:cubicBezTo>
+                              <a:pt x="2319233" y="-18613"/>
+                              <a:pt x="2493718" y="20139"/>
+                              <a:pt x="2633387" y="0"/>
+                            </a:cubicBezTo>
+                            <a:cubicBezTo>
+                              <a:pt x="2773056" y="-20139"/>
+                              <a:pt x="3052358" y="52944"/>
+                              <a:pt x="3319396" y="0"/>
+                            </a:cubicBezTo>
+                            <a:cubicBezTo>
+                              <a:pt x="3321177" y="164383"/>
+                              <a:pt x="3274298" y="265315"/>
+                              <a:pt x="3319396" y="477054"/>
+                            </a:cubicBezTo>
+                            <a:cubicBezTo>
+                              <a:pt x="3203919" y="541712"/>
+                              <a:pt x="2940230" y="412226"/>
+                              <a:pt x="2766163" y="477054"/>
+                            </a:cubicBezTo>
+                            <a:cubicBezTo>
+                              <a:pt x="2592096" y="541882"/>
+                              <a:pt x="2457293" y="446239"/>
+                              <a:pt x="2312513" y="477054"/>
+                            </a:cubicBezTo>
+                            <a:cubicBezTo>
+                              <a:pt x="2167733" y="507869"/>
+                              <a:pt x="1920012" y="469757"/>
+                              <a:pt x="1759280" y="477054"/>
+                            </a:cubicBezTo>
+                            <a:cubicBezTo>
+                              <a:pt x="1598548" y="484351"/>
+                              <a:pt x="1438886" y="453677"/>
+                              <a:pt x="1206047" y="477054"/>
+                            </a:cubicBezTo>
+                            <a:cubicBezTo>
+                              <a:pt x="973208" y="500431"/>
+                              <a:pt x="812244" y="452117"/>
+                              <a:pt x="686009" y="477054"/>
+                            </a:cubicBezTo>
+                            <a:cubicBezTo>
+                              <a:pt x="559774" y="501991"/>
+                              <a:pt x="264816" y="463595"/>
+                              <a:pt x="0" y="477054"/>
+                            </a:cubicBezTo>
+                            <a:cubicBezTo>
+                              <a:pt x="-8228" y="344497"/>
+                              <a:pt x="53074" y="216141"/>
+                              <a:pt x="0" y="0"/>
+                            </a:cubicBezTo>
+                            <a:close/>
+                          </a:path>
+                        </a:pathLst>
+                      </a:custGeom>
+                      <ask:type>
+                        <ask:lineSketchNone/>
+                      </ask:type>
+                    </ask:lineSketchStyleProps>
+                  </a:ext>
+                </a:extLst>
+              </a:ln>
+            </p:spPr>
+            <p:txBody>
+              <a:bodyPr/>
+              <a:lstStyle/>
+              <a:p>
+                <a:r>
+                  <a:rPr lang="en-US">
+                    <a:noFill/>
+                  </a:rPr>
+                  <a:t> </a:t>
+                </a:r>
+              </a:p>
+            </p:txBody>
+          </p:sp>
+        </mc:Fallback>
+      </mc:AlternateContent>
+      <mc:AlternateContent xmlns:mc="http://schemas.openxmlformats.org/markup-compatibility/2006">
+        <mc:Choice xmlns:a14="http://schemas.microsoft.com/office/drawing/2010/main" Requires="a14">
+          <p:sp>
+            <p:nvSpPr>
+              <p:cNvPr id="5" name="TextBox 4">
+                <a:extLst>
+                  <a:ext uri="{FF2B5EF4-FFF2-40B4-BE49-F238E27FC236}">
+                    <a16:creationId xmlns:a16="http://schemas.microsoft.com/office/drawing/2014/main" id="{E7656DB7-3F95-5B3A-7530-B2E6FCCE16F9}"/>
+                  </a:ext>
+                </a:extLst>
+              </p:cNvPr>
+              <p:cNvSpPr txBox="1"/>
+              <p:nvPr/>
+            </p:nvSpPr>
+            <p:spPr>
+              <a:xfrm>
+                <a:off x="3150317" y="1336351"/>
+                <a:ext cx="5891361" cy="1411092"/>
+              </a:xfrm>
+              <a:prstGeom prst="rect">
+                <a:avLst/>
+              </a:prstGeom>
+              <a:noFill/>
+              <a:ln w="38100">
+                <a:solidFill>
+                  <a:srgbClr val="00B050"/>
+                </a:solidFill>
+                <a:extLst>
+                  <a:ext uri="{C807C97D-BFC1-408E-A445-0C87EB9F89A2}">
+                    <ask:lineSketchStyleProps xmlns:ask="http://schemas.microsoft.com/office/drawing/2018/sketchyshapes" sd="1219033472">
+                      <a:custGeom>
+                        <a:avLst/>
+                        <a:gdLst>
+                          <a:gd name="connsiteX0" fmla="*/ 0 w 3319396"/>
+                          <a:gd name="connsiteY0" fmla="*/ 0 h 477054"/>
+                          <a:gd name="connsiteX1" fmla="*/ 520039 w 3319396"/>
+                          <a:gd name="connsiteY1" fmla="*/ 0 h 477054"/>
+                          <a:gd name="connsiteX2" fmla="*/ 973689 w 3319396"/>
+                          <a:gd name="connsiteY2" fmla="*/ 0 h 477054"/>
+                          <a:gd name="connsiteX3" fmla="*/ 1593310 w 3319396"/>
+                          <a:gd name="connsiteY3" fmla="*/ 0 h 477054"/>
+                          <a:gd name="connsiteX4" fmla="*/ 2113349 w 3319396"/>
+                          <a:gd name="connsiteY4" fmla="*/ 0 h 477054"/>
+                          <a:gd name="connsiteX5" fmla="*/ 2633387 w 3319396"/>
+                          <a:gd name="connsiteY5" fmla="*/ 0 h 477054"/>
+                          <a:gd name="connsiteX6" fmla="*/ 3319396 w 3319396"/>
+                          <a:gd name="connsiteY6" fmla="*/ 0 h 477054"/>
+                          <a:gd name="connsiteX7" fmla="*/ 3319396 w 3319396"/>
+                          <a:gd name="connsiteY7" fmla="*/ 477054 h 477054"/>
+                          <a:gd name="connsiteX8" fmla="*/ 2766163 w 3319396"/>
+                          <a:gd name="connsiteY8" fmla="*/ 477054 h 477054"/>
+                          <a:gd name="connsiteX9" fmla="*/ 2312513 w 3319396"/>
+                          <a:gd name="connsiteY9" fmla="*/ 477054 h 477054"/>
+                          <a:gd name="connsiteX10" fmla="*/ 1759280 w 3319396"/>
+                          <a:gd name="connsiteY10" fmla="*/ 477054 h 477054"/>
+                          <a:gd name="connsiteX11" fmla="*/ 1206047 w 3319396"/>
+                          <a:gd name="connsiteY11" fmla="*/ 477054 h 477054"/>
+                          <a:gd name="connsiteX12" fmla="*/ 686009 w 3319396"/>
+                          <a:gd name="connsiteY12" fmla="*/ 477054 h 477054"/>
+                          <a:gd name="connsiteX13" fmla="*/ 0 w 3319396"/>
+                          <a:gd name="connsiteY13" fmla="*/ 477054 h 477054"/>
+                          <a:gd name="connsiteX14" fmla="*/ 0 w 3319396"/>
+                          <a:gd name="connsiteY14" fmla="*/ 0 h 477054"/>
+                        </a:gdLst>
+                        <a:ahLst/>
+                        <a:cxnLst>
+                          <a:cxn ang="0">
+                            <a:pos x="connsiteX0" y="connsiteY0"/>
+                          </a:cxn>
+                          <a:cxn ang="0">
+                            <a:pos x="connsiteX1" y="connsiteY1"/>
+                          </a:cxn>
+                          <a:cxn ang="0">
+                            <a:pos x="connsiteX2" y="connsiteY2"/>
+                          </a:cxn>
+                          <a:cxn ang="0">
+                            <a:pos x="connsiteX3" y="connsiteY3"/>
+                          </a:cxn>
+                          <a:cxn ang="0">
+                            <a:pos x="connsiteX4" y="connsiteY4"/>
+                          </a:cxn>
+                          <a:cxn ang="0">
+                            <a:pos x="connsiteX5" y="connsiteY5"/>
+                          </a:cxn>
+                          <a:cxn ang="0">
+                            <a:pos x="connsiteX6" y="connsiteY6"/>
+                          </a:cxn>
+                          <a:cxn ang="0">
+                            <a:pos x="connsiteX7" y="connsiteY7"/>
+                          </a:cxn>
+                          <a:cxn ang="0">
+                            <a:pos x="connsiteX8" y="connsiteY8"/>
+                          </a:cxn>
+                          <a:cxn ang="0">
+                            <a:pos x="connsiteX9" y="connsiteY9"/>
+                          </a:cxn>
+                          <a:cxn ang="0">
+                            <a:pos x="connsiteX10" y="connsiteY10"/>
+                          </a:cxn>
+                          <a:cxn ang="0">
+                            <a:pos x="connsiteX11" y="connsiteY11"/>
+                          </a:cxn>
+                          <a:cxn ang="0">
+                            <a:pos x="connsiteX12" y="connsiteY12"/>
+                          </a:cxn>
+                          <a:cxn ang="0">
+                            <a:pos x="connsiteX13" y="connsiteY13"/>
+                          </a:cxn>
+                          <a:cxn ang="0">
+                            <a:pos x="connsiteX14" y="connsiteY14"/>
+                          </a:cxn>
+                        </a:cxnLst>
+                        <a:rect l="l" t="t" r="r" b="b"/>
+                        <a:pathLst>
+                          <a:path w="3319396" h="477054" extrusionOk="0">
+                            <a:moveTo>
+                              <a:pt x="0" y="0"/>
+                            </a:moveTo>
+                            <a:cubicBezTo>
+                              <a:pt x="219091" y="-59324"/>
+                              <a:pt x="286294" y="9507"/>
+                              <a:pt x="520039" y="0"/>
+                            </a:cubicBezTo>
+                            <a:cubicBezTo>
+                              <a:pt x="753784" y="-9507"/>
+                              <a:pt x="768583" y="1295"/>
+                              <a:pt x="973689" y="0"/>
+                            </a:cubicBezTo>
+                            <a:cubicBezTo>
+                              <a:pt x="1178795" y="-1295"/>
+                              <a:pt x="1402871" y="7392"/>
+                              <a:pt x="1593310" y="0"/>
+                            </a:cubicBezTo>
+                            <a:cubicBezTo>
+                              <a:pt x="1783749" y="-7392"/>
+                              <a:pt x="1907465" y="18613"/>
+                              <a:pt x="2113349" y="0"/>
+                            </a:cubicBezTo>
+                            <a:cubicBezTo>
+                              <a:pt x="2319233" y="-18613"/>
+                              <a:pt x="2493718" y="20139"/>
+                              <a:pt x="2633387" y="0"/>
+                            </a:cubicBezTo>
+                            <a:cubicBezTo>
+                              <a:pt x="2773056" y="-20139"/>
+                              <a:pt x="3052358" y="52944"/>
+                              <a:pt x="3319396" y="0"/>
+                            </a:cubicBezTo>
+                            <a:cubicBezTo>
+                              <a:pt x="3321177" y="164383"/>
+                              <a:pt x="3274298" y="265315"/>
+                              <a:pt x="3319396" y="477054"/>
+                            </a:cubicBezTo>
+                            <a:cubicBezTo>
+                              <a:pt x="3203919" y="541712"/>
+                              <a:pt x="2940230" y="412226"/>
+                              <a:pt x="2766163" y="477054"/>
+                            </a:cubicBezTo>
+                            <a:cubicBezTo>
+                              <a:pt x="2592096" y="541882"/>
+                              <a:pt x="2457293" y="446239"/>
+                              <a:pt x="2312513" y="477054"/>
+                            </a:cubicBezTo>
+                            <a:cubicBezTo>
+                              <a:pt x="2167733" y="507869"/>
+                              <a:pt x="1920012" y="469757"/>
+                              <a:pt x="1759280" y="477054"/>
+                            </a:cubicBezTo>
+                            <a:cubicBezTo>
+                              <a:pt x="1598548" y="484351"/>
+                              <a:pt x="1438886" y="453677"/>
+                              <a:pt x="1206047" y="477054"/>
+                            </a:cubicBezTo>
+                            <a:cubicBezTo>
+                              <a:pt x="973208" y="500431"/>
+                              <a:pt x="812244" y="452117"/>
+                              <a:pt x="686009" y="477054"/>
+                            </a:cubicBezTo>
+                            <a:cubicBezTo>
+                              <a:pt x="559774" y="501991"/>
+                              <a:pt x="264816" y="463595"/>
+                              <a:pt x="0" y="477054"/>
+                            </a:cubicBezTo>
+                            <a:cubicBezTo>
+                              <a:pt x="-8228" y="344497"/>
+                              <a:pt x="53074" y="216141"/>
+                              <a:pt x="0" y="0"/>
+                            </a:cubicBezTo>
+                            <a:close/>
+                          </a:path>
+                        </a:pathLst>
+                      </a:custGeom>
+                      <ask:type>
+                        <ask:lineSketchNone/>
+                      </ask:type>
+                    </ask:lineSketchStyleProps>
+                  </a:ext>
+                </a:extLst>
+              </a:ln>
+            </p:spPr>
+            <p:txBody>
+              <a:bodyPr wrap="square">
+                <a:spAutoFit/>
+              </a:bodyPr>
+              <a:lstStyle/>
+              <a:p>
+                <a:pPr/>
+                <a14:m>
+                  <m:oMathPara xmlns:m="http://schemas.openxmlformats.org/officeDocument/2006/math">
+                    <m:oMathParaPr>
+                      <m:jc m:val="centerGroup"/>
+                    </m:oMathParaPr>
+                    <m:oMath xmlns:m="http://schemas.openxmlformats.org/officeDocument/2006/math">
+                      <m:r>
+                        <a:rPr lang="en-GB" sz="4000" b="0" i="1" smtClean="0">
+                          <a:latin typeface="Cambria Math" panose="02040503050406030204" pitchFamily="18" charset="0"/>
+                        </a:rPr>
+                        <m:t>𝑝</m:t>
+                      </m:r>
+                      <m:d>
+                        <m:dPr>
+                          <m:ctrlPr>
+                            <a:rPr lang="en-GB" sz="4000" b="0" i="1" smtClean="0">
+                              <a:latin typeface="Cambria Math" panose="02040503050406030204" pitchFamily="18" charset="0"/>
+                            </a:rPr>
+                          </m:ctrlPr>
+                        </m:dPr>
+                        <m:e>
+                          <m:r>
+                            <a:rPr lang="en-GB" sz="4000" b="0" i="1" smtClean="0">
+                              <a:solidFill>
+                                <a:srgbClr val="0070C0"/>
+                              </a:solidFill>
+                              <a:latin typeface="Cambria Math" panose="02040503050406030204" pitchFamily="18" charset="0"/>
+                            </a:rPr>
+                            <m:t>𝐵</m:t>
+                          </m:r>
+                        </m:e>
+                        <m:e>
+                          <m:r>
+                            <a:rPr lang="en-GB" sz="4000" b="0" i="1" smtClean="0">
+                              <a:solidFill>
+                                <a:srgbClr val="00B050"/>
+                              </a:solidFill>
+                              <a:latin typeface="Cambria Math" panose="02040503050406030204" pitchFamily="18" charset="0"/>
+                            </a:rPr>
+                            <m:t>𝐴</m:t>
+                          </m:r>
+                        </m:e>
+                      </m:d>
+                      <m:r>
+                        <a:rPr lang="en-GB" sz="4000" b="0" i="1" smtClean="0">
+                          <a:latin typeface="Cambria Math" panose="02040503050406030204" pitchFamily="18" charset="0"/>
+                        </a:rPr>
+                        <m:t>= </m:t>
+                      </m:r>
+                      <m:f>
+                        <m:fPr>
+                          <m:ctrlPr>
+                            <a:rPr lang="en-GB" sz="4000" b="0" i="1" smtClean="0">
+                              <a:latin typeface="Cambria Math" panose="02040503050406030204" pitchFamily="18" charset="0"/>
+                            </a:rPr>
+                          </m:ctrlPr>
+                        </m:fPr>
+                        <m:num>
+                          <m:r>
+                            <a:rPr lang="en-GB" sz="4000" b="0" i="1" smtClean="0">
+                              <a:latin typeface="Cambria Math" panose="02040503050406030204" pitchFamily="18" charset="0"/>
+                            </a:rPr>
+                            <m:t>𝑝</m:t>
+                          </m:r>
+                          <m:d>
+                            <m:dPr>
+                              <m:ctrlPr>
+                                <a:rPr lang="en-GB" sz="4000" b="0" i="1" smtClean="0">
+                                  <a:latin typeface="Cambria Math" panose="02040503050406030204" pitchFamily="18" charset="0"/>
+                                </a:rPr>
+                              </m:ctrlPr>
+                            </m:dPr>
+                            <m:e>
+                              <m:r>
+                                <a:rPr lang="en-GB" sz="4000" b="0" i="1" smtClean="0">
+                                  <a:solidFill>
+                                    <a:srgbClr val="00B050"/>
+                                  </a:solidFill>
+                                  <a:latin typeface="Cambria Math" panose="02040503050406030204" pitchFamily="18" charset="0"/>
+                                </a:rPr>
+                                <m:t>𝐴</m:t>
+                              </m:r>
+                            </m:e>
+                            <m:e>
+                              <m:r>
+                                <a:rPr lang="en-GB" sz="4000" b="0" i="1" smtClean="0">
+                                  <a:latin typeface="Cambria Math" panose="02040503050406030204" pitchFamily="18" charset="0"/>
+                                </a:rPr>
+                                <m:t>𝐵</m:t>
+                              </m:r>
+                            </m:e>
+                          </m:d>
+                          <m:r>
+                            <a:rPr lang="en-GB" sz="4000" b="0" i="1" smtClean="0">
+                              <a:latin typeface="Cambria Math" panose="02040503050406030204" pitchFamily="18" charset="0"/>
+                            </a:rPr>
+                            <m:t> </m:t>
+                          </m:r>
+                          <m:r>
+                            <a:rPr lang="en-GB" sz="4000" b="0" i="1" smtClean="0">
+                              <a:latin typeface="Cambria Math" panose="02040503050406030204" pitchFamily="18" charset="0"/>
+                            </a:rPr>
+                            <m:t>𝑝</m:t>
+                          </m:r>
+                          <m:r>
+                            <a:rPr lang="en-GB" sz="4000" b="0" i="1" smtClean="0">
+                              <a:latin typeface="Cambria Math" panose="02040503050406030204" pitchFamily="18" charset="0"/>
+                            </a:rPr>
+                            <m:t>(</m:t>
+                          </m:r>
+                          <m:r>
+                            <a:rPr lang="en-GB" sz="4000" b="0" i="1" smtClean="0">
+                              <a:solidFill>
+                                <a:srgbClr val="0070C0"/>
+                              </a:solidFill>
+                              <a:latin typeface="Cambria Math" panose="02040503050406030204" pitchFamily="18" charset="0"/>
+                            </a:rPr>
+                            <m:t>𝐵</m:t>
+                          </m:r>
+                          <m:r>
+                            <a:rPr lang="en-GB" sz="4000" b="0" i="1" smtClean="0">
+                              <a:latin typeface="Cambria Math" panose="02040503050406030204" pitchFamily="18" charset="0"/>
+                            </a:rPr>
+                            <m:t>)</m:t>
+                          </m:r>
+                        </m:num>
+                        <m:den>
+                          <m:r>
+                            <a:rPr lang="en-GB" sz="4000" b="0" i="1" smtClean="0">
+                              <a:latin typeface="Cambria Math" panose="02040503050406030204" pitchFamily="18" charset="0"/>
+                            </a:rPr>
+                            <m:t>𝑝</m:t>
+                          </m:r>
+                          <m:r>
+                            <a:rPr lang="en-GB" sz="4000" b="0" i="1" smtClean="0">
+                              <a:latin typeface="Cambria Math" panose="02040503050406030204" pitchFamily="18" charset="0"/>
+                            </a:rPr>
+                            <m:t>(</m:t>
+                          </m:r>
+                          <m:r>
+                            <a:rPr lang="en-GB" sz="4000" b="0" i="1" smtClean="0">
+                              <a:solidFill>
+                                <a:srgbClr val="00B050"/>
+                              </a:solidFill>
+                              <a:latin typeface="Cambria Math" panose="02040503050406030204" pitchFamily="18" charset="0"/>
+                            </a:rPr>
+                            <m:t>𝐴</m:t>
+                          </m:r>
+                          <m:r>
+                            <a:rPr lang="en-GB" sz="4000" b="0" i="1" smtClean="0">
+                              <a:latin typeface="Cambria Math" panose="02040503050406030204" pitchFamily="18" charset="0"/>
+                            </a:rPr>
+                            <m:t>)</m:t>
+                          </m:r>
+                        </m:den>
+                      </m:f>
+                    </m:oMath>
+                  </m:oMathPara>
+                </a14:m>
+                <a:endParaRPr lang="en-GB" sz="4000" b="1" dirty="0"/>
+              </a:p>
+            </p:txBody>
+          </p:sp>
+        </mc:Choice>
+        <mc:Fallback>
+          <p:sp>
+            <p:nvSpPr>
+              <p:cNvPr id="5" name="TextBox 4">
+                <a:extLst>
+                  <a:ext uri="{FF2B5EF4-FFF2-40B4-BE49-F238E27FC236}">
+                    <a16:creationId xmlns:a16="http://schemas.microsoft.com/office/drawing/2014/main" id="{E7656DB7-3F95-5B3A-7530-B2E6FCCE16F9}"/>
+                  </a:ext>
+                </a:extLst>
+              </p:cNvPr>
+              <p:cNvSpPr txBox="1">
+                <a:spLocks noRot="1" noChangeAspect="1" noMove="1" noResize="1" noEditPoints="1" noAdjustHandles="1" noChangeArrowheads="1" noChangeShapeType="1" noTextEdit="1"/>
+              </p:cNvSpPr>
+              <p:nvPr/>
+            </p:nvSpPr>
+            <p:spPr>
+              <a:xfrm>
+                <a:off x="3150317" y="1336351"/>
+                <a:ext cx="5891361" cy="1411092"/>
+              </a:xfrm>
+              <a:prstGeom prst="rect">
+                <a:avLst/>
+              </a:prstGeom>
+              <a:blipFill>
+                <a:blip r:embed="rId5"/>
+                <a:stretch>
+                  <a:fillRect b="-10435"/>
+                </a:stretch>
+              </a:blipFill>
+              <a:ln w="38100">
+                <a:solidFill>
+                  <a:srgbClr val="00B050"/>
+                </a:solidFill>
+                <a:extLst>
+                  <a:ext uri="{C807C97D-BFC1-408E-A445-0C87EB9F89A2}">
+                    <ask:lineSketchStyleProps xmlns:ask="http://schemas.microsoft.com/office/drawing/2018/sketchyshapes" sd="1219033472">
+                      <a:custGeom>
+                        <a:avLst/>
+                        <a:gdLst>
+                          <a:gd name="connsiteX0" fmla="*/ 0 w 3319396"/>
+                          <a:gd name="connsiteY0" fmla="*/ 0 h 477054"/>
+                          <a:gd name="connsiteX1" fmla="*/ 520039 w 3319396"/>
+                          <a:gd name="connsiteY1" fmla="*/ 0 h 477054"/>
+                          <a:gd name="connsiteX2" fmla="*/ 973689 w 3319396"/>
+                          <a:gd name="connsiteY2" fmla="*/ 0 h 477054"/>
+                          <a:gd name="connsiteX3" fmla="*/ 1593310 w 3319396"/>
+                          <a:gd name="connsiteY3" fmla="*/ 0 h 477054"/>
+                          <a:gd name="connsiteX4" fmla="*/ 2113349 w 3319396"/>
+                          <a:gd name="connsiteY4" fmla="*/ 0 h 477054"/>
+                          <a:gd name="connsiteX5" fmla="*/ 2633387 w 3319396"/>
+                          <a:gd name="connsiteY5" fmla="*/ 0 h 477054"/>
+                          <a:gd name="connsiteX6" fmla="*/ 3319396 w 3319396"/>
+                          <a:gd name="connsiteY6" fmla="*/ 0 h 477054"/>
+                          <a:gd name="connsiteX7" fmla="*/ 3319396 w 3319396"/>
+                          <a:gd name="connsiteY7" fmla="*/ 477054 h 477054"/>
+                          <a:gd name="connsiteX8" fmla="*/ 2766163 w 3319396"/>
+                          <a:gd name="connsiteY8" fmla="*/ 477054 h 477054"/>
+                          <a:gd name="connsiteX9" fmla="*/ 2312513 w 3319396"/>
+                          <a:gd name="connsiteY9" fmla="*/ 477054 h 477054"/>
+                          <a:gd name="connsiteX10" fmla="*/ 1759280 w 3319396"/>
+                          <a:gd name="connsiteY10" fmla="*/ 477054 h 477054"/>
+                          <a:gd name="connsiteX11" fmla="*/ 1206047 w 3319396"/>
+                          <a:gd name="connsiteY11" fmla="*/ 477054 h 477054"/>
+                          <a:gd name="connsiteX12" fmla="*/ 686009 w 3319396"/>
+                          <a:gd name="connsiteY12" fmla="*/ 477054 h 477054"/>
+                          <a:gd name="connsiteX13" fmla="*/ 0 w 3319396"/>
+                          <a:gd name="connsiteY13" fmla="*/ 477054 h 477054"/>
+                          <a:gd name="connsiteX14" fmla="*/ 0 w 3319396"/>
+                          <a:gd name="connsiteY14" fmla="*/ 0 h 477054"/>
+                        </a:gdLst>
+                        <a:ahLst/>
+                        <a:cxnLst>
+                          <a:cxn ang="0">
+                            <a:pos x="connsiteX0" y="connsiteY0"/>
+                          </a:cxn>
+                          <a:cxn ang="0">
+                            <a:pos x="connsiteX1" y="connsiteY1"/>
+                          </a:cxn>
+                          <a:cxn ang="0">
+                            <a:pos x="connsiteX2" y="connsiteY2"/>
+                          </a:cxn>
+                          <a:cxn ang="0">
+                            <a:pos x="connsiteX3" y="connsiteY3"/>
+                          </a:cxn>
+                          <a:cxn ang="0">
+                            <a:pos x="connsiteX4" y="connsiteY4"/>
+                          </a:cxn>
+                          <a:cxn ang="0">
+                            <a:pos x="connsiteX5" y="connsiteY5"/>
+                          </a:cxn>
+                          <a:cxn ang="0">
+                            <a:pos x="connsiteX6" y="connsiteY6"/>
+                          </a:cxn>
+                          <a:cxn ang="0">
+                            <a:pos x="connsiteX7" y="connsiteY7"/>
+                          </a:cxn>
+                          <a:cxn ang="0">
+                            <a:pos x="connsiteX8" y="connsiteY8"/>
+                          </a:cxn>
+                          <a:cxn ang="0">
+                            <a:pos x="connsiteX9" y="connsiteY9"/>
+                          </a:cxn>
+                          <a:cxn ang="0">
+                            <a:pos x="connsiteX10" y="connsiteY10"/>
+                          </a:cxn>
+                          <a:cxn ang="0">
+                            <a:pos x="connsiteX11" y="connsiteY11"/>
+                          </a:cxn>
+                          <a:cxn ang="0">
+                            <a:pos x="connsiteX12" y="connsiteY12"/>
+                          </a:cxn>
+                          <a:cxn ang="0">
+                            <a:pos x="connsiteX13" y="connsiteY13"/>
+                          </a:cxn>
+                          <a:cxn ang="0">
+                            <a:pos x="connsiteX14" y="connsiteY14"/>
+                          </a:cxn>
+                        </a:cxnLst>
+                        <a:rect l="l" t="t" r="r" b="b"/>
+                        <a:pathLst>
+                          <a:path w="3319396" h="477054" extrusionOk="0">
+                            <a:moveTo>
+                              <a:pt x="0" y="0"/>
+                            </a:moveTo>
+                            <a:cubicBezTo>
+                              <a:pt x="219091" y="-59324"/>
+                              <a:pt x="286294" y="9507"/>
+                              <a:pt x="520039" y="0"/>
+                            </a:cubicBezTo>
+                            <a:cubicBezTo>
+                              <a:pt x="753784" y="-9507"/>
+                              <a:pt x="768583" y="1295"/>
+                              <a:pt x="973689" y="0"/>
+                            </a:cubicBezTo>
+                            <a:cubicBezTo>
+                              <a:pt x="1178795" y="-1295"/>
+                              <a:pt x="1402871" y="7392"/>
+                              <a:pt x="1593310" y="0"/>
+                            </a:cubicBezTo>
+                            <a:cubicBezTo>
+                              <a:pt x="1783749" y="-7392"/>
+                              <a:pt x="1907465" y="18613"/>
+                              <a:pt x="2113349" y="0"/>
+                            </a:cubicBezTo>
+                            <a:cubicBezTo>
+                              <a:pt x="2319233" y="-18613"/>
+                              <a:pt x="2493718" y="20139"/>
+                              <a:pt x="2633387" y="0"/>
+                            </a:cubicBezTo>
+                            <a:cubicBezTo>
+                              <a:pt x="2773056" y="-20139"/>
+                              <a:pt x="3052358" y="52944"/>
+                              <a:pt x="3319396" y="0"/>
+                            </a:cubicBezTo>
+                            <a:cubicBezTo>
+                              <a:pt x="3321177" y="164383"/>
+                              <a:pt x="3274298" y="265315"/>
+                              <a:pt x="3319396" y="477054"/>
+                            </a:cubicBezTo>
+                            <a:cubicBezTo>
+                              <a:pt x="3203919" y="541712"/>
+                              <a:pt x="2940230" y="412226"/>
+                              <a:pt x="2766163" y="477054"/>
+                            </a:cubicBezTo>
+                            <a:cubicBezTo>
+                              <a:pt x="2592096" y="541882"/>
+                              <a:pt x="2457293" y="446239"/>
+                              <a:pt x="2312513" y="477054"/>
+                            </a:cubicBezTo>
+                            <a:cubicBezTo>
+                              <a:pt x="2167733" y="507869"/>
+                              <a:pt x="1920012" y="469757"/>
+                              <a:pt x="1759280" y="477054"/>
+                            </a:cubicBezTo>
+                            <a:cubicBezTo>
+                              <a:pt x="1598548" y="484351"/>
+                              <a:pt x="1438886" y="453677"/>
+                              <a:pt x="1206047" y="477054"/>
+                            </a:cubicBezTo>
+                            <a:cubicBezTo>
+                              <a:pt x="973208" y="500431"/>
+                              <a:pt x="812244" y="452117"/>
+                              <a:pt x="686009" y="477054"/>
+                            </a:cubicBezTo>
+                            <a:cubicBezTo>
+                              <a:pt x="559774" y="501991"/>
+                              <a:pt x="264816" y="463595"/>
+                              <a:pt x="0" y="477054"/>
+                            </a:cubicBezTo>
+                            <a:cubicBezTo>
+                              <a:pt x="-8228" y="344497"/>
+                              <a:pt x="53074" y="216141"/>
+                              <a:pt x="0" y="0"/>
+                            </a:cubicBezTo>
+                            <a:close/>
+                          </a:path>
+                        </a:pathLst>
+                      </a:custGeom>
+                      <ask:type>
+                        <ask:lineSketchNone/>
+                      </ask:type>
+                    </ask:lineSketchStyleProps>
+                  </a:ext>
+                </a:extLst>
+              </a:ln>
+            </p:spPr>
+            <p:txBody>
+              <a:bodyPr/>
+              <a:lstStyle/>
+              <a:p>
+                <a:r>
+                  <a:rPr lang="en-US">
+                    <a:noFill/>
+                  </a:rPr>
+                  <a:t> </a:t>
+                </a:r>
+              </a:p>
+            </p:txBody>
+          </p:sp>
+        </mc:Fallback>
+      </mc:AlternateContent>
+    </p:spTree>
+    <p:extLst>
+      <p:ext uri="{BB962C8B-B14F-4D97-AF65-F5344CB8AC3E}">
+        <p14:creationId xmlns:p14="http://schemas.microsoft.com/office/powerpoint/2010/main" val="1360631324"/>
+      </p:ext>
+    </p:extLst>
+  </p:cSld>
+  <p:clrMapOvr>
+    <a:masterClrMapping/>
+  </p:clrMapOvr>
+</p:sld>
+</file>
+
+<file path=ppt/slides/slide17.xml><?xml version="1.0" encoding="utf-8"?>
+<p:sld xmlns:a="http://schemas.openxmlformats.org/drawingml/2006/main" xmlns:r="http://schemas.openxmlformats.org/officeDocument/2006/relationships" xmlns:p="http://schemas.openxmlformats.org/presentationml/2006/main">
+  <p:cSld>
+    <p:bg>
+      <p:bgPr>
+        <a:blipFill dpi="0" rotWithShape="1">
+          <a:blip r:embed="rId3">
+            <a:alphaModFix amt="99000"/>
+            <a:lum/>
+          </a:blip>
+          <a:srcRect/>
+          <a:stretch>
+            <a:fillRect t="89000" r="85000" b="-1000"/>
+          </a:stretch>
+        </a:blipFill>
+        <a:effectLst/>
+      </p:bgPr>
+    </p:bg>
+    <p:spTree>
+      <p:nvGrpSpPr>
+        <p:cNvPr id="1" name=""/>
+        <p:cNvGrpSpPr/>
+        <p:nvPr/>
+      </p:nvGrpSpPr>
+      <p:grpSpPr>
+        <a:xfrm>
+          <a:off x="0" y="0"/>
+          <a:ext cx="0" cy="0"/>
+          <a:chOff x="0" y="0"/>
+          <a:chExt cx="0" cy="0"/>
+        </a:xfrm>
+      </p:grpSpPr>
+      <p:sp>
+        <p:nvSpPr>
+          <p:cNvPr id="4" name="Footer Placeholder 3">
+            <a:extLst>
+              <a:ext uri="{FF2B5EF4-FFF2-40B4-BE49-F238E27FC236}">
+                <a16:creationId xmlns:a16="http://schemas.microsoft.com/office/drawing/2014/main" id="{638E7DE1-45EE-476A-A474-0F3C264AEDA3}"/>
+              </a:ext>
+            </a:extLst>
+          </p:cNvPr>
+          <p:cNvSpPr>
+            <a:spLocks noGrp="1"/>
+          </p:cNvSpPr>
+          <p:nvPr>
+            <p:ph type="ftr" sz="quarter" idx="11"/>
+          </p:nvPr>
+        </p:nvSpPr>
+        <p:spPr>
+          <a:xfrm>
+            <a:off x="0" y="6139541"/>
+            <a:ext cx="12192000" cy="718459"/>
+          </a:xfrm>
+          <a:ln w="28575">
+            <a:solidFill>
+              <a:schemeClr val="accent5">
+                <a:lumMod val="50000"/>
+              </a:schemeClr>
+            </a:solidFill>
+          </a:ln>
+        </p:spPr>
+        <p:txBody>
+          <a:bodyPr/>
+          <a:lstStyle/>
+          <a:p>
+            <a:pPr algn="r"/>
+            <a:r>
+              <a:rPr lang="en-US" b="1">
+                <a:solidFill>
+                  <a:schemeClr val="tx1"/>
+                </a:solidFill>
+              </a:rPr>
+              <a:t>CCMACLRL</a:t>
+            </a:r>
+            <a:endParaRPr lang="en-PH" dirty="0"/>
+          </a:p>
+        </p:txBody>
+      </p:sp>
+      <p:sp>
+        <p:nvSpPr>
+          <p:cNvPr id="38" name="Title 1">
+            <a:extLst>
+              <a:ext uri="{FF2B5EF4-FFF2-40B4-BE49-F238E27FC236}">
+                <a16:creationId xmlns:a16="http://schemas.microsoft.com/office/drawing/2014/main" id="{34FAC5F5-ACD5-D061-4054-838F1C03E334}"/>
+              </a:ext>
+            </a:extLst>
+          </p:cNvPr>
+          <p:cNvSpPr>
+            <a:spLocks noGrp="1"/>
+          </p:cNvSpPr>
+          <p:nvPr>
+            <p:ph type="ctrTitle"/>
+          </p:nvPr>
+        </p:nvSpPr>
+        <p:spPr>
+          <a:xfrm>
+            <a:off x="459204" y="378458"/>
+            <a:ext cx="11273589" cy="718459"/>
+          </a:xfrm>
+        </p:spPr>
+        <p:txBody>
+          <a:bodyPr>
+            <a:noAutofit/>
+          </a:bodyPr>
+          <a:lstStyle/>
+          <a:p>
+            <a:r>
+              <a:rPr lang="en-GB" sz="5000" b="1" dirty="0"/>
+              <a:t>References</a:t>
+            </a:r>
+            <a:endParaRPr lang="en-PH" sz="5000" b="1" dirty="0"/>
+          </a:p>
+        </p:txBody>
+      </p:sp>
+      <p:sp>
+        <p:nvSpPr>
+          <p:cNvPr id="6" name="TextBox 5">
+            <a:extLst>
+              <a:ext uri="{FF2B5EF4-FFF2-40B4-BE49-F238E27FC236}">
+                <a16:creationId xmlns:a16="http://schemas.microsoft.com/office/drawing/2014/main" id="{4B46E144-C672-C804-300C-ED2DA283A0BF}"/>
+              </a:ext>
+            </a:extLst>
+          </p:cNvPr>
+          <p:cNvSpPr txBox="1"/>
+          <p:nvPr/>
+        </p:nvSpPr>
+        <p:spPr>
+          <a:xfrm>
+            <a:off x="459204" y="1564390"/>
+            <a:ext cx="11273588" cy="2308324"/>
+          </a:xfrm>
+          <a:prstGeom prst="rect">
+            <a:avLst/>
+          </a:prstGeom>
+          <a:noFill/>
+        </p:spPr>
+        <p:txBody>
+          <a:bodyPr wrap="square">
+            <a:spAutoFit/>
+          </a:bodyPr>
+          <a:lstStyle/>
+          <a:p>
+            <a:pPr marL="342900" indent="-342900">
+              <a:buFont typeface="Wingdings" pitchFamily="2" charset="2"/>
+              <a:buChar char="§"/>
+            </a:pPr>
+            <a:r>
+              <a:rPr lang="en-US" sz="2400" dirty="0">
+                <a:hlinkClick r:id="rId4"/>
+              </a:rPr>
+              <a:t>https://www.youtube.com/watch?v=H02B3aMNKzE&amp;t=304s</a:t>
+            </a:r>
+            <a:endParaRPr lang="en-US" sz="2400" dirty="0"/>
+          </a:p>
+          <a:p>
+            <a:pPr marL="342900" indent="-342900">
+              <a:buFont typeface="Wingdings" pitchFamily="2" charset="2"/>
+              <a:buChar char="§"/>
+            </a:pPr>
+            <a:endParaRPr lang="en-US" sz="2400" dirty="0"/>
+          </a:p>
+          <a:p>
+            <a:pPr marL="342900" indent="-342900">
+              <a:buFont typeface="Wingdings" pitchFamily="2" charset="2"/>
+              <a:buChar char="§"/>
+            </a:pPr>
+            <a:r>
+              <a:rPr lang="en-US" sz="2400" dirty="0">
+                <a:hlinkClick r:id="rId5"/>
+              </a:rPr>
+              <a:t>https://www.ibm.com/topics/naive-bayes#:~:text=Naïve%20Bayes%20is%20part%20of,important%20to%20differentiate%20between%20classes</a:t>
+            </a:r>
+            <a:r>
+              <a:rPr lang="en-US" sz="2400" dirty="0"/>
+              <a:t>.</a:t>
+            </a:r>
+          </a:p>
+          <a:p>
+            <a:pPr marL="342900" indent="-342900">
+              <a:buFont typeface="Wingdings" pitchFamily="2" charset="2"/>
+              <a:buChar char="§"/>
+            </a:pPr>
+            <a:endParaRPr lang="en-US" sz="2400" dirty="0"/>
+          </a:p>
+        </p:txBody>
+      </p:sp>
+    </p:spTree>
+    <p:extLst>
+      <p:ext uri="{BB962C8B-B14F-4D97-AF65-F5344CB8AC3E}">
+        <p14:creationId xmlns:p14="http://schemas.microsoft.com/office/powerpoint/2010/main" val="1052729056"/>
+      </p:ext>
+    </p:extLst>
+  </p:cSld>
+  <p:clrMapOvr>
+    <a:masterClrMapping/>
+  </p:clrMapOvr>
+</p:sld>
+</file>
+
+<file path=ppt/slides/slide18.xml><?xml version="1.0" encoding="utf-8"?>
 <p:sld xmlns:a="http://schemas.openxmlformats.org/drawingml/2006/main" xmlns:r="http://schemas.openxmlformats.org/officeDocument/2006/relationships" xmlns:p="http://schemas.openxmlformats.org/presentationml/2006/main" show="0">
   <p:cSld>
     <p:bg>
@@ -16919,7 +19582,7 @@
 </p:sld>
 </file>
 
-<file path=ppt/slides/slide16.xml><?xml version="1.0" encoding="utf-8"?>
+<file path=ppt/slides/slide19.xml><?xml version="1.0" encoding="utf-8"?>
 <p:sld xmlns:a="http://schemas.openxmlformats.org/drawingml/2006/main" xmlns:r="http://schemas.openxmlformats.org/officeDocument/2006/relationships" xmlns:p="http://schemas.openxmlformats.org/presentationml/2006/main" show="0">
   <p:cSld>
     <p:bg>
@@ -18106,7 +20769,1785 @@
 </p:sld>
 </file>
 
-<file path=ppt/slides/slide17.xml><?xml version="1.0" encoding="utf-8"?>
+<file path=ppt/slides/slide2.xml><?xml version="1.0" encoding="utf-8"?>
+<p:sld xmlns:a="http://schemas.openxmlformats.org/drawingml/2006/main" xmlns:r="http://schemas.openxmlformats.org/officeDocument/2006/relationships" xmlns:p="http://schemas.openxmlformats.org/presentationml/2006/main">
+  <p:cSld>
+    <p:bg>
+      <p:bgPr>
+        <a:blipFill dpi="0" rotWithShape="1">
+          <a:blip r:embed="rId3">
+            <a:alphaModFix amt="99000"/>
+            <a:lum/>
+          </a:blip>
+          <a:srcRect/>
+          <a:stretch>
+            <a:fillRect t="89000" r="85000" b="-1000"/>
+          </a:stretch>
+        </a:blipFill>
+        <a:effectLst/>
+      </p:bgPr>
+    </p:bg>
+    <p:spTree>
+      <p:nvGrpSpPr>
+        <p:cNvPr id="1" name=""/>
+        <p:cNvGrpSpPr/>
+        <p:nvPr/>
+      </p:nvGrpSpPr>
+      <p:grpSpPr>
+        <a:xfrm>
+          <a:off x="0" y="0"/>
+          <a:ext cx="0" cy="0"/>
+          <a:chOff x="0" y="0"/>
+          <a:chExt cx="0" cy="0"/>
+        </a:xfrm>
+      </p:grpSpPr>
+      <p:sp>
+        <p:nvSpPr>
+          <p:cNvPr id="4" name="Footer Placeholder 3">
+            <a:extLst>
+              <a:ext uri="{FF2B5EF4-FFF2-40B4-BE49-F238E27FC236}">
+                <a16:creationId xmlns:a16="http://schemas.microsoft.com/office/drawing/2014/main" id="{638E7DE1-45EE-476A-A474-0F3C264AEDA3}"/>
+              </a:ext>
+            </a:extLst>
+          </p:cNvPr>
+          <p:cNvSpPr>
+            <a:spLocks noGrp="1"/>
+          </p:cNvSpPr>
+          <p:nvPr>
+            <p:ph type="ftr" sz="quarter" idx="11"/>
+          </p:nvPr>
+        </p:nvSpPr>
+        <p:spPr>
+          <a:xfrm>
+            <a:off x="0" y="6139541"/>
+            <a:ext cx="12192000" cy="718459"/>
+          </a:xfrm>
+          <a:ln w="28575">
+            <a:solidFill>
+              <a:schemeClr val="accent5">
+                <a:lumMod val="50000"/>
+              </a:schemeClr>
+            </a:solidFill>
+          </a:ln>
+        </p:spPr>
+        <p:txBody>
+          <a:bodyPr/>
+          <a:lstStyle/>
+          <a:p>
+            <a:pPr algn="r"/>
+            <a:r>
+              <a:rPr lang="en-US" b="1">
+                <a:solidFill>
+                  <a:schemeClr val="tx1"/>
+                </a:solidFill>
+              </a:rPr>
+              <a:t>CCMACLRL</a:t>
+            </a:r>
+            <a:endParaRPr lang="en-PH" dirty="0"/>
+          </a:p>
+        </p:txBody>
+      </p:sp>
+      <p:sp>
+        <p:nvSpPr>
+          <p:cNvPr id="38" name="Title 1">
+            <a:extLst>
+              <a:ext uri="{FF2B5EF4-FFF2-40B4-BE49-F238E27FC236}">
+                <a16:creationId xmlns:a16="http://schemas.microsoft.com/office/drawing/2014/main" id="{34FAC5F5-ACD5-D061-4054-838F1C03E334}"/>
+              </a:ext>
+            </a:extLst>
+          </p:cNvPr>
+          <p:cNvSpPr>
+            <a:spLocks noGrp="1"/>
+          </p:cNvSpPr>
+          <p:nvPr>
+            <p:ph type="ctrTitle"/>
+          </p:nvPr>
+        </p:nvSpPr>
+        <p:spPr>
+          <a:xfrm>
+            <a:off x="459204" y="378458"/>
+            <a:ext cx="11273589" cy="718459"/>
+          </a:xfrm>
+        </p:spPr>
+        <p:txBody>
+          <a:bodyPr>
+            <a:noAutofit/>
+          </a:bodyPr>
+          <a:lstStyle/>
+          <a:p>
+            <a:r>
+              <a:rPr lang="en-GB" sz="5000" b="1" dirty="0"/>
+              <a:t>Conditional Probability</a:t>
+            </a:r>
+            <a:endParaRPr lang="en-PH" sz="5000" b="1" dirty="0"/>
+          </a:p>
+        </p:txBody>
+      </p:sp>
+      <mc:AlternateContent xmlns:mc="http://schemas.openxmlformats.org/markup-compatibility/2006" xmlns:a14="http://schemas.microsoft.com/office/drawing/2010/main">
+        <mc:Choice Requires="a14">
+          <p:sp>
+            <p:nvSpPr>
+              <p:cNvPr id="39" name="TextBox 38">
+                <a:extLst>
+                  <a:ext uri="{FF2B5EF4-FFF2-40B4-BE49-F238E27FC236}">
+                    <a16:creationId xmlns:a16="http://schemas.microsoft.com/office/drawing/2014/main" id="{BAF322A3-113A-192E-0C3A-7D302E97CC4E}"/>
+                  </a:ext>
+                </a:extLst>
+              </p:cNvPr>
+              <p:cNvSpPr txBox="1"/>
+              <p:nvPr/>
+            </p:nvSpPr>
+            <p:spPr>
+              <a:xfrm>
+                <a:off x="5121060" y="3125165"/>
+                <a:ext cx="2242550" cy="769441"/>
+              </a:xfrm>
+              <a:prstGeom prst="rect">
+                <a:avLst/>
+              </a:prstGeom>
+              <a:noFill/>
+              <a:ln w="38100">
+                <a:noFill/>
+              </a:ln>
+            </p:spPr>
+            <p:txBody>
+              <a:bodyPr wrap="square" lIns="0" tIns="0" rIns="0" bIns="0" rtlCol="0">
+                <a:spAutoFit/>
+              </a:bodyPr>
+              <a:lstStyle/>
+              <a:p>
+                <a:pPr/>
+                <a14:m>
+                  <m:oMathPara xmlns:m="http://schemas.openxmlformats.org/officeDocument/2006/math">
+                    <m:oMathParaPr>
+                      <m:jc m:val="centerGroup"/>
+                    </m:oMathParaPr>
+                    <m:oMath xmlns:m="http://schemas.openxmlformats.org/officeDocument/2006/math">
+                      <m:r>
+                        <a:rPr lang="en-GB" sz="5000" b="0" i="1" smtClean="0">
+                          <a:latin typeface="Cambria Math" panose="02040503050406030204" pitchFamily="18" charset="0"/>
+                        </a:rPr>
+                        <m:t>𝑝</m:t>
+                      </m:r>
+                      <m:d>
+                        <m:dPr>
+                          <m:endChr m:val="|"/>
+                          <m:ctrlPr>
+                            <a:rPr lang="en-GB" sz="5000" b="0" i="1" smtClean="0">
+                              <a:latin typeface="Cambria Math" panose="02040503050406030204" pitchFamily="18" charset="0"/>
+                            </a:rPr>
+                          </m:ctrlPr>
+                        </m:dPr>
+                        <m:e>
+                          <m:r>
+                            <a:rPr lang="en-GB" sz="5000" b="1" i="1" smtClean="0">
+                              <a:solidFill>
+                                <a:srgbClr val="0070C0"/>
+                              </a:solidFill>
+                              <a:latin typeface="Cambria Math" panose="02040503050406030204" pitchFamily="18" charset="0"/>
+                            </a:rPr>
+                            <m:t>𝑩</m:t>
+                          </m:r>
+                        </m:e>
+                      </m:d>
+                      <m:r>
+                        <a:rPr lang="en-GB" sz="5000" b="1" i="1" smtClean="0">
+                          <a:solidFill>
+                            <a:srgbClr val="00B050"/>
+                          </a:solidFill>
+                          <a:latin typeface="Cambria Math" panose="02040503050406030204" pitchFamily="18" charset="0"/>
+                        </a:rPr>
+                        <m:t>𝑨</m:t>
+                      </m:r>
+                      <m:r>
+                        <a:rPr lang="en-GB" sz="5000" b="0" i="1" smtClean="0">
+                          <a:latin typeface="Cambria Math" panose="02040503050406030204" pitchFamily="18" charset="0"/>
+                        </a:rPr>
+                        <m:t>)</m:t>
+                      </m:r>
+                    </m:oMath>
+                  </m:oMathPara>
+                </a14:m>
+                <a:endParaRPr lang="en-US" sz="5000" dirty="0"/>
+              </a:p>
+            </p:txBody>
+          </p:sp>
+        </mc:Choice>
+        <mc:Fallback xmlns="">
+          <p:sp>
+            <p:nvSpPr>
+              <p:cNvPr id="39" name="TextBox 38">
+                <a:extLst>
+                  <a:ext uri="{FF2B5EF4-FFF2-40B4-BE49-F238E27FC236}">
+                    <a16:creationId xmlns:a16="http://schemas.microsoft.com/office/drawing/2014/main" id="{BAF322A3-113A-192E-0C3A-7D302E97CC4E}"/>
+                  </a:ext>
+                </a:extLst>
+              </p:cNvPr>
+              <p:cNvSpPr txBox="1">
+                <a:spLocks noRot="1" noChangeAspect="1" noMove="1" noResize="1" noEditPoints="1" noAdjustHandles="1" noChangeArrowheads="1" noChangeShapeType="1" noTextEdit="1"/>
+              </p:cNvSpPr>
+              <p:nvPr/>
+            </p:nvSpPr>
+            <p:spPr>
+              <a:xfrm>
+                <a:off x="5121060" y="3125165"/>
+                <a:ext cx="2242550" cy="769441"/>
+              </a:xfrm>
+              <a:prstGeom prst="rect">
+                <a:avLst/>
+              </a:prstGeom>
+              <a:blipFill>
+                <a:blip r:embed="rId4"/>
+                <a:stretch>
+                  <a:fillRect l="-3955" r="-7345" b="-34426"/>
+                </a:stretch>
+              </a:blipFill>
+              <a:ln w="38100">
+                <a:noFill/>
+              </a:ln>
+            </p:spPr>
+            <p:txBody>
+              <a:bodyPr/>
+              <a:lstStyle/>
+              <a:p>
+                <a:r>
+                  <a:rPr lang="en-US">
+                    <a:noFill/>
+                  </a:rPr>
+                  <a:t> </a:t>
+                </a:r>
+              </a:p>
+            </p:txBody>
+          </p:sp>
+        </mc:Fallback>
+      </mc:AlternateContent>
+      <p:sp>
+        <p:nvSpPr>
+          <p:cNvPr id="40" name="TextBox 39">
+            <a:extLst>
+              <a:ext uri="{FF2B5EF4-FFF2-40B4-BE49-F238E27FC236}">
+                <a16:creationId xmlns:a16="http://schemas.microsoft.com/office/drawing/2014/main" id="{2276CEB2-A872-A9FA-62C5-BFB1CCFB35D5}"/>
+              </a:ext>
+            </a:extLst>
+          </p:cNvPr>
+          <p:cNvSpPr txBox="1"/>
+          <p:nvPr/>
+        </p:nvSpPr>
+        <p:spPr>
+          <a:xfrm>
+            <a:off x="702731" y="1370588"/>
+            <a:ext cx="3140063" cy="415498"/>
+          </a:xfrm>
+          <a:custGeom>
+            <a:avLst/>
+            <a:gdLst>
+              <a:gd name="connsiteX0" fmla="*/ 0 w 3140063"/>
+              <a:gd name="connsiteY0" fmla="*/ 0 h 415498"/>
+              <a:gd name="connsiteX1" fmla="*/ 491943 w 3140063"/>
+              <a:gd name="connsiteY1" fmla="*/ 0 h 415498"/>
+              <a:gd name="connsiteX2" fmla="*/ 921085 w 3140063"/>
+              <a:gd name="connsiteY2" fmla="*/ 0 h 415498"/>
+              <a:gd name="connsiteX3" fmla="*/ 1507230 w 3140063"/>
+              <a:gd name="connsiteY3" fmla="*/ 0 h 415498"/>
+              <a:gd name="connsiteX4" fmla="*/ 1999173 w 3140063"/>
+              <a:gd name="connsiteY4" fmla="*/ 0 h 415498"/>
+              <a:gd name="connsiteX5" fmla="*/ 2491117 w 3140063"/>
+              <a:gd name="connsiteY5" fmla="*/ 0 h 415498"/>
+              <a:gd name="connsiteX6" fmla="*/ 3140063 w 3140063"/>
+              <a:gd name="connsiteY6" fmla="*/ 0 h 415498"/>
+              <a:gd name="connsiteX7" fmla="*/ 3140063 w 3140063"/>
+              <a:gd name="connsiteY7" fmla="*/ 415498 h 415498"/>
+              <a:gd name="connsiteX8" fmla="*/ 2616719 w 3140063"/>
+              <a:gd name="connsiteY8" fmla="*/ 415498 h 415498"/>
+              <a:gd name="connsiteX9" fmla="*/ 2187577 w 3140063"/>
+              <a:gd name="connsiteY9" fmla="*/ 415498 h 415498"/>
+              <a:gd name="connsiteX10" fmla="*/ 1664233 w 3140063"/>
+              <a:gd name="connsiteY10" fmla="*/ 415498 h 415498"/>
+              <a:gd name="connsiteX11" fmla="*/ 1140890 w 3140063"/>
+              <a:gd name="connsiteY11" fmla="*/ 415498 h 415498"/>
+              <a:gd name="connsiteX12" fmla="*/ 648946 w 3140063"/>
+              <a:gd name="connsiteY12" fmla="*/ 415498 h 415498"/>
+              <a:gd name="connsiteX13" fmla="*/ 0 w 3140063"/>
+              <a:gd name="connsiteY13" fmla="*/ 415498 h 415498"/>
+              <a:gd name="connsiteX14" fmla="*/ 0 w 3140063"/>
+              <a:gd name="connsiteY14" fmla="*/ 0 h 415498"/>
+            </a:gdLst>
+            <a:ahLst/>
+            <a:cxnLst>
+              <a:cxn ang="0">
+                <a:pos x="connsiteX0" y="connsiteY0"/>
+              </a:cxn>
+              <a:cxn ang="0">
+                <a:pos x="connsiteX1" y="connsiteY1"/>
+              </a:cxn>
+              <a:cxn ang="0">
+                <a:pos x="connsiteX2" y="connsiteY2"/>
+              </a:cxn>
+              <a:cxn ang="0">
+                <a:pos x="connsiteX3" y="connsiteY3"/>
+              </a:cxn>
+              <a:cxn ang="0">
+                <a:pos x="connsiteX4" y="connsiteY4"/>
+              </a:cxn>
+              <a:cxn ang="0">
+                <a:pos x="connsiteX5" y="connsiteY5"/>
+              </a:cxn>
+              <a:cxn ang="0">
+                <a:pos x="connsiteX6" y="connsiteY6"/>
+              </a:cxn>
+              <a:cxn ang="0">
+                <a:pos x="connsiteX7" y="connsiteY7"/>
+              </a:cxn>
+              <a:cxn ang="0">
+                <a:pos x="connsiteX8" y="connsiteY8"/>
+              </a:cxn>
+              <a:cxn ang="0">
+                <a:pos x="connsiteX9" y="connsiteY9"/>
+              </a:cxn>
+              <a:cxn ang="0">
+                <a:pos x="connsiteX10" y="connsiteY10"/>
+              </a:cxn>
+              <a:cxn ang="0">
+                <a:pos x="connsiteX11" y="connsiteY11"/>
+              </a:cxn>
+              <a:cxn ang="0">
+                <a:pos x="connsiteX12" y="connsiteY12"/>
+              </a:cxn>
+              <a:cxn ang="0">
+                <a:pos x="connsiteX13" y="connsiteY13"/>
+              </a:cxn>
+              <a:cxn ang="0">
+                <a:pos x="connsiteX14" y="connsiteY14"/>
+              </a:cxn>
+            </a:cxnLst>
+            <a:rect l="l" t="t" r="r" b="b"/>
+            <a:pathLst>
+              <a:path w="3140063" h="415498" extrusionOk="0">
+                <a:moveTo>
+                  <a:pt x="0" y="0"/>
+                </a:moveTo>
+                <a:cubicBezTo>
+                  <a:pt x="172743" y="-29537"/>
+                  <a:pt x="334520" y="50504"/>
+                  <a:pt x="491943" y="0"/>
+                </a:cubicBezTo>
+                <a:cubicBezTo>
+                  <a:pt x="649366" y="-50504"/>
+                  <a:pt x="746674" y="35585"/>
+                  <a:pt x="921085" y="0"/>
+                </a:cubicBezTo>
+                <a:cubicBezTo>
+                  <a:pt x="1095496" y="-35585"/>
+                  <a:pt x="1379030" y="55473"/>
+                  <a:pt x="1507230" y="0"/>
+                </a:cubicBezTo>
+                <a:cubicBezTo>
+                  <a:pt x="1635431" y="-55473"/>
+                  <a:pt x="1887607" y="4811"/>
+                  <a:pt x="1999173" y="0"/>
+                </a:cubicBezTo>
+                <a:cubicBezTo>
+                  <a:pt x="2110739" y="-4811"/>
+                  <a:pt x="2340001" y="35954"/>
+                  <a:pt x="2491117" y="0"/>
+                </a:cubicBezTo>
+                <a:cubicBezTo>
+                  <a:pt x="2642233" y="-35954"/>
+                  <a:pt x="2845969" y="55954"/>
+                  <a:pt x="3140063" y="0"/>
+                </a:cubicBezTo>
+                <a:cubicBezTo>
+                  <a:pt x="3171390" y="157511"/>
+                  <a:pt x="3092411" y="314550"/>
+                  <a:pt x="3140063" y="415498"/>
+                </a:cubicBezTo>
+                <a:cubicBezTo>
+                  <a:pt x="3024956" y="431166"/>
+                  <a:pt x="2733199" y="404055"/>
+                  <a:pt x="2616719" y="415498"/>
+                </a:cubicBezTo>
+                <a:cubicBezTo>
+                  <a:pt x="2500239" y="426941"/>
+                  <a:pt x="2330001" y="389362"/>
+                  <a:pt x="2187577" y="415498"/>
+                </a:cubicBezTo>
+                <a:cubicBezTo>
+                  <a:pt x="2045153" y="441634"/>
+                  <a:pt x="1854213" y="368371"/>
+                  <a:pt x="1664233" y="415498"/>
+                </a:cubicBezTo>
+                <a:cubicBezTo>
+                  <a:pt x="1474253" y="462625"/>
+                  <a:pt x="1365608" y="359740"/>
+                  <a:pt x="1140890" y="415498"/>
+                </a:cubicBezTo>
+                <a:cubicBezTo>
+                  <a:pt x="916172" y="471256"/>
+                  <a:pt x="850356" y="405949"/>
+                  <a:pt x="648946" y="415498"/>
+                </a:cubicBezTo>
+                <a:cubicBezTo>
+                  <a:pt x="447536" y="425047"/>
+                  <a:pt x="302978" y="376828"/>
+                  <a:pt x="0" y="415498"/>
+                </a:cubicBezTo>
+                <a:cubicBezTo>
+                  <a:pt x="-35028" y="246976"/>
+                  <a:pt x="545" y="184217"/>
+                  <a:pt x="0" y="0"/>
+                </a:cubicBezTo>
+                <a:close/>
+              </a:path>
+            </a:pathLst>
+          </a:custGeom>
+          <a:noFill/>
+          <a:ln w="38100">
+            <a:solidFill>
+              <a:schemeClr val="tx1"/>
+            </a:solidFill>
+            <a:extLst>
+              <a:ext uri="{C807C97D-BFC1-408E-A445-0C87EB9F89A2}">
+                <ask:lineSketchStyleProps xmlns:ask="http://schemas.microsoft.com/office/drawing/2018/sketchyshapes" sd="1219033472">
+                  <a:prstGeom prst="rect">
+                    <a:avLst/>
+                  </a:prstGeom>
+                  <ask:type>
+                    <ask:lineSketchScribble/>
+                  </ask:type>
+                </ask:lineSketchStyleProps>
+              </a:ext>
+            </a:extLst>
+          </a:ln>
+        </p:spPr>
+        <p:txBody>
+          <a:bodyPr wrap="square">
+            <a:spAutoFit/>
+          </a:bodyPr>
+          <a:lstStyle/>
+          <a:p>
+            <a:r>
+              <a:rPr lang="en-GB" sz="2100" dirty="0"/>
+              <a:t>What is the probability of..</a:t>
+            </a:r>
+          </a:p>
+        </p:txBody>
+      </p:sp>
+      <p:sp>
+        <p:nvSpPr>
+          <p:cNvPr id="41" name="TextBox 40">
+            <a:extLst>
+              <a:ext uri="{FF2B5EF4-FFF2-40B4-BE49-F238E27FC236}">
+                <a16:creationId xmlns:a16="http://schemas.microsoft.com/office/drawing/2014/main" id="{AA9B72F0-6F02-0FA1-9536-810563EBC801}"/>
+              </a:ext>
+            </a:extLst>
+          </p:cNvPr>
+          <p:cNvSpPr txBox="1"/>
+          <p:nvPr/>
+        </p:nvSpPr>
+        <p:spPr>
+          <a:xfrm>
+            <a:off x="4525968" y="1239126"/>
+            <a:ext cx="1055025" cy="415498"/>
+          </a:xfrm>
+          <a:custGeom>
+            <a:avLst/>
+            <a:gdLst>
+              <a:gd name="connsiteX0" fmla="*/ 0 w 1055025"/>
+              <a:gd name="connsiteY0" fmla="*/ 0 h 415498"/>
+              <a:gd name="connsiteX1" fmla="*/ 516962 w 1055025"/>
+              <a:gd name="connsiteY1" fmla="*/ 0 h 415498"/>
+              <a:gd name="connsiteX2" fmla="*/ 1055025 w 1055025"/>
+              <a:gd name="connsiteY2" fmla="*/ 0 h 415498"/>
+              <a:gd name="connsiteX3" fmla="*/ 1055025 w 1055025"/>
+              <a:gd name="connsiteY3" fmla="*/ 415498 h 415498"/>
+              <a:gd name="connsiteX4" fmla="*/ 527513 w 1055025"/>
+              <a:gd name="connsiteY4" fmla="*/ 415498 h 415498"/>
+              <a:gd name="connsiteX5" fmla="*/ 0 w 1055025"/>
+              <a:gd name="connsiteY5" fmla="*/ 415498 h 415498"/>
+              <a:gd name="connsiteX6" fmla="*/ 0 w 1055025"/>
+              <a:gd name="connsiteY6" fmla="*/ 0 h 415498"/>
+            </a:gdLst>
+            <a:ahLst/>
+            <a:cxnLst>
+              <a:cxn ang="0">
+                <a:pos x="connsiteX0" y="connsiteY0"/>
+              </a:cxn>
+              <a:cxn ang="0">
+                <a:pos x="connsiteX1" y="connsiteY1"/>
+              </a:cxn>
+              <a:cxn ang="0">
+                <a:pos x="connsiteX2" y="connsiteY2"/>
+              </a:cxn>
+              <a:cxn ang="0">
+                <a:pos x="connsiteX3" y="connsiteY3"/>
+              </a:cxn>
+              <a:cxn ang="0">
+                <a:pos x="connsiteX4" y="connsiteY4"/>
+              </a:cxn>
+              <a:cxn ang="0">
+                <a:pos x="connsiteX5" y="connsiteY5"/>
+              </a:cxn>
+              <a:cxn ang="0">
+                <a:pos x="connsiteX6" y="connsiteY6"/>
+              </a:cxn>
+            </a:cxnLst>
+            <a:rect l="l" t="t" r="r" b="b"/>
+            <a:pathLst>
+              <a:path w="1055025" h="415498" extrusionOk="0">
+                <a:moveTo>
+                  <a:pt x="0" y="0"/>
+                </a:moveTo>
+                <a:cubicBezTo>
+                  <a:pt x="156205" y="-55703"/>
+                  <a:pt x="399607" y="31977"/>
+                  <a:pt x="516962" y="0"/>
+                </a:cubicBezTo>
+                <a:cubicBezTo>
+                  <a:pt x="634317" y="-31977"/>
+                  <a:pt x="854339" y="8309"/>
+                  <a:pt x="1055025" y="0"/>
+                </a:cubicBezTo>
+                <a:cubicBezTo>
+                  <a:pt x="1095522" y="91588"/>
+                  <a:pt x="1033953" y="324265"/>
+                  <a:pt x="1055025" y="415498"/>
+                </a:cubicBezTo>
+                <a:cubicBezTo>
+                  <a:pt x="921974" y="470014"/>
+                  <a:pt x="705808" y="365876"/>
+                  <a:pt x="527513" y="415498"/>
+                </a:cubicBezTo>
+                <a:cubicBezTo>
+                  <a:pt x="349218" y="465120"/>
+                  <a:pt x="107706" y="355724"/>
+                  <a:pt x="0" y="415498"/>
+                </a:cubicBezTo>
+                <a:cubicBezTo>
+                  <a:pt x="-19083" y="223688"/>
+                  <a:pt x="32990" y="132975"/>
+                  <a:pt x="0" y="0"/>
+                </a:cubicBezTo>
+                <a:close/>
+              </a:path>
+            </a:pathLst>
+          </a:custGeom>
+          <a:noFill/>
+          <a:ln w="38100">
+            <a:solidFill>
+              <a:srgbClr val="0070C0"/>
+            </a:solidFill>
+            <a:extLst>
+              <a:ext uri="{C807C97D-BFC1-408E-A445-0C87EB9F89A2}">
+                <ask:lineSketchStyleProps xmlns:ask="http://schemas.microsoft.com/office/drawing/2018/sketchyshapes" sd="1219033472">
+                  <a:prstGeom prst="rect">
+                    <a:avLst/>
+                  </a:prstGeom>
+                  <ask:type>
+                    <ask:lineSketchScribble/>
+                  </ask:type>
+                </ask:lineSketchStyleProps>
+              </a:ext>
+            </a:extLst>
+          </a:ln>
+        </p:spPr>
+        <p:txBody>
+          <a:bodyPr wrap="square">
+            <a:spAutoFit/>
+          </a:bodyPr>
+          <a:lstStyle/>
+          <a:p>
+            <a:r>
+              <a:rPr lang="en-GB" sz="2100" dirty="0"/>
+              <a:t>Event </a:t>
+            </a:r>
+            <a:r>
+              <a:rPr lang="en-GB" sz="2100" b="1" dirty="0">
+                <a:solidFill>
+                  <a:srgbClr val="0070C0"/>
+                </a:solidFill>
+              </a:rPr>
+              <a:t>B</a:t>
+            </a:r>
+          </a:p>
+        </p:txBody>
+      </p:sp>
+      <p:sp>
+        <p:nvSpPr>
+          <p:cNvPr id="42" name="TextBox 41">
+            <a:extLst>
+              <a:ext uri="{FF2B5EF4-FFF2-40B4-BE49-F238E27FC236}">
+                <a16:creationId xmlns:a16="http://schemas.microsoft.com/office/drawing/2014/main" id="{ADC003DB-C51A-CB70-ADB3-A1E171ECDD5D}"/>
+              </a:ext>
+            </a:extLst>
+          </p:cNvPr>
+          <p:cNvSpPr txBox="1"/>
+          <p:nvPr/>
+        </p:nvSpPr>
+        <p:spPr>
+          <a:xfrm>
+            <a:off x="8165158" y="1254462"/>
+            <a:ext cx="1189050" cy="415498"/>
+          </a:xfrm>
+          <a:custGeom>
+            <a:avLst/>
+            <a:gdLst>
+              <a:gd name="connsiteX0" fmla="*/ 0 w 1189050"/>
+              <a:gd name="connsiteY0" fmla="*/ 0 h 415498"/>
+              <a:gd name="connsiteX1" fmla="*/ 582635 w 1189050"/>
+              <a:gd name="connsiteY1" fmla="*/ 0 h 415498"/>
+              <a:gd name="connsiteX2" fmla="*/ 1189050 w 1189050"/>
+              <a:gd name="connsiteY2" fmla="*/ 0 h 415498"/>
+              <a:gd name="connsiteX3" fmla="*/ 1189050 w 1189050"/>
+              <a:gd name="connsiteY3" fmla="*/ 415498 h 415498"/>
+              <a:gd name="connsiteX4" fmla="*/ 594525 w 1189050"/>
+              <a:gd name="connsiteY4" fmla="*/ 415498 h 415498"/>
+              <a:gd name="connsiteX5" fmla="*/ 0 w 1189050"/>
+              <a:gd name="connsiteY5" fmla="*/ 415498 h 415498"/>
+              <a:gd name="connsiteX6" fmla="*/ 0 w 1189050"/>
+              <a:gd name="connsiteY6" fmla="*/ 0 h 415498"/>
+            </a:gdLst>
+            <a:ahLst/>
+            <a:cxnLst>
+              <a:cxn ang="0">
+                <a:pos x="connsiteX0" y="connsiteY0"/>
+              </a:cxn>
+              <a:cxn ang="0">
+                <a:pos x="connsiteX1" y="connsiteY1"/>
+              </a:cxn>
+              <a:cxn ang="0">
+                <a:pos x="connsiteX2" y="connsiteY2"/>
+              </a:cxn>
+              <a:cxn ang="0">
+                <a:pos x="connsiteX3" y="connsiteY3"/>
+              </a:cxn>
+              <a:cxn ang="0">
+                <a:pos x="connsiteX4" y="connsiteY4"/>
+              </a:cxn>
+              <a:cxn ang="0">
+                <a:pos x="connsiteX5" y="connsiteY5"/>
+              </a:cxn>
+              <a:cxn ang="0">
+                <a:pos x="connsiteX6" y="connsiteY6"/>
+              </a:cxn>
+            </a:cxnLst>
+            <a:rect l="l" t="t" r="r" b="b"/>
+            <a:pathLst>
+              <a:path w="1189050" h="415498" extrusionOk="0">
+                <a:moveTo>
+                  <a:pt x="0" y="0"/>
+                </a:moveTo>
+                <a:cubicBezTo>
+                  <a:pt x="203445" y="-68192"/>
+                  <a:pt x="417623" y="59890"/>
+                  <a:pt x="582635" y="0"/>
+                </a:cubicBezTo>
+                <a:cubicBezTo>
+                  <a:pt x="747648" y="-59890"/>
+                  <a:pt x="952139" y="3086"/>
+                  <a:pt x="1189050" y="0"/>
+                </a:cubicBezTo>
+                <a:cubicBezTo>
+                  <a:pt x="1229547" y="91588"/>
+                  <a:pt x="1167978" y="324265"/>
+                  <a:pt x="1189050" y="415498"/>
+                </a:cubicBezTo>
+                <a:cubicBezTo>
+                  <a:pt x="919704" y="455709"/>
+                  <a:pt x="725388" y="408284"/>
+                  <a:pt x="594525" y="415498"/>
+                </a:cubicBezTo>
+                <a:cubicBezTo>
+                  <a:pt x="463663" y="422712"/>
+                  <a:pt x="140132" y="360618"/>
+                  <a:pt x="0" y="415498"/>
+                </a:cubicBezTo>
+                <a:cubicBezTo>
+                  <a:pt x="-19083" y="223688"/>
+                  <a:pt x="32990" y="132975"/>
+                  <a:pt x="0" y="0"/>
+                </a:cubicBezTo>
+                <a:close/>
+              </a:path>
+            </a:pathLst>
+          </a:custGeom>
+          <a:noFill/>
+          <a:ln w="38100">
+            <a:solidFill>
+              <a:srgbClr val="00B050"/>
+            </a:solidFill>
+            <a:extLst>
+              <a:ext uri="{C807C97D-BFC1-408E-A445-0C87EB9F89A2}">
+                <ask:lineSketchStyleProps xmlns:ask="http://schemas.microsoft.com/office/drawing/2018/sketchyshapes" sd="1219033472">
+                  <a:prstGeom prst="rect">
+                    <a:avLst/>
+                  </a:prstGeom>
+                  <ask:type>
+                    <ask:lineSketchScribble/>
+                  </ask:type>
+                </ask:lineSketchStyleProps>
+              </a:ext>
+            </a:extLst>
+          </a:ln>
+        </p:spPr>
+        <p:txBody>
+          <a:bodyPr wrap="square">
+            <a:spAutoFit/>
+          </a:bodyPr>
+          <a:lstStyle/>
+          <a:p>
+            <a:r>
+              <a:rPr lang="en-GB" sz="2100" dirty="0"/>
+              <a:t>Event </a:t>
+            </a:r>
+            <a:r>
+              <a:rPr lang="en-GB" sz="2100" b="1" dirty="0">
+                <a:solidFill>
+                  <a:srgbClr val="00B050"/>
+                </a:solidFill>
+              </a:rPr>
+              <a:t>A</a:t>
+            </a:r>
+          </a:p>
+        </p:txBody>
+      </p:sp>
+      <p:cxnSp>
+        <p:nvCxnSpPr>
+          <p:cNvPr id="44" name="Straight Arrow Connector 43">
+            <a:extLst>
+              <a:ext uri="{FF2B5EF4-FFF2-40B4-BE49-F238E27FC236}">
+                <a16:creationId xmlns:a16="http://schemas.microsoft.com/office/drawing/2014/main" id="{AB46427B-B230-47D7-70B8-5A26FD944E0D}"/>
+              </a:ext>
+            </a:extLst>
+          </p:cNvPr>
+          <p:cNvCxnSpPr>
+            <a:cxnSpLocks/>
+            <a:stCxn id="40" idx="2"/>
+            <a:endCxn id="39" idx="1"/>
+          </p:cNvCxnSpPr>
+          <p:nvPr/>
+        </p:nvCxnSpPr>
+        <p:spPr>
+          <a:xfrm>
+            <a:off x="2272763" y="1786086"/>
+            <a:ext cx="2848297" cy="1723800"/>
+          </a:xfrm>
+          <a:prstGeom prst="straightConnector1">
+            <a:avLst/>
+          </a:prstGeom>
+          <a:ln w="38100">
+            <a:solidFill>
+              <a:schemeClr val="tx1"/>
+            </a:solidFill>
+            <a:tailEnd type="triangle"/>
+          </a:ln>
+        </p:spPr>
+        <p:style>
+          <a:lnRef idx="1">
+            <a:schemeClr val="accent1"/>
+          </a:lnRef>
+          <a:fillRef idx="0">
+            <a:schemeClr val="accent1"/>
+          </a:fillRef>
+          <a:effectRef idx="0">
+            <a:schemeClr val="accent1"/>
+          </a:effectRef>
+          <a:fontRef idx="minor">
+            <a:schemeClr val="tx1"/>
+          </a:fontRef>
+        </p:style>
+      </p:cxnSp>
+      <p:cxnSp>
+        <p:nvCxnSpPr>
+          <p:cNvPr id="46" name="Straight Arrow Connector 45">
+            <a:extLst>
+              <a:ext uri="{FF2B5EF4-FFF2-40B4-BE49-F238E27FC236}">
+                <a16:creationId xmlns:a16="http://schemas.microsoft.com/office/drawing/2014/main" id="{794673C9-E893-84A3-B6AA-E13620AF9399}"/>
+              </a:ext>
+            </a:extLst>
+          </p:cNvPr>
+          <p:cNvCxnSpPr>
+            <a:cxnSpLocks/>
+            <a:stCxn id="41" idx="2"/>
+          </p:cNvCxnSpPr>
+          <p:nvPr/>
+        </p:nvCxnSpPr>
+        <p:spPr>
+          <a:xfrm>
+            <a:off x="5053481" y="1654624"/>
+            <a:ext cx="1042519" cy="1252073"/>
+          </a:xfrm>
+          <a:prstGeom prst="straightConnector1">
+            <a:avLst/>
+          </a:prstGeom>
+          <a:ln w="38100">
+            <a:solidFill>
+              <a:srgbClr val="0070C0"/>
+            </a:solidFill>
+            <a:tailEnd type="triangle"/>
+          </a:ln>
+        </p:spPr>
+        <p:style>
+          <a:lnRef idx="1">
+            <a:schemeClr val="accent1"/>
+          </a:lnRef>
+          <a:fillRef idx="0">
+            <a:schemeClr val="accent1"/>
+          </a:fillRef>
+          <a:effectRef idx="0">
+            <a:schemeClr val="accent1"/>
+          </a:effectRef>
+          <a:fontRef idx="minor">
+            <a:schemeClr val="tx1"/>
+          </a:fontRef>
+        </p:style>
+      </p:cxnSp>
+      <p:cxnSp>
+        <p:nvCxnSpPr>
+          <p:cNvPr id="52" name="Straight Arrow Connector 51">
+            <a:extLst>
+              <a:ext uri="{FF2B5EF4-FFF2-40B4-BE49-F238E27FC236}">
+                <a16:creationId xmlns:a16="http://schemas.microsoft.com/office/drawing/2014/main" id="{55C71042-31D7-1B27-CAA8-6C394E3CC981}"/>
+              </a:ext>
+            </a:extLst>
+          </p:cNvPr>
+          <p:cNvCxnSpPr>
+            <a:cxnSpLocks/>
+            <a:stCxn id="42" idx="2"/>
+          </p:cNvCxnSpPr>
+          <p:nvPr/>
+        </p:nvCxnSpPr>
+        <p:spPr>
+          <a:xfrm flipH="1">
+            <a:off x="6910086" y="1669960"/>
+            <a:ext cx="1849597" cy="1582526"/>
+          </a:xfrm>
+          <a:prstGeom prst="straightConnector1">
+            <a:avLst/>
+          </a:prstGeom>
+          <a:ln w="38100">
+            <a:solidFill>
+              <a:srgbClr val="00B050"/>
+            </a:solidFill>
+            <a:tailEnd type="triangle"/>
+          </a:ln>
+        </p:spPr>
+        <p:style>
+          <a:lnRef idx="1">
+            <a:schemeClr val="accent1"/>
+          </a:lnRef>
+          <a:fillRef idx="0">
+            <a:schemeClr val="accent1"/>
+          </a:fillRef>
+          <a:effectRef idx="0">
+            <a:schemeClr val="accent1"/>
+          </a:effectRef>
+          <a:fontRef idx="minor">
+            <a:schemeClr val="tx1"/>
+          </a:fontRef>
+        </p:style>
+      </p:cxnSp>
+      <p:sp>
+        <p:nvSpPr>
+          <p:cNvPr id="61" name="TextBox 60">
+            <a:extLst>
+              <a:ext uri="{FF2B5EF4-FFF2-40B4-BE49-F238E27FC236}">
+                <a16:creationId xmlns:a16="http://schemas.microsoft.com/office/drawing/2014/main" id="{BF7A93C9-E1A7-C7BF-814A-80C9097F3F68}"/>
+              </a:ext>
+            </a:extLst>
+          </p:cNvPr>
+          <p:cNvSpPr txBox="1"/>
+          <p:nvPr/>
+        </p:nvSpPr>
+        <p:spPr>
+          <a:xfrm>
+            <a:off x="941091" y="4297552"/>
+            <a:ext cx="10602488" cy="1708160"/>
+          </a:xfrm>
+          <a:custGeom>
+            <a:avLst/>
+            <a:gdLst>
+              <a:gd name="connsiteX0" fmla="*/ 0 w 10602488"/>
+              <a:gd name="connsiteY0" fmla="*/ 0 h 1708160"/>
+              <a:gd name="connsiteX1" fmla="*/ 483002 w 10602488"/>
+              <a:gd name="connsiteY1" fmla="*/ 0 h 1708160"/>
+              <a:gd name="connsiteX2" fmla="*/ 753955 w 10602488"/>
+              <a:gd name="connsiteY2" fmla="*/ 0 h 1708160"/>
+              <a:gd name="connsiteX3" fmla="*/ 1555032 w 10602488"/>
+              <a:gd name="connsiteY3" fmla="*/ 0 h 1708160"/>
+              <a:gd name="connsiteX4" fmla="*/ 2038034 w 10602488"/>
+              <a:gd name="connsiteY4" fmla="*/ 0 h 1708160"/>
+              <a:gd name="connsiteX5" fmla="*/ 2521036 w 10602488"/>
+              <a:gd name="connsiteY5" fmla="*/ 0 h 1708160"/>
+              <a:gd name="connsiteX6" fmla="*/ 3322113 w 10602488"/>
+              <a:gd name="connsiteY6" fmla="*/ 0 h 1708160"/>
+              <a:gd name="connsiteX7" fmla="*/ 3699090 w 10602488"/>
+              <a:gd name="connsiteY7" fmla="*/ 0 h 1708160"/>
+              <a:gd name="connsiteX8" fmla="*/ 4500167 w 10602488"/>
+              <a:gd name="connsiteY8" fmla="*/ 0 h 1708160"/>
+              <a:gd name="connsiteX9" fmla="*/ 5301244 w 10602488"/>
+              <a:gd name="connsiteY9" fmla="*/ 0 h 1708160"/>
+              <a:gd name="connsiteX10" fmla="*/ 5890271 w 10602488"/>
+              <a:gd name="connsiteY10" fmla="*/ 0 h 1708160"/>
+              <a:gd name="connsiteX11" fmla="*/ 6691348 w 10602488"/>
+              <a:gd name="connsiteY11" fmla="*/ 0 h 1708160"/>
+              <a:gd name="connsiteX12" fmla="*/ 7174350 w 10602488"/>
+              <a:gd name="connsiteY12" fmla="*/ 0 h 1708160"/>
+              <a:gd name="connsiteX13" fmla="*/ 7657352 w 10602488"/>
+              <a:gd name="connsiteY13" fmla="*/ 0 h 1708160"/>
+              <a:gd name="connsiteX14" fmla="*/ 8352404 w 10602488"/>
+              <a:gd name="connsiteY14" fmla="*/ 0 h 1708160"/>
+              <a:gd name="connsiteX15" fmla="*/ 8835407 w 10602488"/>
+              <a:gd name="connsiteY15" fmla="*/ 0 h 1708160"/>
+              <a:gd name="connsiteX16" fmla="*/ 9636484 w 10602488"/>
+              <a:gd name="connsiteY16" fmla="*/ 0 h 1708160"/>
+              <a:gd name="connsiteX17" fmla="*/ 10602488 w 10602488"/>
+              <a:gd name="connsiteY17" fmla="*/ 0 h 1708160"/>
+              <a:gd name="connsiteX18" fmla="*/ 10602488 w 10602488"/>
+              <a:gd name="connsiteY18" fmla="*/ 569387 h 1708160"/>
+              <a:gd name="connsiteX19" fmla="*/ 10602488 w 10602488"/>
+              <a:gd name="connsiteY19" fmla="*/ 1155855 h 1708160"/>
+              <a:gd name="connsiteX20" fmla="*/ 10602488 w 10602488"/>
+              <a:gd name="connsiteY20" fmla="*/ 1708160 h 1708160"/>
+              <a:gd name="connsiteX21" fmla="*/ 10225511 w 10602488"/>
+              <a:gd name="connsiteY21" fmla="*/ 1708160 h 1708160"/>
+              <a:gd name="connsiteX22" fmla="*/ 9636484 w 10602488"/>
+              <a:gd name="connsiteY22" fmla="*/ 1708160 h 1708160"/>
+              <a:gd name="connsiteX23" fmla="*/ 9259506 w 10602488"/>
+              <a:gd name="connsiteY23" fmla="*/ 1708160 h 1708160"/>
+              <a:gd name="connsiteX24" fmla="*/ 8670479 w 10602488"/>
+              <a:gd name="connsiteY24" fmla="*/ 1708160 h 1708160"/>
+              <a:gd name="connsiteX25" fmla="*/ 8399527 w 10602488"/>
+              <a:gd name="connsiteY25" fmla="*/ 1708160 h 1708160"/>
+              <a:gd name="connsiteX26" fmla="*/ 8128574 w 10602488"/>
+              <a:gd name="connsiteY26" fmla="*/ 1708160 h 1708160"/>
+              <a:gd name="connsiteX27" fmla="*/ 7539547 w 10602488"/>
+              <a:gd name="connsiteY27" fmla="*/ 1708160 h 1708160"/>
+              <a:gd name="connsiteX28" fmla="*/ 7162570 w 10602488"/>
+              <a:gd name="connsiteY28" fmla="*/ 1708160 h 1708160"/>
+              <a:gd name="connsiteX29" fmla="*/ 6467518 w 10602488"/>
+              <a:gd name="connsiteY29" fmla="*/ 1708160 h 1708160"/>
+              <a:gd name="connsiteX30" fmla="*/ 6090540 w 10602488"/>
+              <a:gd name="connsiteY30" fmla="*/ 1708160 h 1708160"/>
+              <a:gd name="connsiteX31" fmla="*/ 5395488 w 10602488"/>
+              <a:gd name="connsiteY31" fmla="*/ 1708160 h 1708160"/>
+              <a:gd name="connsiteX32" fmla="*/ 5124536 w 10602488"/>
+              <a:gd name="connsiteY32" fmla="*/ 1708160 h 1708160"/>
+              <a:gd name="connsiteX33" fmla="*/ 4429484 w 10602488"/>
+              <a:gd name="connsiteY33" fmla="*/ 1708160 h 1708160"/>
+              <a:gd name="connsiteX34" fmla="*/ 4052507 w 10602488"/>
+              <a:gd name="connsiteY34" fmla="*/ 1708160 h 1708160"/>
+              <a:gd name="connsiteX35" fmla="*/ 3781554 w 10602488"/>
+              <a:gd name="connsiteY35" fmla="*/ 1708160 h 1708160"/>
+              <a:gd name="connsiteX36" fmla="*/ 3404577 w 10602488"/>
+              <a:gd name="connsiteY36" fmla="*/ 1708160 h 1708160"/>
+              <a:gd name="connsiteX37" fmla="*/ 2709525 w 10602488"/>
+              <a:gd name="connsiteY37" fmla="*/ 1708160 h 1708160"/>
+              <a:gd name="connsiteX38" fmla="*/ 2332547 w 10602488"/>
+              <a:gd name="connsiteY38" fmla="*/ 1708160 h 1708160"/>
+              <a:gd name="connsiteX39" fmla="*/ 2061595 w 10602488"/>
+              <a:gd name="connsiteY39" fmla="*/ 1708160 h 1708160"/>
+              <a:gd name="connsiteX40" fmla="*/ 1684618 w 10602488"/>
+              <a:gd name="connsiteY40" fmla="*/ 1708160 h 1708160"/>
+              <a:gd name="connsiteX41" fmla="*/ 1201615 w 10602488"/>
+              <a:gd name="connsiteY41" fmla="*/ 1708160 h 1708160"/>
+              <a:gd name="connsiteX42" fmla="*/ 612588 w 10602488"/>
+              <a:gd name="connsiteY42" fmla="*/ 1708160 h 1708160"/>
+              <a:gd name="connsiteX43" fmla="*/ 0 w 10602488"/>
+              <a:gd name="connsiteY43" fmla="*/ 1708160 h 1708160"/>
+              <a:gd name="connsiteX44" fmla="*/ 0 w 10602488"/>
+              <a:gd name="connsiteY44" fmla="*/ 1104610 h 1708160"/>
+              <a:gd name="connsiteX45" fmla="*/ 0 w 10602488"/>
+              <a:gd name="connsiteY45" fmla="*/ 535223 h 1708160"/>
+              <a:gd name="connsiteX46" fmla="*/ 0 w 10602488"/>
+              <a:gd name="connsiteY46" fmla="*/ 0 h 1708160"/>
+            </a:gdLst>
+            <a:ahLst/>
+            <a:cxnLst>
+              <a:cxn ang="0">
+                <a:pos x="connsiteX0" y="connsiteY0"/>
+              </a:cxn>
+              <a:cxn ang="0">
+                <a:pos x="connsiteX1" y="connsiteY1"/>
+              </a:cxn>
+              <a:cxn ang="0">
+                <a:pos x="connsiteX2" y="connsiteY2"/>
+              </a:cxn>
+              <a:cxn ang="0">
+                <a:pos x="connsiteX3" y="connsiteY3"/>
+              </a:cxn>
+              <a:cxn ang="0">
+                <a:pos x="connsiteX4" y="connsiteY4"/>
+              </a:cxn>
+              <a:cxn ang="0">
+                <a:pos x="connsiteX5" y="connsiteY5"/>
+              </a:cxn>
+              <a:cxn ang="0">
+                <a:pos x="connsiteX6" y="connsiteY6"/>
+              </a:cxn>
+              <a:cxn ang="0">
+                <a:pos x="connsiteX7" y="connsiteY7"/>
+              </a:cxn>
+              <a:cxn ang="0">
+                <a:pos x="connsiteX8" y="connsiteY8"/>
+              </a:cxn>
+              <a:cxn ang="0">
+                <a:pos x="connsiteX9" y="connsiteY9"/>
+              </a:cxn>
+              <a:cxn ang="0">
+                <a:pos x="connsiteX10" y="connsiteY10"/>
+              </a:cxn>
+              <a:cxn ang="0">
+                <a:pos x="connsiteX11" y="connsiteY11"/>
+              </a:cxn>
+              <a:cxn ang="0">
+                <a:pos x="connsiteX12" y="connsiteY12"/>
+              </a:cxn>
+              <a:cxn ang="0">
+                <a:pos x="connsiteX13" y="connsiteY13"/>
+              </a:cxn>
+              <a:cxn ang="0">
+                <a:pos x="connsiteX14" y="connsiteY14"/>
+              </a:cxn>
+              <a:cxn ang="0">
+                <a:pos x="connsiteX15" y="connsiteY15"/>
+              </a:cxn>
+              <a:cxn ang="0">
+                <a:pos x="connsiteX16" y="connsiteY16"/>
+              </a:cxn>
+              <a:cxn ang="0">
+                <a:pos x="connsiteX17" y="connsiteY17"/>
+              </a:cxn>
+              <a:cxn ang="0">
+                <a:pos x="connsiteX18" y="connsiteY18"/>
+              </a:cxn>
+              <a:cxn ang="0">
+                <a:pos x="connsiteX19" y="connsiteY19"/>
+              </a:cxn>
+              <a:cxn ang="0">
+                <a:pos x="connsiteX20" y="connsiteY20"/>
+              </a:cxn>
+              <a:cxn ang="0">
+                <a:pos x="connsiteX21" y="connsiteY21"/>
+              </a:cxn>
+              <a:cxn ang="0">
+                <a:pos x="connsiteX22" y="connsiteY22"/>
+              </a:cxn>
+              <a:cxn ang="0">
+                <a:pos x="connsiteX23" y="connsiteY23"/>
+              </a:cxn>
+              <a:cxn ang="0">
+                <a:pos x="connsiteX24" y="connsiteY24"/>
+              </a:cxn>
+              <a:cxn ang="0">
+                <a:pos x="connsiteX25" y="connsiteY25"/>
+              </a:cxn>
+              <a:cxn ang="0">
+                <a:pos x="connsiteX26" y="connsiteY26"/>
+              </a:cxn>
+              <a:cxn ang="0">
+                <a:pos x="connsiteX27" y="connsiteY27"/>
+              </a:cxn>
+              <a:cxn ang="0">
+                <a:pos x="connsiteX28" y="connsiteY28"/>
+              </a:cxn>
+              <a:cxn ang="0">
+                <a:pos x="connsiteX29" y="connsiteY29"/>
+              </a:cxn>
+              <a:cxn ang="0">
+                <a:pos x="connsiteX30" y="connsiteY30"/>
+              </a:cxn>
+              <a:cxn ang="0">
+                <a:pos x="connsiteX31" y="connsiteY31"/>
+              </a:cxn>
+              <a:cxn ang="0">
+                <a:pos x="connsiteX32" y="connsiteY32"/>
+              </a:cxn>
+              <a:cxn ang="0">
+                <a:pos x="connsiteX33" y="connsiteY33"/>
+              </a:cxn>
+              <a:cxn ang="0">
+                <a:pos x="connsiteX34" y="connsiteY34"/>
+              </a:cxn>
+              <a:cxn ang="0">
+                <a:pos x="connsiteX35" y="connsiteY35"/>
+              </a:cxn>
+              <a:cxn ang="0">
+                <a:pos x="connsiteX36" y="connsiteY36"/>
+              </a:cxn>
+              <a:cxn ang="0">
+                <a:pos x="connsiteX37" y="connsiteY37"/>
+              </a:cxn>
+              <a:cxn ang="0">
+                <a:pos x="connsiteX38" y="connsiteY38"/>
+              </a:cxn>
+              <a:cxn ang="0">
+                <a:pos x="connsiteX39" y="connsiteY39"/>
+              </a:cxn>
+              <a:cxn ang="0">
+                <a:pos x="connsiteX40" y="connsiteY40"/>
+              </a:cxn>
+              <a:cxn ang="0">
+                <a:pos x="connsiteX41" y="connsiteY41"/>
+              </a:cxn>
+              <a:cxn ang="0">
+                <a:pos x="connsiteX42" y="connsiteY42"/>
+              </a:cxn>
+              <a:cxn ang="0">
+                <a:pos x="connsiteX43" y="connsiteY43"/>
+              </a:cxn>
+              <a:cxn ang="0">
+                <a:pos x="connsiteX44" y="connsiteY44"/>
+              </a:cxn>
+              <a:cxn ang="0">
+                <a:pos x="connsiteX45" y="connsiteY45"/>
+              </a:cxn>
+              <a:cxn ang="0">
+                <a:pos x="connsiteX46" y="connsiteY46"/>
+              </a:cxn>
+            </a:cxnLst>
+            <a:rect l="l" t="t" r="r" b="b"/>
+            <a:pathLst>
+              <a:path w="10602488" h="1708160" extrusionOk="0">
+                <a:moveTo>
+                  <a:pt x="0" y="0"/>
+                </a:moveTo>
+                <a:cubicBezTo>
+                  <a:pt x="97568" y="-44297"/>
+                  <a:pt x="326444" y="6944"/>
+                  <a:pt x="483002" y="0"/>
+                </a:cubicBezTo>
+                <a:cubicBezTo>
+                  <a:pt x="639560" y="-6944"/>
+                  <a:pt x="647760" y="29095"/>
+                  <a:pt x="753955" y="0"/>
+                </a:cubicBezTo>
+                <a:cubicBezTo>
+                  <a:pt x="860150" y="-29095"/>
+                  <a:pt x="1245701" y="60181"/>
+                  <a:pt x="1555032" y="0"/>
+                </a:cubicBezTo>
+                <a:cubicBezTo>
+                  <a:pt x="1864363" y="-60181"/>
+                  <a:pt x="1939383" y="25129"/>
+                  <a:pt x="2038034" y="0"/>
+                </a:cubicBezTo>
+                <a:cubicBezTo>
+                  <a:pt x="2136685" y="-25129"/>
+                  <a:pt x="2390578" y="42979"/>
+                  <a:pt x="2521036" y="0"/>
+                </a:cubicBezTo>
+                <a:cubicBezTo>
+                  <a:pt x="2651494" y="-42979"/>
+                  <a:pt x="3056861" y="35316"/>
+                  <a:pt x="3322113" y="0"/>
+                </a:cubicBezTo>
+                <a:cubicBezTo>
+                  <a:pt x="3587365" y="-35316"/>
+                  <a:pt x="3554669" y="9601"/>
+                  <a:pt x="3699090" y="0"/>
+                </a:cubicBezTo>
+                <a:cubicBezTo>
+                  <a:pt x="3843511" y="-9601"/>
+                  <a:pt x="4333086" y="76215"/>
+                  <a:pt x="4500167" y="0"/>
+                </a:cubicBezTo>
+                <a:cubicBezTo>
+                  <a:pt x="4667248" y="-76215"/>
+                  <a:pt x="4912127" y="67402"/>
+                  <a:pt x="5301244" y="0"/>
+                </a:cubicBezTo>
+                <a:cubicBezTo>
+                  <a:pt x="5690361" y="-67402"/>
+                  <a:pt x="5645474" y="49125"/>
+                  <a:pt x="5890271" y="0"/>
+                </a:cubicBezTo>
+                <a:cubicBezTo>
+                  <a:pt x="6135068" y="-49125"/>
+                  <a:pt x="6314956" y="49222"/>
+                  <a:pt x="6691348" y="0"/>
+                </a:cubicBezTo>
+                <a:cubicBezTo>
+                  <a:pt x="7067740" y="-49222"/>
+                  <a:pt x="7010209" y="17620"/>
+                  <a:pt x="7174350" y="0"/>
+                </a:cubicBezTo>
+                <a:cubicBezTo>
+                  <a:pt x="7338491" y="-17620"/>
+                  <a:pt x="7492331" y="46381"/>
+                  <a:pt x="7657352" y="0"/>
+                </a:cubicBezTo>
+                <a:cubicBezTo>
+                  <a:pt x="7822373" y="-46381"/>
+                  <a:pt x="8021830" y="62340"/>
+                  <a:pt x="8352404" y="0"/>
+                </a:cubicBezTo>
+                <a:cubicBezTo>
+                  <a:pt x="8682978" y="-62340"/>
+                  <a:pt x="8650092" y="21348"/>
+                  <a:pt x="8835407" y="0"/>
+                </a:cubicBezTo>
+                <a:cubicBezTo>
+                  <a:pt x="9020722" y="-21348"/>
+                  <a:pt x="9318599" y="50083"/>
+                  <a:pt x="9636484" y="0"/>
+                </a:cubicBezTo>
+                <a:cubicBezTo>
+                  <a:pt x="9954369" y="-50083"/>
+                  <a:pt x="10155035" y="65699"/>
+                  <a:pt x="10602488" y="0"/>
+                </a:cubicBezTo>
+                <a:cubicBezTo>
+                  <a:pt x="10646681" y="171786"/>
+                  <a:pt x="10584178" y="368887"/>
+                  <a:pt x="10602488" y="569387"/>
+                </a:cubicBezTo>
+                <a:cubicBezTo>
+                  <a:pt x="10620798" y="769887"/>
+                  <a:pt x="10554966" y="1037745"/>
+                  <a:pt x="10602488" y="1155855"/>
+                </a:cubicBezTo>
+                <a:cubicBezTo>
+                  <a:pt x="10650010" y="1273965"/>
+                  <a:pt x="10548290" y="1554713"/>
+                  <a:pt x="10602488" y="1708160"/>
+                </a:cubicBezTo>
+                <a:cubicBezTo>
+                  <a:pt x="10497912" y="1737390"/>
+                  <a:pt x="10317064" y="1678052"/>
+                  <a:pt x="10225511" y="1708160"/>
+                </a:cubicBezTo>
+                <a:cubicBezTo>
+                  <a:pt x="10133958" y="1738268"/>
+                  <a:pt x="9905356" y="1687096"/>
+                  <a:pt x="9636484" y="1708160"/>
+                </a:cubicBezTo>
+                <a:cubicBezTo>
+                  <a:pt x="9367612" y="1729224"/>
+                  <a:pt x="9398341" y="1699900"/>
+                  <a:pt x="9259506" y="1708160"/>
+                </a:cubicBezTo>
+                <a:cubicBezTo>
+                  <a:pt x="9120671" y="1716420"/>
+                  <a:pt x="8961294" y="1663955"/>
+                  <a:pt x="8670479" y="1708160"/>
+                </a:cubicBezTo>
+                <a:cubicBezTo>
+                  <a:pt x="8379664" y="1752365"/>
+                  <a:pt x="8468090" y="1680359"/>
+                  <a:pt x="8399527" y="1708160"/>
+                </a:cubicBezTo>
+                <a:cubicBezTo>
+                  <a:pt x="8330964" y="1735961"/>
+                  <a:pt x="8257321" y="1682231"/>
+                  <a:pt x="8128574" y="1708160"/>
+                </a:cubicBezTo>
+                <a:cubicBezTo>
+                  <a:pt x="7999827" y="1734089"/>
+                  <a:pt x="7769555" y="1691887"/>
+                  <a:pt x="7539547" y="1708160"/>
+                </a:cubicBezTo>
+                <a:cubicBezTo>
+                  <a:pt x="7309539" y="1724433"/>
+                  <a:pt x="7244072" y="1672308"/>
+                  <a:pt x="7162570" y="1708160"/>
+                </a:cubicBezTo>
+                <a:cubicBezTo>
+                  <a:pt x="7081068" y="1744012"/>
+                  <a:pt x="6685253" y="1643678"/>
+                  <a:pt x="6467518" y="1708160"/>
+                </a:cubicBezTo>
+                <a:cubicBezTo>
+                  <a:pt x="6249783" y="1772642"/>
+                  <a:pt x="6234541" y="1694707"/>
+                  <a:pt x="6090540" y="1708160"/>
+                </a:cubicBezTo>
+                <a:cubicBezTo>
+                  <a:pt x="5946539" y="1721613"/>
+                  <a:pt x="5707108" y="1645863"/>
+                  <a:pt x="5395488" y="1708160"/>
+                </a:cubicBezTo>
+                <a:cubicBezTo>
+                  <a:pt x="5083868" y="1770457"/>
+                  <a:pt x="5235145" y="1699010"/>
+                  <a:pt x="5124536" y="1708160"/>
+                </a:cubicBezTo>
+                <a:cubicBezTo>
+                  <a:pt x="5013927" y="1717310"/>
+                  <a:pt x="4687134" y="1638338"/>
+                  <a:pt x="4429484" y="1708160"/>
+                </a:cubicBezTo>
+                <a:cubicBezTo>
+                  <a:pt x="4171834" y="1777982"/>
+                  <a:pt x="4188970" y="1664971"/>
+                  <a:pt x="4052507" y="1708160"/>
+                </a:cubicBezTo>
+                <a:cubicBezTo>
+                  <a:pt x="3916044" y="1751349"/>
+                  <a:pt x="3852386" y="1677162"/>
+                  <a:pt x="3781554" y="1708160"/>
+                </a:cubicBezTo>
+                <a:cubicBezTo>
+                  <a:pt x="3710722" y="1739158"/>
+                  <a:pt x="3525608" y="1704955"/>
+                  <a:pt x="3404577" y="1708160"/>
+                </a:cubicBezTo>
+                <a:cubicBezTo>
+                  <a:pt x="3283546" y="1711365"/>
+                  <a:pt x="2943937" y="1640835"/>
+                  <a:pt x="2709525" y="1708160"/>
+                </a:cubicBezTo>
+                <a:cubicBezTo>
+                  <a:pt x="2475113" y="1775485"/>
+                  <a:pt x="2412258" y="1682056"/>
+                  <a:pt x="2332547" y="1708160"/>
+                </a:cubicBezTo>
+                <a:cubicBezTo>
+                  <a:pt x="2252836" y="1734264"/>
+                  <a:pt x="2132118" y="1703831"/>
+                  <a:pt x="2061595" y="1708160"/>
+                </a:cubicBezTo>
+                <a:cubicBezTo>
+                  <a:pt x="1991072" y="1712489"/>
+                  <a:pt x="1855569" y="1689933"/>
+                  <a:pt x="1684618" y="1708160"/>
+                </a:cubicBezTo>
+                <a:cubicBezTo>
+                  <a:pt x="1513667" y="1726387"/>
+                  <a:pt x="1395673" y="1698108"/>
+                  <a:pt x="1201615" y="1708160"/>
+                </a:cubicBezTo>
+                <a:cubicBezTo>
+                  <a:pt x="1007557" y="1718212"/>
+                  <a:pt x="809195" y="1666585"/>
+                  <a:pt x="612588" y="1708160"/>
+                </a:cubicBezTo>
+                <a:cubicBezTo>
+                  <a:pt x="415981" y="1749735"/>
+                  <a:pt x="297994" y="1706036"/>
+                  <a:pt x="0" y="1708160"/>
+                </a:cubicBezTo>
+                <a:cubicBezTo>
+                  <a:pt x="-57509" y="1552635"/>
+                  <a:pt x="70299" y="1393990"/>
+                  <a:pt x="0" y="1104610"/>
+                </a:cubicBezTo>
+                <a:cubicBezTo>
+                  <a:pt x="-70299" y="815230"/>
+                  <a:pt x="10386" y="672556"/>
+                  <a:pt x="0" y="535223"/>
+                </a:cubicBezTo>
+                <a:cubicBezTo>
+                  <a:pt x="-10386" y="397890"/>
+                  <a:pt x="4929" y="110990"/>
+                  <a:pt x="0" y="0"/>
+                </a:cubicBezTo>
+                <a:close/>
+              </a:path>
+            </a:pathLst>
+          </a:custGeom>
+          <a:noFill/>
+          <a:ln w="38100">
+            <a:solidFill>
+              <a:schemeClr val="tx1"/>
+            </a:solidFill>
+            <a:extLst>
+              <a:ext uri="{C807C97D-BFC1-408E-A445-0C87EB9F89A2}">
+                <ask:lineSketchStyleProps xmlns:ask="http://schemas.microsoft.com/office/drawing/2018/sketchyshapes" sd="1219033472">
+                  <a:prstGeom prst="rect">
+                    <a:avLst/>
+                  </a:prstGeom>
+                  <ask:type>
+                    <ask:lineSketchScribble/>
+                  </ask:type>
+                </ask:lineSketchStyleProps>
+              </a:ext>
+            </a:extLst>
+          </a:ln>
+        </p:spPr>
+        <p:txBody>
+          <a:bodyPr wrap="square">
+            <a:spAutoFit/>
+          </a:bodyPr>
+          <a:lstStyle/>
+          <a:p>
+            <a:r>
+              <a:rPr lang="en-GB" sz="3500" b="1" dirty="0"/>
+              <a:t>Conditional Probability </a:t>
+            </a:r>
+            <a:r>
+              <a:rPr lang="en-GB" sz="3500" dirty="0"/>
+              <a:t>is a probability of an event happening given that a previous event is already known to have occurred </a:t>
+            </a:r>
+          </a:p>
+        </p:txBody>
+      </p:sp>
+    </p:spTree>
+    <p:extLst>
+      <p:ext uri="{BB962C8B-B14F-4D97-AF65-F5344CB8AC3E}">
+        <p14:creationId xmlns:p14="http://schemas.microsoft.com/office/powerpoint/2010/main" val="252774317"/>
+      </p:ext>
+    </p:extLst>
+  </p:cSld>
+  <p:clrMapOvr>
+    <a:masterClrMapping/>
+  </p:clrMapOvr>
+  <p:timing>
+    <p:tnLst>
+      <p:par>
+        <p:cTn id="1" dur="indefinite" restart="never" nodeType="tmRoot">
+          <p:childTnLst>
+            <p:seq concurrent="1" nextAc="seek">
+              <p:cTn id="2" dur="indefinite" nodeType="mainSeq">
+                <p:childTnLst>
+                  <p:par>
+                    <p:cTn id="3" fill="hold">
+                      <p:stCondLst>
+                        <p:cond delay="indefinite"/>
+                      </p:stCondLst>
+                      <p:childTnLst>
+                        <p:par>
+                          <p:cTn id="4" fill="hold">
+                            <p:stCondLst>
+                              <p:cond delay="0"/>
+                            </p:stCondLst>
+                            <p:childTnLst>
+                              <p:par>
+                                <p:cTn id="5" presetID="9" presetClass="entr" presetSubtype="0" fill="hold" grpId="0" nodeType="clickEffect">
+                                  <p:stCondLst>
+                                    <p:cond delay="0"/>
+                                  </p:stCondLst>
+                                  <p:childTnLst>
+                                    <p:set>
+                                      <p:cBhvr>
+                                        <p:cTn id="6" dur="1" fill="hold">
+                                          <p:stCondLst>
+                                            <p:cond delay="0"/>
+                                          </p:stCondLst>
+                                        </p:cTn>
+                                        <p:tgtEl>
+                                          <p:spTgt spid="40"/>
+                                        </p:tgtEl>
+                                        <p:attrNameLst>
+                                          <p:attrName>style.visibility</p:attrName>
+                                        </p:attrNameLst>
+                                      </p:cBhvr>
+                                      <p:to>
+                                        <p:strVal val="visible"/>
+                                      </p:to>
+                                    </p:set>
+                                    <p:animEffect transition="in" filter="dissolve">
+                                      <p:cBhvr>
+                                        <p:cTn id="7" dur="500"/>
+                                        <p:tgtEl>
+                                          <p:spTgt spid="40"/>
+                                        </p:tgtEl>
+                                      </p:cBhvr>
+                                    </p:animEffect>
+                                  </p:childTnLst>
+                                </p:cTn>
+                              </p:par>
+                              <p:par>
+                                <p:cTn id="8" presetID="9" presetClass="entr" presetSubtype="0" fill="hold" nodeType="withEffect">
+                                  <p:stCondLst>
+                                    <p:cond delay="0"/>
+                                  </p:stCondLst>
+                                  <p:childTnLst>
+                                    <p:set>
+                                      <p:cBhvr>
+                                        <p:cTn id="9" dur="1" fill="hold">
+                                          <p:stCondLst>
+                                            <p:cond delay="0"/>
+                                          </p:stCondLst>
+                                        </p:cTn>
+                                        <p:tgtEl>
+                                          <p:spTgt spid="44"/>
+                                        </p:tgtEl>
+                                        <p:attrNameLst>
+                                          <p:attrName>style.visibility</p:attrName>
+                                        </p:attrNameLst>
+                                      </p:cBhvr>
+                                      <p:to>
+                                        <p:strVal val="visible"/>
+                                      </p:to>
+                                    </p:set>
+                                    <p:animEffect transition="in" filter="dissolve">
+                                      <p:cBhvr>
+                                        <p:cTn id="10" dur="500"/>
+                                        <p:tgtEl>
+                                          <p:spTgt spid="44"/>
+                                        </p:tgtEl>
+                                      </p:cBhvr>
+                                    </p:animEffect>
+                                  </p:childTnLst>
+                                </p:cTn>
+                              </p:par>
+                            </p:childTnLst>
+                          </p:cTn>
+                        </p:par>
+                      </p:childTnLst>
+                    </p:cTn>
+                  </p:par>
+                  <p:par>
+                    <p:cTn id="11" fill="hold">
+                      <p:stCondLst>
+                        <p:cond delay="indefinite"/>
+                      </p:stCondLst>
+                      <p:childTnLst>
+                        <p:par>
+                          <p:cTn id="12" fill="hold">
+                            <p:stCondLst>
+                              <p:cond delay="0"/>
+                            </p:stCondLst>
+                            <p:childTnLst>
+                              <p:par>
+                                <p:cTn id="13" presetID="9" presetClass="entr" presetSubtype="0" fill="hold" grpId="0" nodeType="clickEffect">
+                                  <p:stCondLst>
+                                    <p:cond delay="0"/>
+                                  </p:stCondLst>
+                                  <p:childTnLst>
+                                    <p:set>
+                                      <p:cBhvr>
+                                        <p:cTn id="14" dur="1" fill="hold">
+                                          <p:stCondLst>
+                                            <p:cond delay="0"/>
+                                          </p:stCondLst>
+                                        </p:cTn>
+                                        <p:tgtEl>
+                                          <p:spTgt spid="41"/>
+                                        </p:tgtEl>
+                                        <p:attrNameLst>
+                                          <p:attrName>style.visibility</p:attrName>
+                                        </p:attrNameLst>
+                                      </p:cBhvr>
+                                      <p:to>
+                                        <p:strVal val="visible"/>
+                                      </p:to>
+                                    </p:set>
+                                    <p:animEffect transition="in" filter="dissolve">
+                                      <p:cBhvr>
+                                        <p:cTn id="15" dur="500"/>
+                                        <p:tgtEl>
+                                          <p:spTgt spid="41"/>
+                                        </p:tgtEl>
+                                      </p:cBhvr>
+                                    </p:animEffect>
+                                  </p:childTnLst>
+                                </p:cTn>
+                              </p:par>
+                              <p:par>
+                                <p:cTn id="16" presetID="9" presetClass="entr" presetSubtype="0" fill="hold" nodeType="withEffect">
+                                  <p:stCondLst>
+                                    <p:cond delay="0"/>
+                                  </p:stCondLst>
+                                  <p:childTnLst>
+                                    <p:set>
+                                      <p:cBhvr>
+                                        <p:cTn id="17" dur="1" fill="hold">
+                                          <p:stCondLst>
+                                            <p:cond delay="0"/>
+                                          </p:stCondLst>
+                                        </p:cTn>
+                                        <p:tgtEl>
+                                          <p:spTgt spid="46"/>
+                                        </p:tgtEl>
+                                        <p:attrNameLst>
+                                          <p:attrName>style.visibility</p:attrName>
+                                        </p:attrNameLst>
+                                      </p:cBhvr>
+                                      <p:to>
+                                        <p:strVal val="visible"/>
+                                      </p:to>
+                                    </p:set>
+                                    <p:animEffect transition="in" filter="dissolve">
+                                      <p:cBhvr>
+                                        <p:cTn id="18" dur="500"/>
+                                        <p:tgtEl>
+                                          <p:spTgt spid="46"/>
+                                        </p:tgtEl>
+                                      </p:cBhvr>
+                                    </p:animEffect>
+                                  </p:childTnLst>
+                                </p:cTn>
+                              </p:par>
+                            </p:childTnLst>
+                          </p:cTn>
+                        </p:par>
+                      </p:childTnLst>
+                    </p:cTn>
+                  </p:par>
+                  <p:par>
+                    <p:cTn id="19" fill="hold">
+                      <p:stCondLst>
+                        <p:cond delay="indefinite"/>
+                      </p:stCondLst>
+                      <p:childTnLst>
+                        <p:par>
+                          <p:cTn id="20" fill="hold">
+                            <p:stCondLst>
+                              <p:cond delay="0"/>
+                            </p:stCondLst>
+                            <p:childTnLst>
+                              <p:par>
+                                <p:cTn id="21" presetID="9" presetClass="entr" presetSubtype="0" fill="hold" grpId="0" nodeType="clickEffect">
+                                  <p:stCondLst>
+                                    <p:cond delay="0"/>
+                                  </p:stCondLst>
+                                  <p:childTnLst>
+                                    <p:set>
+                                      <p:cBhvr>
+                                        <p:cTn id="22" dur="1" fill="hold">
+                                          <p:stCondLst>
+                                            <p:cond delay="0"/>
+                                          </p:stCondLst>
+                                        </p:cTn>
+                                        <p:tgtEl>
+                                          <p:spTgt spid="42"/>
+                                        </p:tgtEl>
+                                        <p:attrNameLst>
+                                          <p:attrName>style.visibility</p:attrName>
+                                        </p:attrNameLst>
+                                      </p:cBhvr>
+                                      <p:to>
+                                        <p:strVal val="visible"/>
+                                      </p:to>
+                                    </p:set>
+                                    <p:animEffect transition="in" filter="dissolve">
+                                      <p:cBhvr>
+                                        <p:cTn id="23" dur="500"/>
+                                        <p:tgtEl>
+                                          <p:spTgt spid="42"/>
+                                        </p:tgtEl>
+                                      </p:cBhvr>
+                                    </p:animEffect>
+                                  </p:childTnLst>
+                                </p:cTn>
+                              </p:par>
+                              <p:par>
+                                <p:cTn id="24" presetID="9" presetClass="entr" presetSubtype="0" fill="hold" nodeType="withEffect">
+                                  <p:stCondLst>
+                                    <p:cond delay="0"/>
+                                  </p:stCondLst>
+                                  <p:childTnLst>
+                                    <p:set>
+                                      <p:cBhvr>
+                                        <p:cTn id="25" dur="1" fill="hold">
+                                          <p:stCondLst>
+                                            <p:cond delay="0"/>
+                                          </p:stCondLst>
+                                        </p:cTn>
+                                        <p:tgtEl>
+                                          <p:spTgt spid="52"/>
+                                        </p:tgtEl>
+                                        <p:attrNameLst>
+                                          <p:attrName>style.visibility</p:attrName>
+                                        </p:attrNameLst>
+                                      </p:cBhvr>
+                                      <p:to>
+                                        <p:strVal val="visible"/>
+                                      </p:to>
+                                    </p:set>
+                                    <p:animEffect transition="in" filter="dissolve">
+                                      <p:cBhvr>
+                                        <p:cTn id="26" dur="500"/>
+                                        <p:tgtEl>
+                                          <p:spTgt spid="52"/>
+                                        </p:tgtEl>
+                                      </p:cBhvr>
+                                    </p:animEffect>
+                                  </p:childTnLst>
+                                </p:cTn>
+                              </p:par>
+                            </p:childTnLst>
+                          </p:cTn>
+                        </p:par>
+                      </p:childTnLst>
+                    </p:cTn>
+                  </p:par>
+                  <p:par>
+                    <p:cTn id="27" fill="hold">
+                      <p:stCondLst>
+                        <p:cond delay="indefinite"/>
+                      </p:stCondLst>
+                      <p:childTnLst>
+                        <p:par>
+                          <p:cTn id="28" fill="hold">
+                            <p:stCondLst>
+                              <p:cond delay="0"/>
+                            </p:stCondLst>
+                            <p:childTnLst>
+                              <p:par>
+                                <p:cTn id="29" presetID="9" presetClass="entr" presetSubtype="0" fill="hold" grpId="0" nodeType="clickEffect">
+                                  <p:stCondLst>
+                                    <p:cond delay="0"/>
+                                  </p:stCondLst>
+                                  <p:childTnLst>
+                                    <p:set>
+                                      <p:cBhvr>
+                                        <p:cTn id="30" dur="1" fill="hold">
+                                          <p:stCondLst>
+                                            <p:cond delay="0"/>
+                                          </p:stCondLst>
+                                        </p:cTn>
+                                        <p:tgtEl>
+                                          <p:spTgt spid="61"/>
+                                        </p:tgtEl>
+                                        <p:attrNameLst>
+                                          <p:attrName>style.visibility</p:attrName>
+                                        </p:attrNameLst>
+                                      </p:cBhvr>
+                                      <p:to>
+                                        <p:strVal val="visible"/>
+                                      </p:to>
+                                    </p:set>
+                                    <p:animEffect transition="in" filter="dissolve">
+                                      <p:cBhvr>
+                                        <p:cTn id="31" dur="500"/>
+                                        <p:tgtEl>
+                                          <p:spTgt spid="61"/>
+                                        </p:tgtEl>
+                                      </p:cBhvr>
+                                    </p:animEffect>
+                                  </p:childTnLst>
+                                </p:cTn>
+                              </p:par>
+                            </p:childTnLst>
+                          </p:cTn>
+                        </p:par>
+                      </p:childTnLst>
+                    </p:cTn>
+                  </p:par>
+                </p:childTnLst>
+              </p:cTn>
+              <p:prevCondLst>
+                <p:cond evt="onPrev" delay="0">
+                  <p:tgtEl>
+                    <p:sldTgt/>
+                  </p:tgtEl>
+                </p:cond>
+              </p:prevCondLst>
+              <p:nextCondLst>
+                <p:cond evt="onNext" delay="0">
+                  <p:tgtEl>
+                    <p:sldTgt/>
+                  </p:tgtEl>
+                </p:cond>
+              </p:nextCondLst>
+            </p:seq>
+          </p:childTnLst>
+        </p:cTn>
+      </p:par>
+    </p:tnLst>
+    <p:bldLst>
+      <p:bldP spid="40" grpId="0" animBg="1"/>
+      <p:bldP spid="41" grpId="0" animBg="1"/>
+      <p:bldP spid="42" grpId="0" animBg="1"/>
+      <p:bldP spid="61" grpId="0" animBg="1"/>
+    </p:bldLst>
+  </p:timing>
+</p:sld>
+</file>
+
+<file path=ppt/slides/slide20.xml><?xml version="1.0" encoding="utf-8"?>
 <p:sld xmlns:a="http://schemas.openxmlformats.org/drawingml/2006/main" xmlns:r="http://schemas.openxmlformats.org/officeDocument/2006/relationships" xmlns:p="http://schemas.openxmlformats.org/presentationml/2006/main" show="0">
   <p:cSld>
     <p:bg>
@@ -19240,7 +23681,7 @@
 </p:sld>
 </file>
 
-<file path=ppt/slides/slide18.xml><?xml version="1.0" encoding="utf-8"?>
+<file path=ppt/slides/slide21.xml><?xml version="1.0" encoding="utf-8"?>
 <p:sld xmlns:a="http://schemas.openxmlformats.org/drawingml/2006/main" xmlns:r="http://schemas.openxmlformats.org/officeDocument/2006/relationships" xmlns:p="http://schemas.openxmlformats.org/presentationml/2006/main" show="0">
   <p:cSld>
     <p:bg>
@@ -20598,7 +25039,7 @@
 </p:sld>
 </file>
 
-<file path=ppt/slides/slide19.xml><?xml version="1.0" encoding="utf-8"?>
+<file path=ppt/slides/slide22.xml><?xml version="1.0" encoding="utf-8"?>
 <p:sld xmlns:a="http://schemas.openxmlformats.org/drawingml/2006/main" xmlns:r="http://schemas.openxmlformats.org/officeDocument/2006/relationships" xmlns:p="http://schemas.openxmlformats.org/presentationml/2006/main" show="0">
   <p:cSld>
     <p:bg>
@@ -21531,1785 +25972,7 @@
 </p:sld>
 </file>
 
-<file path=ppt/slides/slide2.xml><?xml version="1.0" encoding="utf-8"?>
-<p:sld xmlns:a="http://schemas.openxmlformats.org/drawingml/2006/main" xmlns:r="http://schemas.openxmlformats.org/officeDocument/2006/relationships" xmlns:p="http://schemas.openxmlformats.org/presentationml/2006/main">
-  <p:cSld>
-    <p:bg>
-      <p:bgPr>
-        <a:blipFill dpi="0" rotWithShape="1">
-          <a:blip r:embed="rId3">
-            <a:alphaModFix amt="99000"/>
-            <a:lum/>
-          </a:blip>
-          <a:srcRect/>
-          <a:stretch>
-            <a:fillRect t="89000" r="85000" b="-1000"/>
-          </a:stretch>
-        </a:blipFill>
-        <a:effectLst/>
-      </p:bgPr>
-    </p:bg>
-    <p:spTree>
-      <p:nvGrpSpPr>
-        <p:cNvPr id="1" name=""/>
-        <p:cNvGrpSpPr/>
-        <p:nvPr/>
-      </p:nvGrpSpPr>
-      <p:grpSpPr>
-        <a:xfrm>
-          <a:off x="0" y="0"/>
-          <a:ext cx="0" cy="0"/>
-          <a:chOff x="0" y="0"/>
-          <a:chExt cx="0" cy="0"/>
-        </a:xfrm>
-      </p:grpSpPr>
-      <p:sp>
-        <p:nvSpPr>
-          <p:cNvPr id="4" name="Footer Placeholder 3">
-            <a:extLst>
-              <a:ext uri="{FF2B5EF4-FFF2-40B4-BE49-F238E27FC236}">
-                <a16:creationId xmlns:a16="http://schemas.microsoft.com/office/drawing/2014/main" id="{638E7DE1-45EE-476A-A474-0F3C264AEDA3}"/>
-              </a:ext>
-            </a:extLst>
-          </p:cNvPr>
-          <p:cNvSpPr>
-            <a:spLocks noGrp="1"/>
-          </p:cNvSpPr>
-          <p:nvPr>
-            <p:ph type="ftr" sz="quarter" idx="11"/>
-          </p:nvPr>
-        </p:nvSpPr>
-        <p:spPr>
-          <a:xfrm>
-            <a:off x="0" y="6139541"/>
-            <a:ext cx="12192000" cy="718459"/>
-          </a:xfrm>
-          <a:ln w="28575">
-            <a:solidFill>
-              <a:schemeClr val="accent5">
-                <a:lumMod val="50000"/>
-              </a:schemeClr>
-            </a:solidFill>
-          </a:ln>
-        </p:spPr>
-        <p:txBody>
-          <a:bodyPr/>
-          <a:lstStyle/>
-          <a:p>
-            <a:pPr algn="r"/>
-            <a:r>
-              <a:rPr lang="en-US" b="1">
-                <a:solidFill>
-                  <a:schemeClr val="tx1"/>
-                </a:solidFill>
-              </a:rPr>
-              <a:t>CCMACLRL</a:t>
-            </a:r>
-            <a:endParaRPr lang="en-PH" dirty="0"/>
-          </a:p>
-        </p:txBody>
-      </p:sp>
-      <p:sp>
-        <p:nvSpPr>
-          <p:cNvPr id="38" name="Title 1">
-            <a:extLst>
-              <a:ext uri="{FF2B5EF4-FFF2-40B4-BE49-F238E27FC236}">
-                <a16:creationId xmlns:a16="http://schemas.microsoft.com/office/drawing/2014/main" id="{34FAC5F5-ACD5-D061-4054-838F1C03E334}"/>
-              </a:ext>
-            </a:extLst>
-          </p:cNvPr>
-          <p:cNvSpPr>
-            <a:spLocks noGrp="1"/>
-          </p:cNvSpPr>
-          <p:nvPr>
-            <p:ph type="ctrTitle"/>
-          </p:nvPr>
-        </p:nvSpPr>
-        <p:spPr>
-          <a:xfrm>
-            <a:off x="459204" y="378458"/>
-            <a:ext cx="11273589" cy="718459"/>
-          </a:xfrm>
-        </p:spPr>
-        <p:txBody>
-          <a:bodyPr>
-            <a:noAutofit/>
-          </a:bodyPr>
-          <a:lstStyle/>
-          <a:p>
-            <a:r>
-              <a:rPr lang="en-GB" sz="5000" b="1" dirty="0"/>
-              <a:t>Conditional Probability</a:t>
-            </a:r>
-            <a:endParaRPr lang="en-PH" sz="5000" b="1" dirty="0"/>
-          </a:p>
-        </p:txBody>
-      </p:sp>
-      <mc:AlternateContent xmlns:mc="http://schemas.openxmlformats.org/markup-compatibility/2006" xmlns:a14="http://schemas.microsoft.com/office/drawing/2010/main">
-        <mc:Choice Requires="a14">
-          <p:sp>
-            <p:nvSpPr>
-              <p:cNvPr id="39" name="TextBox 38">
-                <a:extLst>
-                  <a:ext uri="{FF2B5EF4-FFF2-40B4-BE49-F238E27FC236}">
-                    <a16:creationId xmlns:a16="http://schemas.microsoft.com/office/drawing/2014/main" id="{BAF322A3-113A-192E-0C3A-7D302E97CC4E}"/>
-                  </a:ext>
-                </a:extLst>
-              </p:cNvPr>
-              <p:cNvSpPr txBox="1"/>
-              <p:nvPr/>
-            </p:nvSpPr>
-            <p:spPr>
-              <a:xfrm>
-                <a:off x="5121060" y="3125165"/>
-                <a:ext cx="2242550" cy="769441"/>
-              </a:xfrm>
-              <a:prstGeom prst="rect">
-                <a:avLst/>
-              </a:prstGeom>
-              <a:noFill/>
-              <a:ln w="38100">
-                <a:noFill/>
-              </a:ln>
-            </p:spPr>
-            <p:txBody>
-              <a:bodyPr wrap="square" lIns="0" tIns="0" rIns="0" bIns="0" rtlCol="0">
-                <a:spAutoFit/>
-              </a:bodyPr>
-              <a:lstStyle/>
-              <a:p>
-                <a:pPr/>
-                <a14:m>
-                  <m:oMathPara xmlns:m="http://schemas.openxmlformats.org/officeDocument/2006/math">
-                    <m:oMathParaPr>
-                      <m:jc m:val="centerGroup"/>
-                    </m:oMathParaPr>
-                    <m:oMath xmlns:m="http://schemas.openxmlformats.org/officeDocument/2006/math">
-                      <m:r>
-                        <a:rPr lang="en-GB" sz="5000" b="0" i="1" smtClean="0">
-                          <a:latin typeface="Cambria Math" panose="02040503050406030204" pitchFamily="18" charset="0"/>
-                        </a:rPr>
-                        <m:t>𝑝</m:t>
-                      </m:r>
-                      <m:d>
-                        <m:dPr>
-                          <m:endChr m:val="|"/>
-                          <m:ctrlPr>
-                            <a:rPr lang="en-GB" sz="5000" b="0" i="1" smtClean="0">
-                              <a:latin typeface="Cambria Math" panose="02040503050406030204" pitchFamily="18" charset="0"/>
-                            </a:rPr>
-                          </m:ctrlPr>
-                        </m:dPr>
-                        <m:e>
-                          <m:r>
-                            <a:rPr lang="en-GB" sz="5000" b="1" i="1" smtClean="0">
-                              <a:solidFill>
-                                <a:srgbClr val="0070C0"/>
-                              </a:solidFill>
-                              <a:latin typeface="Cambria Math" panose="02040503050406030204" pitchFamily="18" charset="0"/>
-                            </a:rPr>
-                            <m:t>𝑩</m:t>
-                          </m:r>
-                        </m:e>
-                      </m:d>
-                      <m:r>
-                        <a:rPr lang="en-GB" sz="5000" b="1" i="1" smtClean="0">
-                          <a:solidFill>
-                            <a:srgbClr val="00B050"/>
-                          </a:solidFill>
-                          <a:latin typeface="Cambria Math" panose="02040503050406030204" pitchFamily="18" charset="0"/>
-                        </a:rPr>
-                        <m:t>𝑨</m:t>
-                      </m:r>
-                      <m:r>
-                        <a:rPr lang="en-GB" sz="5000" b="0" i="1" smtClean="0">
-                          <a:latin typeface="Cambria Math" panose="02040503050406030204" pitchFamily="18" charset="0"/>
-                        </a:rPr>
-                        <m:t>)</m:t>
-                      </m:r>
-                    </m:oMath>
-                  </m:oMathPara>
-                </a14:m>
-                <a:endParaRPr lang="en-US" sz="5000" dirty="0"/>
-              </a:p>
-            </p:txBody>
-          </p:sp>
-        </mc:Choice>
-        <mc:Fallback xmlns="">
-          <p:sp>
-            <p:nvSpPr>
-              <p:cNvPr id="39" name="TextBox 38">
-                <a:extLst>
-                  <a:ext uri="{FF2B5EF4-FFF2-40B4-BE49-F238E27FC236}">
-                    <a16:creationId xmlns:a16="http://schemas.microsoft.com/office/drawing/2014/main" id="{BAF322A3-113A-192E-0C3A-7D302E97CC4E}"/>
-                  </a:ext>
-                </a:extLst>
-              </p:cNvPr>
-              <p:cNvSpPr txBox="1">
-                <a:spLocks noRot="1" noChangeAspect="1" noMove="1" noResize="1" noEditPoints="1" noAdjustHandles="1" noChangeArrowheads="1" noChangeShapeType="1" noTextEdit="1"/>
-              </p:cNvSpPr>
-              <p:nvPr/>
-            </p:nvSpPr>
-            <p:spPr>
-              <a:xfrm>
-                <a:off x="5121060" y="3125165"/>
-                <a:ext cx="2242550" cy="769441"/>
-              </a:xfrm>
-              <a:prstGeom prst="rect">
-                <a:avLst/>
-              </a:prstGeom>
-              <a:blipFill>
-                <a:blip r:embed="rId4"/>
-                <a:stretch>
-                  <a:fillRect l="-3955" r="-7345" b="-34426"/>
-                </a:stretch>
-              </a:blipFill>
-              <a:ln w="38100">
-                <a:noFill/>
-              </a:ln>
-            </p:spPr>
-            <p:txBody>
-              <a:bodyPr/>
-              <a:lstStyle/>
-              <a:p>
-                <a:r>
-                  <a:rPr lang="en-US">
-                    <a:noFill/>
-                  </a:rPr>
-                  <a:t> </a:t>
-                </a:r>
-              </a:p>
-            </p:txBody>
-          </p:sp>
-        </mc:Fallback>
-      </mc:AlternateContent>
-      <p:sp>
-        <p:nvSpPr>
-          <p:cNvPr id="40" name="TextBox 39">
-            <a:extLst>
-              <a:ext uri="{FF2B5EF4-FFF2-40B4-BE49-F238E27FC236}">
-                <a16:creationId xmlns:a16="http://schemas.microsoft.com/office/drawing/2014/main" id="{2276CEB2-A872-A9FA-62C5-BFB1CCFB35D5}"/>
-              </a:ext>
-            </a:extLst>
-          </p:cNvPr>
-          <p:cNvSpPr txBox="1"/>
-          <p:nvPr/>
-        </p:nvSpPr>
-        <p:spPr>
-          <a:xfrm>
-            <a:off x="702731" y="1370588"/>
-            <a:ext cx="3140063" cy="415498"/>
-          </a:xfrm>
-          <a:custGeom>
-            <a:avLst/>
-            <a:gdLst>
-              <a:gd name="connsiteX0" fmla="*/ 0 w 3140063"/>
-              <a:gd name="connsiteY0" fmla="*/ 0 h 415498"/>
-              <a:gd name="connsiteX1" fmla="*/ 491943 w 3140063"/>
-              <a:gd name="connsiteY1" fmla="*/ 0 h 415498"/>
-              <a:gd name="connsiteX2" fmla="*/ 921085 w 3140063"/>
-              <a:gd name="connsiteY2" fmla="*/ 0 h 415498"/>
-              <a:gd name="connsiteX3" fmla="*/ 1507230 w 3140063"/>
-              <a:gd name="connsiteY3" fmla="*/ 0 h 415498"/>
-              <a:gd name="connsiteX4" fmla="*/ 1999173 w 3140063"/>
-              <a:gd name="connsiteY4" fmla="*/ 0 h 415498"/>
-              <a:gd name="connsiteX5" fmla="*/ 2491117 w 3140063"/>
-              <a:gd name="connsiteY5" fmla="*/ 0 h 415498"/>
-              <a:gd name="connsiteX6" fmla="*/ 3140063 w 3140063"/>
-              <a:gd name="connsiteY6" fmla="*/ 0 h 415498"/>
-              <a:gd name="connsiteX7" fmla="*/ 3140063 w 3140063"/>
-              <a:gd name="connsiteY7" fmla="*/ 415498 h 415498"/>
-              <a:gd name="connsiteX8" fmla="*/ 2616719 w 3140063"/>
-              <a:gd name="connsiteY8" fmla="*/ 415498 h 415498"/>
-              <a:gd name="connsiteX9" fmla="*/ 2187577 w 3140063"/>
-              <a:gd name="connsiteY9" fmla="*/ 415498 h 415498"/>
-              <a:gd name="connsiteX10" fmla="*/ 1664233 w 3140063"/>
-              <a:gd name="connsiteY10" fmla="*/ 415498 h 415498"/>
-              <a:gd name="connsiteX11" fmla="*/ 1140890 w 3140063"/>
-              <a:gd name="connsiteY11" fmla="*/ 415498 h 415498"/>
-              <a:gd name="connsiteX12" fmla="*/ 648946 w 3140063"/>
-              <a:gd name="connsiteY12" fmla="*/ 415498 h 415498"/>
-              <a:gd name="connsiteX13" fmla="*/ 0 w 3140063"/>
-              <a:gd name="connsiteY13" fmla="*/ 415498 h 415498"/>
-              <a:gd name="connsiteX14" fmla="*/ 0 w 3140063"/>
-              <a:gd name="connsiteY14" fmla="*/ 0 h 415498"/>
-            </a:gdLst>
-            <a:ahLst/>
-            <a:cxnLst>
-              <a:cxn ang="0">
-                <a:pos x="connsiteX0" y="connsiteY0"/>
-              </a:cxn>
-              <a:cxn ang="0">
-                <a:pos x="connsiteX1" y="connsiteY1"/>
-              </a:cxn>
-              <a:cxn ang="0">
-                <a:pos x="connsiteX2" y="connsiteY2"/>
-              </a:cxn>
-              <a:cxn ang="0">
-                <a:pos x="connsiteX3" y="connsiteY3"/>
-              </a:cxn>
-              <a:cxn ang="0">
-                <a:pos x="connsiteX4" y="connsiteY4"/>
-              </a:cxn>
-              <a:cxn ang="0">
-                <a:pos x="connsiteX5" y="connsiteY5"/>
-              </a:cxn>
-              <a:cxn ang="0">
-                <a:pos x="connsiteX6" y="connsiteY6"/>
-              </a:cxn>
-              <a:cxn ang="0">
-                <a:pos x="connsiteX7" y="connsiteY7"/>
-              </a:cxn>
-              <a:cxn ang="0">
-                <a:pos x="connsiteX8" y="connsiteY8"/>
-              </a:cxn>
-              <a:cxn ang="0">
-                <a:pos x="connsiteX9" y="connsiteY9"/>
-              </a:cxn>
-              <a:cxn ang="0">
-                <a:pos x="connsiteX10" y="connsiteY10"/>
-              </a:cxn>
-              <a:cxn ang="0">
-                <a:pos x="connsiteX11" y="connsiteY11"/>
-              </a:cxn>
-              <a:cxn ang="0">
-                <a:pos x="connsiteX12" y="connsiteY12"/>
-              </a:cxn>
-              <a:cxn ang="0">
-                <a:pos x="connsiteX13" y="connsiteY13"/>
-              </a:cxn>
-              <a:cxn ang="0">
-                <a:pos x="connsiteX14" y="connsiteY14"/>
-              </a:cxn>
-            </a:cxnLst>
-            <a:rect l="l" t="t" r="r" b="b"/>
-            <a:pathLst>
-              <a:path w="3140063" h="415498" extrusionOk="0">
-                <a:moveTo>
-                  <a:pt x="0" y="0"/>
-                </a:moveTo>
-                <a:cubicBezTo>
-                  <a:pt x="172743" y="-29537"/>
-                  <a:pt x="334520" y="50504"/>
-                  <a:pt x="491943" y="0"/>
-                </a:cubicBezTo>
-                <a:cubicBezTo>
-                  <a:pt x="649366" y="-50504"/>
-                  <a:pt x="746674" y="35585"/>
-                  <a:pt x="921085" y="0"/>
-                </a:cubicBezTo>
-                <a:cubicBezTo>
-                  <a:pt x="1095496" y="-35585"/>
-                  <a:pt x="1379030" y="55473"/>
-                  <a:pt x="1507230" y="0"/>
-                </a:cubicBezTo>
-                <a:cubicBezTo>
-                  <a:pt x="1635431" y="-55473"/>
-                  <a:pt x="1887607" y="4811"/>
-                  <a:pt x="1999173" y="0"/>
-                </a:cubicBezTo>
-                <a:cubicBezTo>
-                  <a:pt x="2110739" y="-4811"/>
-                  <a:pt x="2340001" y="35954"/>
-                  <a:pt x="2491117" y="0"/>
-                </a:cubicBezTo>
-                <a:cubicBezTo>
-                  <a:pt x="2642233" y="-35954"/>
-                  <a:pt x="2845969" y="55954"/>
-                  <a:pt x="3140063" y="0"/>
-                </a:cubicBezTo>
-                <a:cubicBezTo>
-                  <a:pt x="3171390" y="157511"/>
-                  <a:pt x="3092411" y="314550"/>
-                  <a:pt x="3140063" y="415498"/>
-                </a:cubicBezTo>
-                <a:cubicBezTo>
-                  <a:pt x="3024956" y="431166"/>
-                  <a:pt x="2733199" y="404055"/>
-                  <a:pt x="2616719" y="415498"/>
-                </a:cubicBezTo>
-                <a:cubicBezTo>
-                  <a:pt x="2500239" y="426941"/>
-                  <a:pt x="2330001" y="389362"/>
-                  <a:pt x="2187577" y="415498"/>
-                </a:cubicBezTo>
-                <a:cubicBezTo>
-                  <a:pt x="2045153" y="441634"/>
-                  <a:pt x="1854213" y="368371"/>
-                  <a:pt x="1664233" y="415498"/>
-                </a:cubicBezTo>
-                <a:cubicBezTo>
-                  <a:pt x="1474253" y="462625"/>
-                  <a:pt x="1365608" y="359740"/>
-                  <a:pt x="1140890" y="415498"/>
-                </a:cubicBezTo>
-                <a:cubicBezTo>
-                  <a:pt x="916172" y="471256"/>
-                  <a:pt x="850356" y="405949"/>
-                  <a:pt x="648946" y="415498"/>
-                </a:cubicBezTo>
-                <a:cubicBezTo>
-                  <a:pt x="447536" y="425047"/>
-                  <a:pt x="302978" y="376828"/>
-                  <a:pt x="0" y="415498"/>
-                </a:cubicBezTo>
-                <a:cubicBezTo>
-                  <a:pt x="-35028" y="246976"/>
-                  <a:pt x="545" y="184217"/>
-                  <a:pt x="0" y="0"/>
-                </a:cubicBezTo>
-                <a:close/>
-              </a:path>
-            </a:pathLst>
-          </a:custGeom>
-          <a:noFill/>
-          <a:ln w="38100">
-            <a:solidFill>
-              <a:schemeClr val="tx1"/>
-            </a:solidFill>
-            <a:extLst>
-              <a:ext uri="{C807C97D-BFC1-408E-A445-0C87EB9F89A2}">
-                <ask:lineSketchStyleProps xmlns:ask="http://schemas.microsoft.com/office/drawing/2018/sketchyshapes" sd="1219033472">
-                  <a:prstGeom prst="rect">
-                    <a:avLst/>
-                  </a:prstGeom>
-                  <ask:type>
-                    <ask:lineSketchScribble/>
-                  </ask:type>
-                </ask:lineSketchStyleProps>
-              </a:ext>
-            </a:extLst>
-          </a:ln>
-        </p:spPr>
-        <p:txBody>
-          <a:bodyPr wrap="square">
-            <a:spAutoFit/>
-          </a:bodyPr>
-          <a:lstStyle/>
-          <a:p>
-            <a:r>
-              <a:rPr lang="en-GB" sz="2100" dirty="0"/>
-              <a:t>What is the probability of..</a:t>
-            </a:r>
-          </a:p>
-        </p:txBody>
-      </p:sp>
-      <p:sp>
-        <p:nvSpPr>
-          <p:cNvPr id="41" name="TextBox 40">
-            <a:extLst>
-              <a:ext uri="{FF2B5EF4-FFF2-40B4-BE49-F238E27FC236}">
-                <a16:creationId xmlns:a16="http://schemas.microsoft.com/office/drawing/2014/main" id="{AA9B72F0-6F02-0FA1-9536-810563EBC801}"/>
-              </a:ext>
-            </a:extLst>
-          </p:cNvPr>
-          <p:cNvSpPr txBox="1"/>
-          <p:nvPr/>
-        </p:nvSpPr>
-        <p:spPr>
-          <a:xfrm>
-            <a:off x="4525968" y="1239126"/>
-            <a:ext cx="1055025" cy="415498"/>
-          </a:xfrm>
-          <a:custGeom>
-            <a:avLst/>
-            <a:gdLst>
-              <a:gd name="connsiteX0" fmla="*/ 0 w 1055025"/>
-              <a:gd name="connsiteY0" fmla="*/ 0 h 415498"/>
-              <a:gd name="connsiteX1" fmla="*/ 516962 w 1055025"/>
-              <a:gd name="connsiteY1" fmla="*/ 0 h 415498"/>
-              <a:gd name="connsiteX2" fmla="*/ 1055025 w 1055025"/>
-              <a:gd name="connsiteY2" fmla="*/ 0 h 415498"/>
-              <a:gd name="connsiteX3" fmla="*/ 1055025 w 1055025"/>
-              <a:gd name="connsiteY3" fmla="*/ 415498 h 415498"/>
-              <a:gd name="connsiteX4" fmla="*/ 527513 w 1055025"/>
-              <a:gd name="connsiteY4" fmla="*/ 415498 h 415498"/>
-              <a:gd name="connsiteX5" fmla="*/ 0 w 1055025"/>
-              <a:gd name="connsiteY5" fmla="*/ 415498 h 415498"/>
-              <a:gd name="connsiteX6" fmla="*/ 0 w 1055025"/>
-              <a:gd name="connsiteY6" fmla="*/ 0 h 415498"/>
-            </a:gdLst>
-            <a:ahLst/>
-            <a:cxnLst>
-              <a:cxn ang="0">
-                <a:pos x="connsiteX0" y="connsiteY0"/>
-              </a:cxn>
-              <a:cxn ang="0">
-                <a:pos x="connsiteX1" y="connsiteY1"/>
-              </a:cxn>
-              <a:cxn ang="0">
-                <a:pos x="connsiteX2" y="connsiteY2"/>
-              </a:cxn>
-              <a:cxn ang="0">
-                <a:pos x="connsiteX3" y="connsiteY3"/>
-              </a:cxn>
-              <a:cxn ang="0">
-                <a:pos x="connsiteX4" y="connsiteY4"/>
-              </a:cxn>
-              <a:cxn ang="0">
-                <a:pos x="connsiteX5" y="connsiteY5"/>
-              </a:cxn>
-              <a:cxn ang="0">
-                <a:pos x="connsiteX6" y="connsiteY6"/>
-              </a:cxn>
-            </a:cxnLst>
-            <a:rect l="l" t="t" r="r" b="b"/>
-            <a:pathLst>
-              <a:path w="1055025" h="415498" extrusionOk="0">
-                <a:moveTo>
-                  <a:pt x="0" y="0"/>
-                </a:moveTo>
-                <a:cubicBezTo>
-                  <a:pt x="156205" y="-55703"/>
-                  <a:pt x="399607" y="31977"/>
-                  <a:pt x="516962" y="0"/>
-                </a:cubicBezTo>
-                <a:cubicBezTo>
-                  <a:pt x="634317" y="-31977"/>
-                  <a:pt x="854339" y="8309"/>
-                  <a:pt x="1055025" y="0"/>
-                </a:cubicBezTo>
-                <a:cubicBezTo>
-                  <a:pt x="1095522" y="91588"/>
-                  <a:pt x="1033953" y="324265"/>
-                  <a:pt x="1055025" y="415498"/>
-                </a:cubicBezTo>
-                <a:cubicBezTo>
-                  <a:pt x="921974" y="470014"/>
-                  <a:pt x="705808" y="365876"/>
-                  <a:pt x="527513" y="415498"/>
-                </a:cubicBezTo>
-                <a:cubicBezTo>
-                  <a:pt x="349218" y="465120"/>
-                  <a:pt x="107706" y="355724"/>
-                  <a:pt x="0" y="415498"/>
-                </a:cubicBezTo>
-                <a:cubicBezTo>
-                  <a:pt x="-19083" y="223688"/>
-                  <a:pt x="32990" y="132975"/>
-                  <a:pt x="0" y="0"/>
-                </a:cubicBezTo>
-                <a:close/>
-              </a:path>
-            </a:pathLst>
-          </a:custGeom>
-          <a:noFill/>
-          <a:ln w="38100">
-            <a:solidFill>
-              <a:srgbClr val="0070C0"/>
-            </a:solidFill>
-            <a:extLst>
-              <a:ext uri="{C807C97D-BFC1-408E-A445-0C87EB9F89A2}">
-                <ask:lineSketchStyleProps xmlns:ask="http://schemas.microsoft.com/office/drawing/2018/sketchyshapes" sd="1219033472">
-                  <a:prstGeom prst="rect">
-                    <a:avLst/>
-                  </a:prstGeom>
-                  <ask:type>
-                    <ask:lineSketchScribble/>
-                  </ask:type>
-                </ask:lineSketchStyleProps>
-              </a:ext>
-            </a:extLst>
-          </a:ln>
-        </p:spPr>
-        <p:txBody>
-          <a:bodyPr wrap="square">
-            <a:spAutoFit/>
-          </a:bodyPr>
-          <a:lstStyle/>
-          <a:p>
-            <a:r>
-              <a:rPr lang="en-GB" sz="2100" dirty="0"/>
-              <a:t>Event </a:t>
-            </a:r>
-            <a:r>
-              <a:rPr lang="en-GB" sz="2100" b="1" dirty="0">
-                <a:solidFill>
-                  <a:srgbClr val="0070C0"/>
-                </a:solidFill>
-              </a:rPr>
-              <a:t>B</a:t>
-            </a:r>
-          </a:p>
-        </p:txBody>
-      </p:sp>
-      <p:sp>
-        <p:nvSpPr>
-          <p:cNvPr id="42" name="TextBox 41">
-            <a:extLst>
-              <a:ext uri="{FF2B5EF4-FFF2-40B4-BE49-F238E27FC236}">
-                <a16:creationId xmlns:a16="http://schemas.microsoft.com/office/drawing/2014/main" id="{ADC003DB-C51A-CB70-ADB3-A1E171ECDD5D}"/>
-              </a:ext>
-            </a:extLst>
-          </p:cNvPr>
-          <p:cNvSpPr txBox="1"/>
-          <p:nvPr/>
-        </p:nvSpPr>
-        <p:spPr>
-          <a:xfrm>
-            <a:off x="8165158" y="1254462"/>
-            <a:ext cx="1189050" cy="415498"/>
-          </a:xfrm>
-          <a:custGeom>
-            <a:avLst/>
-            <a:gdLst>
-              <a:gd name="connsiteX0" fmla="*/ 0 w 1189050"/>
-              <a:gd name="connsiteY0" fmla="*/ 0 h 415498"/>
-              <a:gd name="connsiteX1" fmla="*/ 582635 w 1189050"/>
-              <a:gd name="connsiteY1" fmla="*/ 0 h 415498"/>
-              <a:gd name="connsiteX2" fmla="*/ 1189050 w 1189050"/>
-              <a:gd name="connsiteY2" fmla="*/ 0 h 415498"/>
-              <a:gd name="connsiteX3" fmla="*/ 1189050 w 1189050"/>
-              <a:gd name="connsiteY3" fmla="*/ 415498 h 415498"/>
-              <a:gd name="connsiteX4" fmla="*/ 594525 w 1189050"/>
-              <a:gd name="connsiteY4" fmla="*/ 415498 h 415498"/>
-              <a:gd name="connsiteX5" fmla="*/ 0 w 1189050"/>
-              <a:gd name="connsiteY5" fmla="*/ 415498 h 415498"/>
-              <a:gd name="connsiteX6" fmla="*/ 0 w 1189050"/>
-              <a:gd name="connsiteY6" fmla="*/ 0 h 415498"/>
-            </a:gdLst>
-            <a:ahLst/>
-            <a:cxnLst>
-              <a:cxn ang="0">
-                <a:pos x="connsiteX0" y="connsiteY0"/>
-              </a:cxn>
-              <a:cxn ang="0">
-                <a:pos x="connsiteX1" y="connsiteY1"/>
-              </a:cxn>
-              <a:cxn ang="0">
-                <a:pos x="connsiteX2" y="connsiteY2"/>
-              </a:cxn>
-              <a:cxn ang="0">
-                <a:pos x="connsiteX3" y="connsiteY3"/>
-              </a:cxn>
-              <a:cxn ang="0">
-                <a:pos x="connsiteX4" y="connsiteY4"/>
-              </a:cxn>
-              <a:cxn ang="0">
-                <a:pos x="connsiteX5" y="connsiteY5"/>
-              </a:cxn>
-              <a:cxn ang="0">
-                <a:pos x="connsiteX6" y="connsiteY6"/>
-              </a:cxn>
-            </a:cxnLst>
-            <a:rect l="l" t="t" r="r" b="b"/>
-            <a:pathLst>
-              <a:path w="1189050" h="415498" extrusionOk="0">
-                <a:moveTo>
-                  <a:pt x="0" y="0"/>
-                </a:moveTo>
-                <a:cubicBezTo>
-                  <a:pt x="203445" y="-68192"/>
-                  <a:pt x="417623" y="59890"/>
-                  <a:pt x="582635" y="0"/>
-                </a:cubicBezTo>
-                <a:cubicBezTo>
-                  <a:pt x="747648" y="-59890"/>
-                  <a:pt x="952139" y="3086"/>
-                  <a:pt x="1189050" y="0"/>
-                </a:cubicBezTo>
-                <a:cubicBezTo>
-                  <a:pt x="1229547" y="91588"/>
-                  <a:pt x="1167978" y="324265"/>
-                  <a:pt x="1189050" y="415498"/>
-                </a:cubicBezTo>
-                <a:cubicBezTo>
-                  <a:pt x="919704" y="455709"/>
-                  <a:pt x="725388" y="408284"/>
-                  <a:pt x="594525" y="415498"/>
-                </a:cubicBezTo>
-                <a:cubicBezTo>
-                  <a:pt x="463663" y="422712"/>
-                  <a:pt x="140132" y="360618"/>
-                  <a:pt x="0" y="415498"/>
-                </a:cubicBezTo>
-                <a:cubicBezTo>
-                  <a:pt x="-19083" y="223688"/>
-                  <a:pt x="32990" y="132975"/>
-                  <a:pt x="0" y="0"/>
-                </a:cubicBezTo>
-                <a:close/>
-              </a:path>
-            </a:pathLst>
-          </a:custGeom>
-          <a:noFill/>
-          <a:ln w="38100">
-            <a:solidFill>
-              <a:srgbClr val="00B050"/>
-            </a:solidFill>
-            <a:extLst>
-              <a:ext uri="{C807C97D-BFC1-408E-A445-0C87EB9F89A2}">
-                <ask:lineSketchStyleProps xmlns:ask="http://schemas.microsoft.com/office/drawing/2018/sketchyshapes" sd="1219033472">
-                  <a:prstGeom prst="rect">
-                    <a:avLst/>
-                  </a:prstGeom>
-                  <ask:type>
-                    <ask:lineSketchScribble/>
-                  </ask:type>
-                </ask:lineSketchStyleProps>
-              </a:ext>
-            </a:extLst>
-          </a:ln>
-        </p:spPr>
-        <p:txBody>
-          <a:bodyPr wrap="square">
-            <a:spAutoFit/>
-          </a:bodyPr>
-          <a:lstStyle/>
-          <a:p>
-            <a:r>
-              <a:rPr lang="en-GB" sz="2100" dirty="0"/>
-              <a:t>Event </a:t>
-            </a:r>
-            <a:r>
-              <a:rPr lang="en-GB" sz="2100" b="1" dirty="0">
-                <a:solidFill>
-                  <a:srgbClr val="00B050"/>
-                </a:solidFill>
-              </a:rPr>
-              <a:t>A</a:t>
-            </a:r>
-          </a:p>
-        </p:txBody>
-      </p:sp>
-      <p:cxnSp>
-        <p:nvCxnSpPr>
-          <p:cNvPr id="44" name="Straight Arrow Connector 43">
-            <a:extLst>
-              <a:ext uri="{FF2B5EF4-FFF2-40B4-BE49-F238E27FC236}">
-                <a16:creationId xmlns:a16="http://schemas.microsoft.com/office/drawing/2014/main" id="{AB46427B-B230-47D7-70B8-5A26FD944E0D}"/>
-              </a:ext>
-            </a:extLst>
-          </p:cNvPr>
-          <p:cNvCxnSpPr>
-            <a:cxnSpLocks/>
-            <a:stCxn id="40" idx="2"/>
-            <a:endCxn id="39" idx="1"/>
-          </p:cNvCxnSpPr>
-          <p:nvPr/>
-        </p:nvCxnSpPr>
-        <p:spPr>
-          <a:xfrm>
-            <a:off x="2272763" y="1786086"/>
-            <a:ext cx="2848297" cy="1723800"/>
-          </a:xfrm>
-          <a:prstGeom prst="straightConnector1">
-            <a:avLst/>
-          </a:prstGeom>
-          <a:ln w="38100">
-            <a:solidFill>
-              <a:schemeClr val="tx1"/>
-            </a:solidFill>
-            <a:tailEnd type="triangle"/>
-          </a:ln>
-        </p:spPr>
-        <p:style>
-          <a:lnRef idx="1">
-            <a:schemeClr val="accent1"/>
-          </a:lnRef>
-          <a:fillRef idx="0">
-            <a:schemeClr val="accent1"/>
-          </a:fillRef>
-          <a:effectRef idx="0">
-            <a:schemeClr val="accent1"/>
-          </a:effectRef>
-          <a:fontRef idx="minor">
-            <a:schemeClr val="tx1"/>
-          </a:fontRef>
-        </p:style>
-      </p:cxnSp>
-      <p:cxnSp>
-        <p:nvCxnSpPr>
-          <p:cNvPr id="46" name="Straight Arrow Connector 45">
-            <a:extLst>
-              <a:ext uri="{FF2B5EF4-FFF2-40B4-BE49-F238E27FC236}">
-                <a16:creationId xmlns:a16="http://schemas.microsoft.com/office/drawing/2014/main" id="{794673C9-E893-84A3-B6AA-E13620AF9399}"/>
-              </a:ext>
-            </a:extLst>
-          </p:cNvPr>
-          <p:cNvCxnSpPr>
-            <a:cxnSpLocks/>
-            <a:stCxn id="41" idx="2"/>
-          </p:cNvCxnSpPr>
-          <p:nvPr/>
-        </p:nvCxnSpPr>
-        <p:spPr>
-          <a:xfrm>
-            <a:off x="5053481" y="1654624"/>
-            <a:ext cx="1042519" cy="1252073"/>
-          </a:xfrm>
-          <a:prstGeom prst="straightConnector1">
-            <a:avLst/>
-          </a:prstGeom>
-          <a:ln w="38100">
-            <a:solidFill>
-              <a:srgbClr val="0070C0"/>
-            </a:solidFill>
-            <a:tailEnd type="triangle"/>
-          </a:ln>
-        </p:spPr>
-        <p:style>
-          <a:lnRef idx="1">
-            <a:schemeClr val="accent1"/>
-          </a:lnRef>
-          <a:fillRef idx="0">
-            <a:schemeClr val="accent1"/>
-          </a:fillRef>
-          <a:effectRef idx="0">
-            <a:schemeClr val="accent1"/>
-          </a:effectRef>
-          <a:fontRef idx="minor">
-            <a:schemeClr val="tx1"/>
-          </a:fontRef>
-        </p:style>
-      </p:cxnSp>
-      <p:cxnSp>
-        <p:nvCxnSpPr>
-          <p:cNvPr id="52" name="Straight Arrow Connector 51">
-            <a:extLst>
-              <a:ext uri="{FF2B5EF4-FFF2-40B4-BE49-F238E27FC236}">
-                <a16:creationId xmlns:a16="http://schemas.microsoft.com/office/drawing/2014/main" id="{55C71042-31D7-1B27-CAA8-6C394E3CC981}"/>
-              </a:ext>
-            </a:extLst>
-          </p:cNvPr>
-          <p:cNvCxnSpPr>
-            <a:cxnSpLocks/>
-            <a:stCxn id="42" idx="2"/>
-          </p:cNvCxnSpPr>
-          <p:nvPr/>
-        </p:nvCxnSpPr>
-        <p:spPr>
-          <a:xfrm flipH="1">
-            <a:off x="6910086" y="1669960"/>
-            <a:ext cx="1849597" cy="1582526"/>
-          </a:xfrm>
-          <a:prstGeom prst="straightConnector1">
-            <a:avLst/>
-          </a:prstGeom>
-          <a:ln w="38100">
-            <a:solidFill>
-              <a:srgbClr val="00B050"/>
-            </a:solidFill>
-            <a:tailEnd type="triangle"/>
-          </a:ln>
-        </p:spPr>
-        <p:style>
-          <a:lnRef idx="1">
-            <a:schemeClr val="accent1"/>
-          </a:lnRef>
-          <a:fillRef idx="0">
-            <a:schemeClr val="accent1"/>
-          </a:fillRef>
-          <a:effectRef idx="0">
-            <a:schemeClr val="accent1"/>
-          </a:effectRef>
-          <a:fontRef idx="minor">
-            <a:schemeClr val="tx1"/>
-          </a:fontRef>
-        </p:style>
-      </p:cxnSp>
-      <p:sp>
-        <p:nvSpPr>
-          <p:cNvPr id="61" name="TextBox 60">
-            <a:extLst>
-              <a:ext uri="{FF2B5EF4-FFF2-40B4-BE49-F238E27FC236}">
-                <a16:creationId xmlns:a16="http://schemas.microsoft.com/office/drawing/2014/main" id="{BF7A93C9-E1A7-C7BF-814A-80C9097F3F68}"/>
-              </a:ext>
-            </a:extLst>
-          </p:cNvPr>
-          <p:cNvSpPr txBox="1"/>
-          <p:nvPr/>
-        </p:nvSpPr>
-        <p:spPr>
-          <a:xfrm>
-            <a:off x="941091" y="4297552"/>
-            <a:ext cx="10602488" cy="1708160"/>
-          </a:xfrm>
-          <a:custGeom>
-            <a:avLst/>
-            <a:gdLst>
-              <a:gd name="connsiteX0" fmla="*/ 0 w 10602488"/>
-              <a:gd name="connsiteY0" fmla="*/ 0 h 1708160"/>
-              <a:gd name="connsiteX1" fmla="*/ 483002 w 10602488"/>
-              <a:gd name="connsiteY1" fmla="*/ 0 h 1708160"/>
-              <a:gd name="connsiteX2" fmla="*/ 753955 w 10602488"/>
-              <a:gd name="connsiteY2" fmla="*/ 0 h 1708160"/>
-              <a:gd name="connsiteX3" fmla="*/ 1555032 w 10602488"/>
-              <a:gd name="connsiteY3" fmla="*/ 0 h 1708160"/>
-              <a:gd name="connsiteX4" fmla="*/ 2038034 w 10602488"/>
-              <a:gd name="connsiteY4" fmla="*/ 0 h 1708160"/>
-              <a:gd name="connsiteX5" fmla="*/ 2521036 w 10602488"/>
-              <a:gd name="connsiteY5" fmla="*/ 0 h 1708160"/>
-              <a:gd name="connsiteX6" fmla="*/ 3322113 w 10602488"/>
-              <a:gd name="connsiteY6" fmla="*/ 0 h 1708160"/>
-              <a:gd name="connsiteX7" fmla="*/ 3699090 w 10602488"/>
-              <a:gd name="connsiteY7" fmla="*/ 0 h 1708160"/>
-              <a:gd name="connsiteX8" fmla="*/ 4500167 w 10602488"/>
-              <a:gd name="connsiteY8" fmla="*/ 0 h 1708160"/>
-              <a:gd name="connsiteX9" fmla="*/ 5301244 w 10602488"/>
-              <a:gd name="connsiteY9" fmla="*/ 0 h 1708160"/>
-              <a:gd name="connsiteX10" fmla="*/ 5890271 w 10602488"/>
-              <a:gd name="connsiteY10" fmla="*/ 0 h 1708160"/>
-              <a:gd name="connsiteX11" fmla="*/ 6691348 w 10602488"/>
-              <a:gd name="connsiteY11" fmla="*/ 0 h 1708160"/>
-              <a:gd name="connsiteX12" fmla="*/ 7174350 w 10602488"/>
-              <a:gd name="connsiteY12" fmla="*/ 0 h 1708160"/>
-              <a:gd name="connsiteX13" fmla="*/ 7657352 w 10602488"/>
-              <a:gd name="connsiteY13" fmla="*/ 0 h 1708160"/>
-              <a:gd name="connsiteX14" fmla="*/ 8352404 w 10602488"/>
-              <a:gd name="connsiteY14" fmla="*/ 0 h 1708160"/>
-              <a:gd name="connsiteX15" fmla="*/ 8835407 w 10602488"/>
-              <a:gd name="connsiteY15" fmla="*/ 0 h 1708160"/>
-              <a:gd name="connsiteX16" fmla="*/ 9636484 w 10602488"/>
-              <a:gd name="connsiteY16" fmla="*/ 0 h 1708160"/>
-              <a:gd name="connsiteX17" fmla="*/ 10602488 w 10602488"/>
-              <a:gd name="connsiteY17" fmla="*/ 0 h 1708160"/>
-              <a:gd name="connsiteX18" fmla="*/ 10602488 w 10602488"/>
-              <a:gd name="connsiteY18" fmla="*/ 569387 h 1708160"/>
-              <a:gd name="connsiteX19" fmla="*/ 10602488 w 10602488"/>
-              <a:gd name="connsiteY19" fmla="*/ 1155855 h 1708160"/>
-              <a:gd name="connsiteX20" fmla="*/ 10602488 w 10602488"/>
-              <a:gd name="connsiteY20" fmla="*/ 1708160 h 1708160"/>
-              <a:gd name="connsiteX21" fmla="*/ 10225511 w 10602488"/>
-              <a:gd name="connsiteY21" fmla="*/ 1708160 h 1708160"/>
-              <a:gd name="connsiteX22" fmla="*/ 9636484 w 10602488"/>
-              <a:gd name="connsiteY22" fmla="*/ 1708160 h 1708160"/>
-              <a:gd name="connsiteX23" fmla="*/ 9259506 w 10602488"/>
-              <a:gd name="connsiteY23" fmla="*/ 1708160 h 1708160"/>
-              <a:gd name="connsiteX24" fmla="*/ 8670479 w 10602488"/>
-              <a:gd name="connsiteY24" fmla="*/ 1708160 h 1708160"/>
-              <a:gd name="connsiteX25" fmla="*/ 8399527 w 10602488"/>
-              <a:gd name="connsiteY25" fmla="*/ 1708160 h 1708160"/>
-              <a:gd name="connsiteX26" fmla="*/ 8128574 w 10602488"/>
-              <a:gd name="connsiteY26" fmla="*/ 1708160 h 1708160"/>
-              <a:gd name="connsiteX27" fmla="*/ 7539547 w 10602488"/>
-              <a:gd name="connsiteY27" fmla="*/ 1708160 h 1708160"/>
-              <a:gd name="connsiteX28" fmla="*/ 7162570 w 10602488"/>
-              <a:gd name="connsiteY28" fmla="*/ 1708160 h 1708160"/>
-              <a:gd name="connsiteX29" fmla="*/ 6467518 w 10602488"/>
-              <a:gd name="connsiteY29" fmla="*/ 1708160 h 1708160"/>
-              <a:gd name="connsiteX30" fmla="*/ 6090540 w 10602488"/>
-              <a:gd name="connsiteY30" fmla="*/ 1708160 h 1708160"/>
-              <a:gd name="connsiteX31" fmla="*/ 5395488 w 10602488"/>
-              <a:gd name="connsiteY31" fmla="*/ 1708160 h 1708160"/>
-              <a:gd name="connsiteX32" fmla="*/ 5124536 w 10602488"/>
-              <a:gd name="connsiteY32" fmla="*/ 1708160 h 1708160"/>
-              <a:gd name="connsiteX33" fmla="*/ 4429484 w 10602488"/>
-              <a:gd name="connsiteY33" fmla="*/ 1708160 h 1708160"/>
-              <a:gd name="connsiteX34" fmla="*/ 4052507 w 10602488"/>
-              <a:gd name="connsiteY34" fmla="*/ 1708160 h 1708160"/>
-              <a:gd name="connsiteX35" fmla="*/ 3781554 w 10602488"/>
-              <a:gd name="connsiteY35" fmla="*/ 1708160 h 1708160"/>
-              <a:gd name="connsiteX36" fmla="*/ 3404577 w 10602488"/>
-              <a:gd name="connsiteY36" fmla="*/ 1708160 h 1708160"/>
-              <a:gd name="connsiteX37" fmla="*/ 2709525 w 10602488"/>
-              <a:gd name="connsiteY37" fmla="*/ 1708160 h 1708160"/>
-              <a:gd name="connsiteX38" fmla="*/ 2332547 w 10602488"/>
-              <a:gd name="connsiteY38" fmla="*/ 1708160 h 1708160"/>
-              <a:gd name="connsiteX39" fmla="*/ 2061595 w 10602488"/>
-              <a:gd name="connsiteY39" fmla="*/ 1708160 h 1708160"/>
-              <a:gd name="connsiteX40" fmla="*/ 1684618 w 10602488"/>
-              <a:gd name="connsiteY40" fmla="*/ 1708160 h 1708160"/>
-              <a:gd name="connsiteX41" fmla="*/ 1201615 w 10602488"/>
-              <a:gd name="connsiteY41" fmla="*/ 1708160 h 1708160"/>
-              <a:gd name="connsiteX42" fmla="*/ 612588 w 10602488"/>
-              <a:gd name="connsiteY42" fmla="*/ 1708160 h 1708160"/>
-              <a:gd name="connsiteX43" fmla="*/ 0 w 10602488"/>
-              <a:gd name="connsiteY43" fmla="*/ 1708160 h 1708160"/>
-              <a:gd name="connsiteX44" fmla="*/ 0 w 10602488"/>
-              <a:gd name="connsiteY44" fmla="*/ 1104610 h 1708160"/>
-              <a:gd name="connsiteX45" fmla="*/ 0 w 10602488"/>
-              <a:gd name="connsiteY45" fmla="*/ 535223 h 1708160"/>
-              <a:gd name="connsiteX46" fmla="*/ 0 w 10602488"/>
-              <a:gd name="connsiteY46" fmla="*/ 0 h 1708160"/>
-            </a:gdLst>
-            <a:ahLst/>
-            <a:cxnLst>
-              <a:cxn ang="0">
-                <a:pos x="connsiteX0" y="connsiteY0"/>
-              </a:cxn>
-              <a:cxn ang="0">
-                <a:pos x="connsiteX1" y="connsiteY1"/>
-              </a:cxn>
-              <a:cxn ang="0">
-                <a:pos x="connsiteX2" y="connsiteY2"/>
-              </a:cxn>
-              <a:cxn ang="0">
-                <a:pos x="connsiteX3" y="connsiteY3"/>
-              </a:cxn>
-              <a:cxn ang="0">
-                <a:pos x="connsiteX4" y="connsiteY4"/>
-              </a:cxn>
-              <a:cxn ang="0">
-                <a:pos x="connsiteX5" y="connsiteY5"/>
-              </a:cxn>
-              <a:cxn ang="0">
-                <a:pos x="connsiteX6" y="connsiteY6"/>
-              </a:cxn>
-              <a:cxn ang="0">
-                <a:pos x="connsiteX7" y="connsiteY7"/>
-              </a:cxn>
-              <a:cxn ang="0">
-                <a:pos x="connsiteX8" y="connsiteY8"/>
-              </a:cxn>
-              <a:cxn ang="0">
-                <a:pos x="connsiteX9" y="connsiteY9"/>
-              </a:cxn>
-              <a:cxn ang="0">
-                <a:pos x="connsiteX10" y="connsiteY10"/>
-              </a:cxn>
-              <a:cxn ang="0">
-                <a:pos x="connsiteX11" y="connsiteY11"/>
-              </a:cxn>
-              <a:cxn ang="0">
-                <a:pos x="connsiteX12" y="connsiteY12"/>
-              </a:cxn>
-              <a:cxn ang="0">
-                <a:pos x="connsiteX13" y="connsiteY13"/>
-              </a:cxn>
-              <a:cxn ang="0">
-                <a:pos x="connsiteX14" y="connsiteY14"/>
-              </a:cxn>
-              <a:cxn ang="0">
-                <a:pos x="connsiteX15" y="connsiteY15"/>
-              </a:cxn>
-              <a:cxn ang="0">
-                <a:pos x="connsiteX16" y="connsiteY16"/>
-              </a:cxn>
-              <a:cxn ang="0">
-                <a:pos x="connsiteX17" y="connsiteY17"/>
-              </a:cxn>
-              <a:cxn ang="0">
-                <a:pos x="connsiteX18" y="connsiteY18"/>
-              </a:cxn>
-              <a:cxn ang="0">
-                <a:pos x="connsiteX19" y="connsiteY19"/>
-              </a:cxn>
-              <a:cxn ang="0">
-                <a:pos x="connsiteX20" y="connsiteY20"/>
-              </a:cxn>
-              <a:cxn ang="0">
-                <a:pos x="connsiteX21" y="connsiteY21"/>
-              </a:cxn>
-              <a:cxn ang="0">
-                <a:pos x="connsiteX22" y="connsiteY22"/>
-              </a:cxn>
-              <a:cxn ang="0">
-                <a:pos x="connsiteX23" y="connsiteY23"/>
-              </a:cxn>
-              <a:cxn ang="0">
-                <a:pos x="connsiteX24" y="connsiteY24"/>
-              </a:cxn>
-              <a:cxn ang="0">
-                <a:pos x="connsiteX25" y="connsiteY25"/>
-              </a:cxn>
-              <a:cxn ang="0">
-                <a:pos x="connsiteX26" y="connsiteY26"/>
-              </a:cxn>
-              <a:cxn ang="0">
-                <a:pos x="connsiteX27" y="connsiteY27"/>
-              </a:cxn>
-              <a:cxn ang="0">
-                <a:pos x="connsiteX28" y="connsiteY28"/>
-              </a:cxn>
-              <a:cxn ang="0">
-                <a:pos x="connsiteX29" y="connsiteY29"/>
-              </a:cxn>
-              <a:cxn ang="0">
-                <a:pos x="connsiteX30" y="connsiteY30"/>
-              </a:cxn>
-              <a:cxn ang="0">
-                <a:pos x="connsiteX31" y="connsiteY31"/>
-              </a:cxn>
-              <a:cxn ang="0">
-                <a:pos x="connsiteX32" y="connsiteY32"/>
-              </a:cxn>
-              <a:cxn ang="0">
-                <a:pos x="connsiteX33" y="connsiteY33"/>
-              </a:cxn>
-              <a:cxn ang="0">
-                <a:pos x="connsiteX34" y="connsiteY34"/>
-              </a:cxn>
-              <a:cxn ang="0">
-                <a:pos x="connsiteX35" y="connsiteY35"/>
-              </a:cxn>
-              <a:cxn ang="0">
-                <a:pos x="connsiteX36" y="connsiteY36"/>
-              </a:cxn>
-              <a:cxn ang="0">
-                <a:pos x="connsiteX37" y="connsiteY37"/>
-              </a:cxn>
-              <a:cxn ang="0">
-                <a:pos x="connsiteX38" y="connsiteY38"/>
-              </a:cxn>
-              <a:cxn ang="0">
-                <a:pos x="connsiteX39" y="connsiteY39"/>
-              </a:cxn>
-              <a:cxn ang="0">
-                <a:pos x="connsiteX40" y="connsiteY40"/>
-              </a:cxn>
-              <a:cxn ang="0">
-                <a:pos x="connsiteX41" y="connsiteY41"/>
-              </a:cxn>
-              <a:cxn ang="0">
-                <a:pos x="connsiteX42" y="connsiteY42"/>
-              </a:cxn>
-              <a:cxn ang="0">
-                <a:pos x="connsiteX43" y="connsiteY43"/>
-              </a:cxn>
-              <a:cxn ang="0">
-                <a:pos x="connsiteX44" y="connsiteY44"/>
-              </a:cxn>
-              <a:cxn ang="0">
-                <a:pos x="connsiteX45" y="connsiteY45"/>
-              </a:cxn>
-              <a:cxn ang="0">
-                <a:pos x="connsiteX46" y="connsiteY46"/>
-              </a:cxn>
-            </a:cxnLst>
-            <a:rect l="l" t="t" r="r" b="b"/>
-            <a:pathLst>
-              <a:path w="10602488" h="1708160" extrusionOk="0">
-                <a:moveTo>
-                  <a:pt x="0" y="0"/>
-                </a:moveTo>
-                <a:cubicBezTo>
-                  <a:pt x="97568" y="-44297"/>
-                  <a:pt x="326444" y="6944"/>
-                  <a:pt x="483002" y="0"/>
-                </a:cubicBezTo>
-                <a:cubicBezTo>
-                  <a:pt x="639560" y="-6944"/>
-                  <a:pt x="647760" y="29095"/>
-                  <a:pt x="753955" y="0"/>
-                </a:cubicBezTo>
-                <a:cubicBezTo>
-                  <a:pt x="860150" y="-29095"/>
-                  <a:pt x="1245701" y="60181"/>
-                  <a:pt x="1555032" y="0"/>
-                </a:cubicBezTo>
-                <a:cubicBezTo>
-                  <a:pt x="1864363" y="-60181"/>
-                  <a:pt x="1939383" y="25129"/>
-                  <a:pt x="2038034" y="0"/>
-                </a:cubicBezTo>
-                <a:cubicBezTo>
-                  <a:pt x="2136685" y="-25129"/>
-                  <a:pt x="2390578" y="42979"/>
-                  <a:pt x="2521036" y="0"/>
-                </a:cubicBezTo>
-                <a:cubicBezTo>
-                  <a:pt x="2651494" y="-42979"/>
-                  <a:pt x="3056861" y="35316"/>
-                  <a:pt x="3322113" y="0"/>
-                </a:cubicBezTo>
-                <a:cubicBezTo>
-                  <a:pt x="3587365" y="-35316"/>
-                  <a:pt x="3554669" y="9601"/>
-                  <a:pt x="3699090" y="0"/>
-                </a:cubicBezTo>
-                <a:cubicBezTo>
-                  <a:pt x="3843511" y="-9601"/>
-                  <a:pt x="4333086" y="76215"/>
-                  <a:pt x="4500167" y="0"/>
-                </a:cubicBezTo>
-                <a:cubicBezTo>
-                  <a:pt x="4667248" y="-76215"/>
-                  <a:pt x="4912127" y="67402"/>
-                  <a:pt x="5301244" y="0"/>
-                </a:cubicBezTo>
-                <a:cubicBezTo>
-                  <a:pt x="5690361" y="-67402"/>
-                  <a:pt x="5645474" y="49125"/>
-                  <a:pt x="5890271" y="0"/>
-                </a:cubicBezTo>
-                <a:cubicBezTo>
-                  <a:pt x="6135068" y="-49125"/>
-                  <a:pt x="6314956" y="49222"/>
-                  <a:pt x="6691348" y="0"/>
-                </a:cubicBezTo>
-                <a:cubicBezTo>
-                  <a:pt x="7067740" y="-49222"/>
-                  <a:pt x="7010209" y="17620"/>
-                  <a:pt x="7174350" y="0"/>
-                </a:cubicBezTo>
-                <a:cubicBezTo>
-                  <a:pt x="7338491" y="-17620"/>
-                  <a:pt x="7492331" y="46381"/>
-                  <a:pt x="7657352" y="0"/>
-                </a:cubicBezTo>
-                <a:cubicBezTo>
-                  <a:pt x="7822373" y="-46381"/>
-                  <a:pt x="8021830" y="62340"/>
-                  <a:pt x="8352404" y="0"/>
-                </a:cubicBezTo>
-                <a:cubicBezTo>
-                  <a:pt x="8682978" y="-62340"/>
-                  <a:pt x="8650092" y="21348"/>
-                  <a:pt x="8835407" y="0"/>
-                </a:cubicBezTo>
-                <a:cubicBezTo>
-                  <a:pt x="9020722" y="-21348"/>
-                  <a:pt x="9318599" y="50083"/>
-                  <a:pt x="9636484" y="0"/>
-                </a:cubicBezTo>
-                <a:cubicBezTo>
-                  <a:pt x="9954369" y="-50083"/>
-                  <a:pt x="10155035" y="65699"/>
-                  <a:pt x="10602488" y="0"/>
-                </a:cubicBezTo>
-                <a:cubicBezTo>
-                  <a:pt x="10646681" y="171786"/>
-                  <a:pt x="10584178" y="368887"/>
-                  <a:pt x="10602488" y="569387"/>
-                </a:cubicBezTo>
-                <a:cubicBezTo>
-                  <a:pt x="10620798" y="769887"/>
-                  <a:pt x="10554966" y="1037745"/>
-                  <a:pt x="10602488" y="1155855"/>
-                </a:cubicBezTo>
-                <a:cubicBezTo>
-                  <a:pt x="10650010" y="1273965"/>
-                  <a:pt x="10548290" y="1554713"/>
-                  <a:pt x="10602488" y="1708160"/>
-                </a:cubicBezTo>
-                <a:cubicBezTo>
-                  <a:pt x="10497912" y="1737390"/>
-                  <a:pt x="10317064" y="1678052"/>
-                  <a:pt x="10225511" y="1708160"/>
-                </a:cubicBezTo>
-                <a:cubicBezTo>
-                  <a:pt x="10133958" y="1738268"/>
-                  <a:pt x="9905356" y="1687096"/>
-                  <a:pt x="9636484" y="1708160"/>
-                </a:cubicBezTo>
-                <a:cubicBezTo>
-                  <a:pt x="9367612" y="1729224"/>
-                  <a:pt x="9398341" y="1699900"/>
-                  <a:pt x="9259506" y="1708160"/>
-                </a:cubicBezTo>
-                <a:cubicBezTo>
-                  <a:pt x="9120671" y="1716420"/>
-                  <a:pt x="8961294" y="1663955"/>
-                  <a:pt x="8670479" y="1708160"/>
-                </a:cubicBezTo>
-                <a:cubicBezTo>
-                  <a:pt x="8379664" y="1752365"/>
-                  <a:pt x="8468090" y="1680359"/>
-                  <a:pt x="8399527" y="1708160"/>
-                </a:cubicBezTo>
-                <a:cubicBezTo>
-                  <a:pt x="8330964" y="1735961"/>
-                  <a:pt x="8257321" y="1682231"/>
-                  <a:pt x="8128574" y="1708160"/>
-                </a:cubicBezTo>
-                <a:cubicBezTo>
-                  <a:pt x="7999827" y="1734089"/>
-                  <a:pt x="7769555" y="1691887"/>
-                  <a:pt x="7539547" y="1708160"/>
-                </a:cubicBezTo>
-                <a:cubicBezTo>
-                  <a:pt x="7309539" y="1724433"/>
-                  <a:pt x="7244072" y="1672308"/>
-                  <a:pt x="7162570" y="1708160"/>
-                </a:cubicBezTo>
-                <a:cubicBezTo>
-                  <a:pt x="7081068" y="1744012"/>
-                  <a:pt x="6685253" y="1643678"/>
-                  <a:pt x="6467518" y="1708160"/>
-                </a:cubicBezTo>
-                <a:cubicBezTo>
-                  <a:pt x="6249783" y="1772642"/>
-                  <a:pt x="6234541" y="1694707"/>
-                  <a:pt x="6090540" y="1708160"/>
-                </a:cubicBezTo>
-                <a:cubicBezTo>
-                  <a:pt x="5946539" y="1721613"/>
-                  <a:pt x="5707108" y="1645863"/>
-                  <a:pt x="5395488" y="1708160"/>
-                </a:cubicBezTo>
-                <a:cubicBezTo>
-                  <a:pt x="5083868" y="1770457"/>
-                  <a:pt x="5235145" y="1699010"/>
-                  <a:pt x="5124536" y="1708160"/>
-                </a:cubicBezTo>
-                <a:cubicBezTo>
-                  <a:pt x="5013927" y="1717310"/>
-                  <a:pt x="4687134" y="1638338"/>
-                  <a:pt x="4429484" y="1708160"/>
-                </a:cubicBezTo>
-                <a:cubicBezTo>
-                  <a:pt x="4171834" y="1777982"/>
-                  <a:pt x="4188970" y="1664971"/>
-                  <a:pt x="4052507" y="1708160"/>
-                </a:cubicBezTo>
-                <a:cubicBezTo>
-                  <a:pt x="3916044" y="1751349"/>
-                  <a:pt x="3852386" y="1677162"/>
-                  <a:pt x="3781554" y="1708160"/>
-                </a:cubicBezTo>
-                <a:cubicBezTo>
-                  <a:pt x="3710722" y="1739158"/>
-                  <a:pt x="3525608" y="1704955"/>
-                  <a:pt x="3404577" y="1708160"/>
-                </a:cubicBezTo>
-                <a:cubicBezTo>
-                  <a:pt x="3283546" y="1711365"/>
-                  <a:pt x="2943937" y="1640835"/>
-                  <a:pt x="2709525" y="1708160"/>
-                </a:cubicBezTo>
-                <a:cubicBezTo>
-                  <a:pt x="2475113" y="1775485"/>
-                  <a:pt x="2412258" y="1682056"/>
-                  <a:pt x="2332547" y="1708160"/>
-                </a:cubicBezTo>
-                <a:cubicBezTo>
-                  <a:pt x="2252836" y="1734264"/>
-                  <a:pt x="2132118" y="1703831"/>
-                  <a:pt x="2061595" y="1708160"/>
-                </a:cubicBezTo>
-                <a:cubicBezTo>
-                  <a:pt x="1991072" y="1712489"/>
-                  <a:pt x="1855569" y="1689933"/>
-                  <a:pt x="1684618" y="1708160"/>
-                </a:cubicBezTo>
-                <a:cubicBezTo>
-                  <a:pt x="1513667" y="1726387"/>
-                  <a:pt x="1395673" y="1698108"/>
-                  <a:pt x="1201615" y="1708160"/>
-                </a:cubicBezTo>
-                <a:cubicBezTo>
-                  <a:pt x="1007557" y="1718212"/>
-                  <a:pt x="809195" y="1666585"/>
-                  <a:pt x="612588" y="1708160"/>
-                </a:cubicBezTo>
-                <a:cubicBezTo>
-                  <a:pt x="415981" y="1749735"/>
-                  <a:pt x="297994" y="1706036"/>
-                  <a:pt x="0" y="1708160"/>
-                </a:cubicBezTo>
-                <a:cubicBezTo>
-                  <a:pt x="-57509" y="1552635"/>
-                  <a:pt x="70299" y="1393990"/>
-                  <a:pt x="0" y="1104610"/>
-                </a:cubicBezTo>
-                <a:cubicBezTo>
-                  <a:pt x="-70299" y="815230"/>
-                  <a:pt x="10386" y="672556"/>
-                  <a:pt x="0" y="535223"/>
-                </a:cubicBezTo>
-                <a:cubicBezTo>
-                  <a:pt x="-10386" y="397890"/>
-                  <a:pt x="4929" y="110990"/>
-                  <a:pt x="0" y="0"/>
-                </a:cubicBezTo>
-                <a:close/>
-              </a:path>
-            </a:pathLst>
-          </a:custGeom>
-          <a:noFill/>
-          <a:ln w="38100">
-            <a:solidFill>
-              <a:schemeClr val="tx1"/>
-            </a:solidFill>
-            <a:extLst>
-              <a:ext uri="{C807C97D-BFC1-408E-A445-0C87EB9F89A2}">
-                <ask:lineSketchStyleProps xmlns:ask="http://schemas.microsoft.com/office/drawing/2018/sketchyshapes" sd="1219033472">
-                  <a:prstGeom prst="rect">
-                    <a:avLst/>
-                  </a:prstGeom>
-                  <ask:type>
-                    <ask:lineSketchScribble/>
-                  </ask:type>
-                </ask:lineSketchStyleProps>
-              </a:ext>
-            </a:extLst>
-          </a:ln>
-        </p:spPr>
-        <p:txBody>
-          <a:bodyPr wrap="square">
-            <a:spAutoFit/>
-          </a:bodyPr>
-          <a:lstStyle/>
-          <a:p>
-            <a:r>
-              <a:rPr lang="en-GB" sz="3500" b="1" dirty="0"/>
-              <a:t>Conditional Probability </a:t>
-            </a:r>
-            <a:r>
-              <a:rPr lang="en-GB" sz="3500" dirty="0"/>
-              <a:t>is a probability of an event happening given that a previous event is already known to have occurred </a:t>
-            </a:r>
-          </a:p>
-        </p:txBody>
-      </p:sp>
-    </p:spTree>
-    <p:extLst>
-      <p:ext uri="{BB962C8B-B14F-4D97-AF65-F5344CB8AC3E}">
-        <p14:creationId xmlns:p14="http://schemas.microsoft.com/office/powerpoint/2010/main" val="252774317"/>
-      </p:ext>
-    </p:extLst>
-  </p:cSld>
-  <p:clrMapOvr>
-    <a:masterClrMapping/>
-  </p:clrMapOvr>
-  <p:timing>
-    <p:tnLst>
-      <p:par>
-        <p:cTn id="1" dur="indefinite" restart="never" nodeType="tmRoot">
-          <p:childTnLst>
-            <p:seq concurrent="1" nextAc="seek">
-              <p:cTn id="2" dur="indefinite" nodeType="mainSeq">
-                <p:childTnLst>
-                  <p:par>
-                    <p:cTn id="3" fill="hold">
-                      <p:stCondLst>
-                        <p:cond delay="indefinite"/>
-                      </p:stCondLst>
-                      <p:childTnLst>
-                        <p:par>
-                          <p:cTn id="4" fill="hold">
-                            <p:stCondLst>
-                              <p:cond delay="0"/>
-                            </p:stCondLst>
-                            <p:childTnLst>
-                              <p:par>
-                                <p:cTn id="5" presetID="9" presetClass="entr" presetSubtype="0" fill="hold" grpId="0" nodeType="clickEffect">
-                                  <p:stCondLst>
-                                    <p:cond delay="0"/>
-                                  </p:stCondLst>
-                                  <p:childTnLst>
-                                    <p:set>
-                                      <p:cBhvr>
-                                        <p:cTn id="6" dur="1" fill="hold">
-                                          <p:stCondLst>
-                                            <p:cond delay="0"/>
-                                          </p:stCondLst>
-                                        </p:cTn>
-                                        <p:tgtEl>
-                                          <p:spTgt spid="40"/>
-                                        </p:tgtEl>
-                                        <p:attrNameLst>
-                                          <p:attrName>style.visibility</p:attrName>
-                                        </p:attrNameLst>
-                                      </p:cBhvr>
-                                      <p:to>
-                                        <p:strVal val="visible"/>
-                                      </p:to>
-                                    </p:set>
-                                    <p:animEffect transition="in" filter="dissolve">
-                                      <p:cBhvr>
-                                        <p:cTn id="7" dur="500"/>
-                                        <p:tgtEl>
-                                          <p:spTgt spid="40"/>
-                                        </p:tgtEl>
-                                      </p:cBhvr>
-                                    </p:animEffect>
-                                  </p:childTnLst>
-                                </p:cTn>
-                              </p:par>
-                              <p:par>
-                                <p:cTn id="8" presetID="9" presetClass="entr" presetSubtype="0" fill="hold" nodeType="withEffect">
-                                  <p:stCondLst>
-                                    <p:cond delay="0"/>
-                                  </p:stCondLst>
-                                  <p:childTnLst>
-                                    <p:set>
-                                      <p:cBhvr>
-                                        <p:cTn id="9" dur="1" fill="hold">
-                                          <p:stCondLst>
-                                            <p:cond delay="0"/>
-                                          </p:stCondLst>
-                                        </p:cTn>
-                                        <p:tgtEl>
-                                          <p:spTgt spid="44"/>
-                                        </p:tgtEl>
-                                        <p:attrNameLst>
-                                          <p:attrName>style.visibility</p:attrName>
-                                        </p:attrNameLst>
-                                      </p:cBhvr>
-                                      <p:to>
-                                        <p:strVal val="visible"/>
-                                      </p:to>
-                                    </p:set>
-                                    <p:animEffect transition="in" filter="dissolve">
-                                      <p:cBhvr>
-                                        <p:cTn id="10" dur="500"/>
-                                        <p:tgtEl>
-                                          <p:spTgt spid="44"/>
-                                        </p:tgtEl>
-                                      </p:cBhvr>
-                                    </p:animEffect>
-                                  </p:childTnLst>
-                                </p:cTn>
-                              </p:par>
-                            </p:childTnLst>
-                          </p:cTn>
-                        </p:par>
-                      </p:childTnLst>
-                    </p:cTn>
-                  </p:par>
-                  <p:par>
-                    <p:cTn id="11" fill="hold">
-                      <p:stCondLst>
-                        <p:cond delay="indefinite"/>
-                      </p:stCondLst>
-                      <p:childTnLst>
-                        <p:par>
-                          <p:cTn id="12" fill="hold">
-                            <p:stCondLst>
-                              <p:cond delay="0"/>
-                            </p:stCondLst>
-                            <p:childTnLst>
-                              <p:par>
-                                <p:cTn id="13" presetID="9" presetClass="entr" presetSubtype="0" fill="hold" grpId="0" nodeType="clickEffect">
-                                  <p:stCondLst>
-                                    <p:cond delay="0"/>
-                                  </p:stCondLst>
-                                  <p:childTnLst>
-                                    <p:set>
-                                      <p:cBhvr>
-                                        <p:cTn id="14" dur="1" fill="hold">
-                                          <p:stCondLst>
-                                            <p:cond delay="0"/>
-                                          </p:stCondLst>
-                                        </p:cTn>
-                                        <p:tgtEl>
-                                          <p:spTgt spid="41"/>
-                                        </p:tgtEl>
-                                        <p:attrNameLst>
-                                          <p:attrName>style.visibility</p:attrName>
-                                        </p:attrNameLst>
-                                      </p:cBhvr>
-                                      <p:to>
-                                        <p:strVal val="visible"/>
-                                      </p:to>
-                                    </p:set>
-                                    <p:animEffect transition="in" filter="dissolve">
-                                      <p:cBhvr>
-                                        <p:cTn id="15" dur="500"/>
-                                        <p:tgtEl>
-                                          <p:spTgt spid="41"/>
-                                        </p:tgtEl>
-                                      </p:cBhvr>
-                                    </p:animEffect>
-                                  </p:childTnLst>
-                                </p:cTn>
-                              </p:par>
-                              <p:par>
-                                <p:cTn id="16" presetID="9" presetClass="entr" presetSubtype="0" fill="hold" nodeType="withEffect">
-                                  <p:stCondLst>
-                                    <p:cond delay="0"/>
-                                  </p:stCondLst>
-                                  <p:childTnLst>
-                                    <p:set>
-                                      <p:cBhvr>
-                                        <p:cTn id="17" dur="1" fill="hold">
-                                          <p:stCondLst>
-                                            <p:cond delay="0"/>
-                                          </p:stCondLst>
-                                        </p:cTn>
-                                        <p:tgtEl>
-                                          <p:spTgt spid="46"/>
-                                        </p:tgtEl>
-                                        <p:attrNameLst>
-                                          <p:attrName>style.visibility</p:attrName>
-                                        </p:attrNameLst>
-                                      </p:cBhvr>
-                                      <p:to>
-                                        <p:strVal val="visible"/>
-                                      </p:to>
-                                    </p:set>
-                                    <p:animEffect transition="in" filter="dissolve">
-                                      <p:cBhvr>
-                                        <p:cTn id="18" dur="500"/>
-                                        <p:tgtEl>
-                                          <p:spTgt spid="46"/>
-                                        </p:tgtEl>
-                                      </p:cBhvr>
-                                    </p:animEffect>
-                                  </p:childTnLst>
-                                </p:cTn>
-                              </p:par>
-                            </p:childTnLst>
-                          </p:cTn>
-                        </p:par>
-                      </p:childTnLst>
-                    </p:cTn>
-                  </p:par>
-                  <p:par>
-                    <p:cTn id="19" fill="hold">
-                      <p:stCondLst>
-                        <p:cond delay="indefinite"/>
-                      </p:stCondLst>
-                      <p:childTnLst>
-                        <p:par>
-                          <p:cTn id="20" fill="hold">
-                            <p:stCondLst>
-                              <p:cond delay="0"/>
-                            </p:stCondLst>
-                            <p:childTnLst>
-                              <p:par>
-                                <p:cTn id="21" presetID="9" presetClass="entr" presetSubtype="0" fill="hold" grpId="0" nodeType="clickEffect">
-                                  <p:stCondLst>
-                                    <p:cond delay="0"/>
-                                  </p:stCondLst>
-                                  <p:childTnLst>
-                                    <p:set>
-                                      <p:cBhvr>
-                                        <p:cTn id="22" dur="1" fill="hold">
-                                          <p:stCondLst>
-                                            <p:cond delay="0"/>
-                                          </p:stCondLst>
-                                        </p:cTn>
-                                        <p:tgtEl>
-                                          <p:spTgt spid="42"/>
-                                        </p:tgtEl>
-                                        <p:attrNameLst>
-                                          <p:attrName>style.visibility</p:attrName>
-                                        </p:attrNameLst>
-                                      </p:cBhvr>
-                                      <p:to>
-                                        <p:strVal val="visible"/>
-                                      </p:to>
-                                    </p:set>
-                                    <p:animEffect transition="in" filter="dissolve">
-                                      <p:cBhvr>
-                                        <p:cTn id="23" dur="500"/>
-                                        <p:tgtEl>
-                                          <p:spTgt spid="42"/>
-                                        </p:tgtEl>
-                                      </p:cBhvr>
-                                    </p:animEffect>
-                                  </p:childTnLst>
-                                </p:cTn>
-                              </p:par>
-                              <p:par>
-                                <p:cTn id="24" presetID="9" presetClass="entr" presetSubtype="0" fill="hold" nodeType="withEffect">
-                                  <p:stCondLst>
-                                    <p:cond delay="0"/>
-                                  </p:stCondLst>
-                                  <p:childTnLst>
-                                    <p:set>
-                                      <p:cBhvr>
-                                        <p:cTn id="25" dur="1" fill="hold">
-                                          <p:stCondLst>
-                                            <p:cond delay="0"/>
-                                          </p:stCondLst>
-                                        </p:cTn>
-                                        <p:tgtEl>
-                                          <p:spTgt spid="52"/>
-                                        </p:tgtEl>
-                                        <p:attrNameLst>
-                                          <p:attrName>style.visibility</p:attrName>
-                                        </p:attrNameLst>
-                                      </p:cBhvr>
-                                      <p:to>
-                                        <p:strVal val="visible"/>
-                                      </p:to>
-                                    </p:set>
-                                    <p:animEffect transition="in" filter="dissolve">
-                                      <p:cBhvr>
-                                        <p:cTn id="26" dur="500"/>
-                                        <p:tgtEl>
-                                          <p:spTgt spid="52"/>
-                                        </p:tgtEl>
-                                      </p:cBhvr>
-                                    </p:animEffect>
-                                  </p:childTnLst>
-                                </p:cTn>
-                              </p:par>
-                            </p:childTnLst>
-                          </p:cTn>
-                        </p:par>
-                      </p:childTnLst>
-                    </p:cTn>
-                  </p:par>
-                  <p:par>
-                    <p:cTn id="27" fill="hold">
-                      <p:stCondLst>
-                        <p:cond delay="indefinite"/>
-                      </p:stCondLst>
-                      <p:childTnLst>
-                        <p:par>
-                          <p:cTn id="28" fill="hold">
-                            <p:stCondLst>
-                              <p:cond delay="0"/>
-                            </p:stCondLst>
-                            <p:childTnLst>
-                              <p:par>
-                                <p:cTn id="29" presetID="9" presetClass="entr" presetSubtype="0" fill="hold" grpId="0" nodeType="clickEffect">
-                                  <p:stCondLst>
-                                    <p:cond delay="0"/>
-                                  </p:stCondLst>
-                                  <p:childTnLst>
-                                    <p:set>
-                                      <p:cBhvr>
-                                        <p:cTn id="30" dur="1" fill="hold">
-                                          <p:stCondLst>
-                                            <p:cond delay="0"/>
-                                          </p:stCondLst>
-                                        </p:cTn>
-                                        <p:tgtEl>
-                                          <p:spTgt spid="61"/>
-                                        </p:tgtEl>
-                                        <p:attrNameLst>
-                                          <p:attrName>style.visibility</p:attrName>
-                                        </p:attrNameLst>
-                                      </p:cBhvr>
-                                      <p:to>
-                                        <p:strVal val="visible"/>
-                                      </p:to>
-                                    </p:set>
-                                    <p:animEffect transition="in" filter="dissolve">
-                                      <p:cBhvr>
-                                        <p:cTn id="31" dur="500"/>
-                                        <p:tgtEl>
-                                          <p:spTgt spid="61"/>
-                                        </p:tgtEl>
-                                      </p:cBhvr>
-                                    </p:animEffect>
-                                  </p:childTnLst>
-                                </p:cTn>
-                              </p:par>
-                            </p:childTnLst>
-                          </p:cTn>
-                        </p:par>
-                      </p:childTnLst>
-                    </p:cTn>
-                  </p:par>
-                </p:childTnLst>
-              </p:cTn>
-              <p:prevCondLst>
-                <p:cond evt="onPrev" delay="0">
-                  <p:tgtEl>
-                    <p:sldTgt/>
-                  </p:tgtEl>
-                </p:cond>
-              </p:prevCondLst>
-              <p:nextCondLst>
-                <p:cond evt="onNext" delay="0">
-                  <p:tgtEl>
-                    <p:sldTgt/>
-                  </p:tgtEl>
-                </p:cond>
-              </p:nextCondLst>
-            </p:seq>
-          </p:childTnLst>
-        </p:cTn>
-      </p:par>
-    </p:tnLst>
-    <p:bldLst>
-      <p:bldP spid="40" grpId="0" animBg="1"/>
-      <p:bldP spid="41" grpId="0" animBg="1"/>
-      <p:bldP spid="42" grpId="0" animBg="1"/>
-      <p:bldP spid="61" grpId="0" animBg="1"/>
-    </p:bldLst>
-  </p:timing>
-</p:sld>
-</file>
-
-<file path=ppt/slides/slide20.xml><?xml version="1.0" encoding="utf-8"?>
+<file path=ppt/slides/slide23.xml><?xml version="1.0" encoding="utf-8"?>
 <p:sld xmlns:a="http://schemas.openxmlformats.org/drawingml/2006/main" xmlns:r="http://schemas.openxmlformats.org/officeDocument/2006/relationships" xmlns:p="http://schemas.openxmlformats.org/presentationml/2006/main" show="0">
   <p:cSld>
     <p:bg>
@@ -23917,7 +26580,7 @@
 </p:sld>
 </file>
 
-<file path=ppt/slides/slide21.xml><?xml version="1.0" encoding="utf-8"?>
+<file path=ppt/slides/slide24.xml><?xml version="1.0" encoding="utf-8"?>
 <p:sld xmlns:a="http://schemas.openxmlformats.org/drawingml/2006/main" xmlns:r="http://schemas.openxmlformats.org/officeDocument/2006/relationships" xmlns:p="http://schemas.openxmlformats.org/presentationml/2006/main" show="0">
   <p:cSld>
     <p:bg>
@@ -24991,7 +27654,7 @@
 </p:sld>
 </file>
 
-<file path=ppt/slides/slide22.xml><?xml version="1.0" encoding="utf-8"?>
+<file path=ppt/slides/slide25.xml><?xml version="1.0" encoding="utf-8"?>
 <p:sld xmlns:a="http://schemas.openxmlformats.org/drawingml/2006/main" xmlns:r="http://schemas.openxmlformats.org/officeDocument/2006/relationships" xmlns:p="http://schemas.openxmlformats.org/presentationml/2006/main" show="0">
   <p:cSld>
     <p:bg>
@@ -25444,7 +28107,7 @@
 </p:sld>
 </file>
 
-<file path=ppt/slides/slide23.xml><?xml version="1.0" encoding="utf-8"?>
+<file path=ppt/slides/slide26.xml><?xml version="1.0" encoding="utf-8"?>
 <p:sld xmlns:a="http://schemas.openxmlformats.org/drawingml/2006/main" xmlns:r="http://schemas.openxmlformats.org/officeDocument/2006/relationships" xmlns:p="http://schemas.openxmlformats.org/presentationml/2006/main" show="0">
   <p:cSld>
     <p:bg>
@@ -38773,21 +41436,6 @@
 </file>
 
 <file path=customXml/item1.xml><?xml version="1.0" encoding="utf-8"?>
-<p:properties xmlns:p="http://schemas.microsoft.com/office/2006/metadata/properties" xmlns:xsi="http://www.w3.org/2001/XMLSchema-instance" xmlns:pc="http://schemas.microsoft.com/office/infopath/2007/PartnerControls">
-  <documentManagement/>
-</p:properties>
-</file>
-
-<file path=customXml/item2.xml><?xml version="1.0" encoding="utf-8"?>
-<?mso-contentType ?>
-<FormTemplates xmlns="http://schemas.microsoft.com/sharepoint/v3/contenttype/forms">
-  <Display>DocumentLibraryForm</Display>
-  <Edit>DocumentLibraryForm</Edit>
-  <New>DocumentLibraryForm</New>
-</FormTemplates>
-</file>
-
-<file path=customXml/item3.xml><?xml version="1.0" encoding="utf-8"?>
 <ct:contentTypeSchema xmlns:ct="http://schemas.microsoft.com/office/2006/metadata/contentType" xmlns:ma="http://schemas.microsoft.com/office/2006/metadata/properties/metaAttributes" ct:_="" ma:_="" ma:contentTypeName="Document" ma:contentTypeID="0x0101007188BDCA587B344BBA6CB1A93FAE6998" ma:contentTypeVersion="2" ma:contentTypeDescription="Create a new document." ma:contentTypeScope="" ma:versionID="7a8e4b6720badb2566a0cfeddfaf2856">
   <xsd:schema xmlns:xsd="http://www.w3.org/2001/XMLSchema" xmlns:xs="http://www.w3.org/2001/XMLSchema" xmlns:p="http://schemas.microsoft.com/office/2006/metadata/properties" xmlns:ns2="ba111d12-426d-4af0-bcb6-460e36974645" targetNamespace="http://schemas.microsoft.com/office/2006/metadata/properties" ma:root="true" ma:fieldsID="989b05398519136c88ba0a8d54e3c3da" ns2:_="">
     <xsd:import namespace="ba111d12-426d-4af0-bcb6-460e36974645"/>
@@ -38919,24 +41567,22 @@
 </ct:contentTypeSchema>
 </file>
 
-<file path=customXml/itemProps1.xml><?xml version="1.0" encoding="utf-8"?>
-<ds:datastoreItem xmlns:ds="http://schemas.openxmlformats.org/officeDocument/2006/customXml" ds:itemID="{7ACF14CA-9E7F-410C-99DF-E0FAFDE78C11}">
-  <ds:schemaRefs>
-    <ds:schemaRef ds:uri="http://schemas.microsoft.com/office/2006/metadata/properties"/>
-    <ds:schemaRef ds:uri="http://schemas.microsoft.com/office/infopath/2007/PartnerControls"/>
-  </ds:schemaRefs>
-</ds:datastoreItem>
+<file path=customXml/item2.xml><?xml version="1.0" encoding="utf-8"?>
+<?mso-contentType ?>
+<FormTemplates xmlns="http://schemas.microsoft.com/sharepoint/v3/contenttype/forms">
+  <Display>DocumentLibraryForm</Display>
+  <Edit>DocumentLibraryForm</Edit>
+  <New>DocumentLibraryForm</New>
+</FormTemplates>
 </file>
 
-<file path=customXml/itemProps2.xml><?xml version="1.0" encoding="utf-8"?>
-<ds:datastoreItem xmlns:ds="http://schemas.openxmlformats.org/officeDocument/2006/customXml" ds:itemID="{6C1A3F1B-CE3A-47AB-9F84-47E786467973}">
-  <ds:schemaRefs>
-    <ds:schemaRef ds:uri="http://schemas.microsoft.com/sharepoint/v3/contenttype/forms"/>
-  </ds:schemaRefs>
-</ds:datastoreItem>
+<file path=customXml/item3.xml><?xml version="1.0" encoding="utf-8"?>
+<p:properties xmlns:p="http://schemas.microsoft.com/office/2006/metadata/properties" xmlns:xsi="http://www.w3.org/2001/XMLSchema-instance" xmlns:pc="http://schemas.microsoft.com/office/infopath/2007/PartnerControls">
+  <documentManagement/>
+</p:properties>
 </file>
 
-<file path=customXml/itemProps3.xml><?xml version="1.0" encoding="utf-8"?>
+<file path=customXml/itemProps1.xml><?xml version="1.0" encoding="utf-8"?>
 <ds:datastoreItem xmlns:ds="http://schemas.openxmlformats.org/officeDocument/2006/customXml" ds:itemID="{D622FF19-6ECD-4B79-A412-9430824D2BB6}">
   <ds:schemaRefs>
     <ds:schemaRef ds:uri="http://schemas.microsoft.com/office/2006/metadata/contentType"/>
@@ -38952,4 +41598,21 @@
     <ds:schemaRef ds:uri="http://schemas.microsoft.com/internal/obd"/>
   </ds:schemaRefs>
 </ds:datastoreItem>
+</file>
+
+<file path=customXml/itemProps2.xml><?xml version="1.0" encoding="utf-8"?>
+<ds:datastoreItem xmlns:ds="http://schemas.openxmlformats.org/officeDocument/2006/customXml" ds:itemID="{6C1A3F1B-CE3A-47AB-9F84-47E786467973}">
+  <ds:schemaRefs>
+    <ds:schemaRef ds:uri="http://schemas.microsoft.com/sharepoint/v3/contenttype/forms"/>
+  </ds:schemaRefs>
+</ds:datastoreItem>
+</file>
+
+<file path=customXml/itemProps3.xml><?xml version="1.0" encoding="utf-8"?>
+<ds:datastoreItem xmlns:ds="http://schemas.openxmlformats.org/officeDocument/2006/customXml" ds:itemID="{7ACF14CA-9E7F-410C-99DF-E0FAFDE78C11}">
+  <ds:schemaRefs>
+    <ds:schemaRef ds:uri="http://schemas.microsoft.com/office/2006/metadata/properties"/>
+    <ds:schemaRef ds:uri="http://schemas.microsoft.com/office/infopath/2007/PartnerControls"/>
+  </ds:schemaRefs>
+</ds:datastoreItem>
 </file>